--- a/Presentation_climate_research.pptx
+++ b/Presentation_climate_research.pptx
@@ -1,23 +1,28 @@
 
 <file path=ppt/presentation.xml><?xml version="1.0" encoding="utf-8"?>
-<p:presentation xmlns:a="http://schemas.openxmlformats.org/drawingml/2006/main" xmlns:p="http://schemas.openxmlformats.org/presentationml/2006/main" xmlns:r="http://schemas.openxmlformats.org/officeDocument/2006/relationships" autoCompressPictures="0" saveSubsetFonts="1">
+<p:presentation xmlns:a="http://schemas.openxmlformats.org/drawingml/2006/main" xmlns:r="http://schemas.openxmlformats.org/officeDocument/2006/relationships" xmlns:p="http://schemas.openxmlformats.org/presentationml/2006/main" saveSubsetFonts="1" autoCompressPictures="0">
   <p:sldMasterIdLst>
     <p:sldMasterId id="2147483648" r:id="rId1"/>
   </p:sldMasterIdLst>
+  <p:notesMasterIdLst>
+    <p:notesMasterId r:id="rId17"/>
+  </p:notesMasterIdLst>
   <p:sldIdLst>
     <p:sldId id="256" r:id="rId2"/>
     <p:sldId id="257" r:id="rId3"/>
     <p:sldId id="258" r:id="rId4"/>
-    <p:sldId id="259" r:id="rId5"/>
-    <p:sldId id="260" r:id="rId6"/>
-    <p:sldId id="261" r:id="rId7"/>
-    <p:sldId id="262" r:id="rId8"/>
-    <p:sldId id="263" r:id="rId9"/>
-    <p:sldId id="264" r:id="rId10"/>
-    <p:sldId id="265" r:id="rId11"/>
-    <p:sldId id="266" r:id="rId12"/>
-    <p:sldId id="267" r:id="rId13"/>
-    <p:sldId id="268" r:id="rId14"/>
+    <p:sldId id="337" r:id="rId5"/>
+    <p:sldId id="288" r:id="rId6"/>
+    <p:sldId id="259" r:id="rId7"/>
+    <p:sldId id="260" r:id="rId8"/>
+    <p:sldId id="261" r:id="rId9"/>
+    <p:sldId id="262" r:id="rId10"/>
+    <p:sldId id="263" r:id="rId11"/>
+    <p:sldId id="264" r:id="rId12"/>
+    <p:sldId id="265" r:id="rId13"/>
+    <p:sldId id="266" r:id="rId14"/>
+    <p:sldId id="267" r:id="rId15"/>
+    <p:sldId id="340" r:id="rId16"/>
   </p:sldIdLst>
   <p:sldSz cx="9144000" cy="5143500" type="screen16x9"/>
   <p:notesSz cx="6858000" cy="9144000"/>
@@ -25,8 +30,8 @@
     <a:defPPr>
       <a:defRPr lang="en-US"/>
     </a:defPPr>
-    <a:lvl1pPr algn="l" defTabSz="457200" eaLnBrk="1" hangingPunct="1" latinLnBrk="0" marL="0" rtl="0">
-      <a:defRPr kern="1200" sz="1800">
+    <a:lvl1pPr marL="0" algn="l" defTabSz="457200" rtl="0" eaLnBrk="1" latinLnBrk="0" hangingPunct="1">
+      <a:defRPr sz="1800" kern="1200">
         <a:solidFill>
           <a:schemeClr val="tx1"/>
         </a:solidFill>
@@ -35,8 +40,8 @@
         <a:cs typeface="+mn-cs"/>
       </a:defRPr>
     </a:lvl1pPr>
-    <a:lvl2pPr algn="l" defTabSz="457200" eaLnBrk="1" hangingPunct="1" latinLnBrk="0" marL="457200" rtl="0">
-      <a:defRPr kern="1200" sz="1800">
+    <a:lvl2pPr marL="457200" algn="l" defTabSz="457200" rtl="0" eaLnBrk="1" latinLnBrk="0" hangingPunct="1">
+      <a:defRPr sz="1800" kern="1200">
         <a:solidFill>
           <a:schemeClr val="tx1"/>
         </a:solidFill>
@@ -45,8 +50,8 @@
         <a:cs typeface="+mn-cs"/>
       </a:defRPr>
     </a:lvl2pPr>
-    <a:lvl3pPr algn="l" defTabSz="457200" eaLnBrk="1" hangingPunct="1" latinLnBrk="0" marL="914400" rtl="0">
-      <a:defRPr kern="1200" sz="1800">
+    <a:lvl3pPr marL="914400" algn="l" defTabSz="457200" rtl="0" eaLnBrk="1" latinLnBrk="0" hangingPunct="1">
+      <a:defRPr sz="1800" kern="1200">
         <a:solidFill>
           <a:schemeClr val="tx1"/>
         </a:solidFill>
@@ -55,8 +60,8 @@
         <a:cs typeface="+mn-cs"/>
       </a:defRPr>
     </a:lvl3pPr>
-    <a:lvl4pPr algn="l" defTabSz="457200" eaLnBrk="1" hangingPunct="1" latinLnBrk="0" marL="1371600" rtl="0">
-      <a:defRPr kern="1200" sz="1800">
+    <a:lvl4pPr marL="1371600" algn="l" defTabSz="457200" rtl="0" eaLnBrk="1" latinLnBrk="0" hangingPunct="1">
+      <a:defRPr sz="1800" kern="1200">
         <a:solidFill>
           <a:schemeClr val="tx1"/>
         </a:solidFill>
@@ -65,8 +70,8 @@
         <a:cs typeface="+mn-cs"/>
       </a:defRPr>
     </a:lvl4pPr>
-    <a:lvl5pPr algn="l" defTabSz="457200" eaLnBrk="1" hangingPunct="1" latinLnBrk="0" marL="1828800" rtl="0">
-      <a:defRPr kern="1200" sz="1800">
+    <a:lvl5pPr marL="1828800" algn="l" defTabSz="457200" rtl="0" eaLnBrk="1" latinLnBrk="0" hangingPunct="1">
+      <a:defRPr sz="1800" kern="1200">
         <a:solidFill>
           <a:schemeClr val="tx1"/>
         </a:solidFill>
@@ -75,8 +80,8 @@
         <a:cs typeface="+mn-cs"/>
       </a:defRPr>
     </a:lvl5pPr>
-    <a:lvl6pPr algn="l" defTabSz="457200" eaLnBrk="1" hangingPunct="1" latinLnBrk="0" marL="2286000" rtl="0">
-      <a:defRPr kern="1200" sz="1800">
+    <a:lvl6pPr marL="2286000" algn="l" defTabSz="457200" rtl="0" eaLnBrk="1" latinLnBrk="0" hangingPunct="1">
+      <a:defRPr sz="1800" kern="1200">
         <a:solidFill>
           <a:schemeClr val="tx1"/>
         </a:solidFill>
@@ -85,8 +90,8 @@
         <a:cs typeface="+mn-cs"/>
       </a:defRPr>
     </a:lvl6pPr>
-    <a:lvl7pPr algn="l" defTabSz="457200" eaLnBrk="1" hangingPunct="1" latinLnBrk="0" marL="2743200" rtl="0">
-      <a:defRPr kern="1200" sz="1800">
+    <a:lvl7pPr marL="2743200" algn="l" defTabSz="457200" rtl="0" eaLnBrk="1" latinLnBrk="0" hangingPunct="1">
+      <a:defRPr sz="1800" kern="1200">
         <a:solidFill>
           <a:schemeClr val="tx1"/>
         </a:solidFill>
@@ -95,8 +100,8 @@
         <a:cs typeface="+mn-cs"/>
       </a:defRPr>
     </a:lvl7pPr>
-    <a:lvl8pPr algn="l" defTabSz="457200" eaLnBrk="1" hangingPunct="1" latinLnBrk="0" marL="3200400" rtl="0">
-      <a:defRPr kern="1200" sz="1800">
+    <a:lvl8pPr marL="3200400" algn="l" defTabSz="457200" rtl="0" eaLnBrk="1" latinLnBrk="0" hangingPunct="1">
+      <a:defRPr sz="1800" kern="1200">
         <a:solidFill>
           <a:schemeClr val="tx1"/>
         </a:solidFill>
@@ -105,8 +110,8 @@
         <a:cs typeface="+mn-cs"/>
       </a:defRPr>
     </a:lvl8pPr>
-    <a:lvl9pPr algn="l" defTabSz="457200" eaLnBrk="1" hangingPunct="1" latinLnBrk="0" marL="3657600" rtl="0">
-      <a:defRPr kern="1200" sz="1800">
+    <a:lvl9pPr marL="3657600" algn="l" defTabSz="457200" rtl="0" eaLnBrk="1" latinLnBrk="0" hangingPunct="1">
+      <a:defRPr sz="1800" kern="1200">
         <a:solidFill>
           <a:schemeClr val="tx1"/>
         </a:solidFill>
@@ -133,6 +138,1800 @@
     </p:ext>
   </p:extLst>
 </p:presentation>
+</file>
+
+<file path=ppt/changesInfos/changesInfo1.xml><?xml version="1.0" encoding="utf-8"?>
+<pc:chgInfo xmlns:a="http://schemas.openxmlformats.org/drawingml/2006/main" xmlns:r="http://schemas.openxmlformats.org/officeDocument/2006/relationships" xmlns:ac="http://schemas.microsoft.com/office/drawing/2013/main/command" xmlns:pc="http://schemas.microsoft.com/office/powerpoint/2013/main/command">
+  <pc:docChgLst>
+    <pc:chgData name="John Mutua" userId="be5f9d21-0740-4e12-a9ee-bd0124478c51" providerId="ADAL" clId="{88FC2C14-009D-6343-98B9-4B6E62B77ADE}"/>
+    <pc:docChg chg="custSel addSld delSld modSld">
+      <pc:chgData name="John Mutua" userId="be5f9d21-0740-4e12-a9ee-bd0124478c51" providerId="ADAL" clId="{88FC2C14-009D-6343-98B9-4B6E62B77ADE}" dt="2022-07-27T15:56:25.701" v="42" actId="20577"/>
+      <pc:docMkLst>
+        <pc:docMk/>
+      </pc:docMkLst>
+      <pc:sldChg chg="modSp mod">
+        <pc:chgData name="John Mutua" userId="be5f9d21-0740-4e12-a9ee-bd0124478c51" providerId="ADAL" clId="{88FC2C14-009D-6343-98B9-4B6E62B77ADE}" dt="2022-07-27T15:55:38.656" v="13" actId="113"/>
+        <pc:sldMkLst>
+          <pc:docMk/>
+          <pc:sldMk cId="0" sldId="257"/>
+        </pc:sldMkLst>
+        <pc:spChg chg="mod">
+          <ac:chgData name="John Mutua" userId="be5f9d21-0740-4e12-a9ee-bd0124478c51" providerId="ADAL" clId="{88FC2C14-009D-6343-98B9-4B6E62B77ADE}" dt="2022-07-27T15:55:38.656" v="13" actId="113"/>
+          <ac:spMkLst>
+            <pc:docMk/>
+            <pc:sldMk cId="0" sldId="257"/>
+            <ac:spMk id="2" creationId="{00000000-0000-0000-0000-000000000000}"/>
+          </ac:spMkLst>
+        </pc:spChg>
+      </pc:sldChg>
+      <pc:sldChg chg="modSp mod">
+        <pc:chgData name="John Mutua" userId="be5f9d21-0740-4e12-a9ee-bd0124478c51" providerId="ADAL" clId="{88FC2C14-009D-6343-98B9-4B6E62B77ADE}" dt="2022-07-27T15:55:33.991" v="12" actId="113"/>
+        <pc:sldMkLst>
+          <pc:docMk/>
+          <pc:sldMk cId="0" sldId="258"/>
+        </pc:sldMkLst>
+        <pc:spChg chg="mod">
+          <ac:chgData name="John Mutua" userId="be5f9d21-0740-4e12-a9ee-bd0124478c51" providerId="ADAL" clId="{88FC2C14-009D-6343-98B9-4B6E62B77ADE}" dt="2022-07-27T15:55:33.991" v="12" actId="113"/>
+          <ac:spMkLst>
+            <pc:docMk/>
+            <pc:sldMk cId="0" sldId="258"/>
+            <ac:spMk id="2" creationId="{00000000-0000-0000-0000-000000000000}"/>
+          </ac:spMkLst>
+        </pc:spChg>
+      </pc:sldChg>
+      <pc:sldChg chg="modSp mod">
+        <pc:chgData name="John Mutua" userId="be5f9d21-0740-4e12-a9ee-bd0124478c51" providerId="ADAL" clId="{88FC2C14-009D-6343-98B9-4B6E62B77ADE}" dt="2022-07-27T15:56:16.696" v="23" actId="20577"/>
+        <pc:sldMkLst>
+          <pc:docMk/>
+          <pc:sldMk cId="0" sldId="259"/>
+        </pc:sldMkLst>
+        <pc:spChg chg="mod">
+          <ac:chgData name="John Mutua" userId="be5f9d21-0740-4e12-a9ee-bd0124478c51" providerId="ADAL" clId="{88FC2C14-009D-6343-98B9-4B6E62B77ADE}" dt="2022-07-27T15:56:16.696" v="23" actId="20577"/>
+          <ac:spMkLst>
+            <pc:docMk/>
+            <pc:sldMk cId="0" sldId="259"/>
+            <ac:spMk id="2" creationId="{00000000-0000-0000-0000-000000000000}"/>
+          </ac:spMkLst>
+        </pc:spChg>
+      </pc:sldChg>
+      <pc:sldChg chg="modSp mod">
+        <pc:chgData name="John Mutua" userId="be5f9d21-0740-4e12-a9ee-bd0124478c51" providerId="ADAL" clId="{88FC2C14-009D-6343-98B9-4B6E62B77ADE}" dt="2022-07-27T15:55:24.358" v="10" actId="113"/>
+        <pc:sldMkLst>
+          <pc:docMk/>
+          <pc:sldMk cId="0" sldId="260"/>
+        </pc:sldMkLst>
+        <pc:spChg chg="mod">
+          <ac:chgData name="John Mutua" userId="be5f9d21-0740-4e12-a9ee-bd0124478c51" providerId="ADAL" clId="{88FC2C14-009D-6343-98B9-4B6E62B77ADE}" dt="2022-07-27T15:55:24.358" v="10" actId="113"/>
+          <ac:spMkLst>
+            <pc:docMk/>
+            <pc:sldMk cId="0" sldId="260"/>
+            <ac:spMk id="2" creationId="{00000000-0000-0000-0000-000000000000}"/>
+          </ac:spMkLst>
+        </pc:spChg>
+      </pc:sldChg>
+      <pc:sldChg chg="modSp mod">
+        <pc:chgData name="John Mutua" userId="be5f9d21-0740-4e12-a9ee-bd0124478c51" providerId="ADAL" clId="{88FC2C14-009D-6343-98B9-4B6E62B77ADE}" dt="2022-07-27T15:55:20.375" v="9" actId="113"/>
+        <pc:sldMkLst>
+          <pc:docMk/>
+          <pc:sldMk cId="0" sldId="261"/>
+        </pc:sldMkLst>
+        <pc:spChg chg="mod">
+          <ac:chgData name="John Mutua" userId="be5f9d21-0740-4e12-a9ee-bd0124478c51" providerId="ADAL" clId="{88FC2C14-009D-6343-98B9-4B6E62B77ADE}" dt="2022-07-27T15:55:20.375" v="9" actId="113"/>
+          <ac:spMkLst>
+            <pc:docMk/>
+            <pc:sldMk cId="0" sldId="261"/>
+            <ac:spMk id="2" creationId="{00000000-0000-0000-0000-000000000000}"/>
+          </ac:spMkLst>
+        </pc:spChg>
+      </pc:sldChg>
+      <pc:sldChg chg="modSp mod">
+        <pc:chgData name="John Mutua" userId="be5f9d21-0740-4e12-a9ee-bd0124478c51" providerId="ADAL" clId="{88FC2C14-009D-6343-98B9-4B6E62B77ADE}" dt="2022-07-27T15:55:15.711" v="8" actId="113"/>
+        <pc:sldMkLst>
+          <pc:docMk/>
+          <pc:sldMk cId="0" sldId="262"/>
+        </pc:sldMkLst>
+        <pc:spChg chg="mod">
+          <ac:chgData name="John Mutua" userId="be5f9d21-0740-4e12-a9ee-bd0124478c51" providerId="ADAL" clId="{88FC2C14-009D-6343-98B9-4B6E62B77ADE}" dt="2022-07-27T15:55:15.711" v="8" actId="113"/>
+          <ac:spMkLst>
+            <pc:docMk/>
+            <pc:sldMk cId="0" sldId="262"/>
+            <ac:spMk id="2" creationId="{00000000-0000-0000-0000-000000000000}"/>
+          </ac:spMkLst>
+        </pc:spChg>
+      </pc:sldChg>
+      <pc:sldChg chg="modSp mod">
+        <pc:chgData name="John Mutua" userId="be5f9d21-0740-4e12-a9ee-bd0124478c51" providerId="ADAL" clId="{88FC2C14-009D-6343-98B9-4B6E62B77ADE}" dt="2022-07-27T15:55:11.242" v="7" actId="113"/>
+        <pc:sldMkLst>
+          <pc:docMk/>
+          <pc:sldMk cId="0" sldId="263"/>
+        </pc:sldMkLst>
+        <pc:spChg chg="mod">
+          <ac:chgData name="John Mutua" userId="be5f9d21-0740-4e12-a9ee-bd0124478c51" providerId="ADAL" clId="{88FC2C14-009D-6343-98B9-4B6E62B77ADE}" dt="2022-07-27T15:55:11.242" v="7" actId="113"/>
+          <ac:spMkLst>
+            <pc:docMk/>
+            <pc:sldMk cId="0" sldId="263"/>
+            <ac:spMk id="2" creationId="{00000000-0000-0000-0000-000000000000}"/>
+          </ac:spMkLst>
+        </pc:spChg>
+      </pc:sldChg>
+      <pc:sldChg chg="modSp mod">
+        <pc:chgData name="John Mutua" userId="be5f9d21-0740-4e12-a9ee-bd0124478c51" providerId="ADAL" clId="{88FC2C14-009D-6343-98B9-4B6E62B77ADE}" dt="2022-07-27T15:55:05.507" v="6" actId="113"/>
+        <pc:sldMkLst>
+          <pc:docMk/>
+          <pc:sldMk cId="0" sldId="264"/>
+        </pc:sldMkLst>
+        <pc:spChg chg="mod">
+          <ac:chgData name="John Mutua" userId="be5f9d21-0740-4e12-a9ee-bd0124478c51" providerId="ADAL" clId="{88FC2C14-009D-6343-98B9-4B6E62B77ADE}" dt="2022-07-27T15:55:05.507" v="6" actId="113"/>
+          <ac:spMkLst>
+            <pc:docMk/>
+            <pc:sldMk cId="0" sldId="264"/>
+            <ac:spMk id="2" creationId="{00000000-0000-0000-0000-000000000000}"/>
+          </ac:spMkLst>
+        </pc:spChg>
+      </pc:sldChg>
+      <pc:sldChg chg="modSp mod">
+        <pc:chgData name="John Mutua" userId="be5f9d21-0740-4e12-a9ee-bd0124478c51" providerId="ADAL" clId="{88FC2C14-009D-6343-98B9-4B6E62B77ADE}" dt="2022-07-27T15:55:01.826" v="5" actId="113"/>
+        <pc:sldMkLst>
+          <pc:docMk/>
+          <pc:sldMk cId="0" sldId="265"/>
+        </pc:sldMkLst>
+        <pc:spChg chg="mod">
+          <ac:chgData name="John Mutua" userId="be5f9d21-0740-4e12-a9ee-bd0124478c51" providerId="ADAL" clId="{88FC2C14-009D-6343-98B9-4B6E62B77ADE}" dt="2022-07-27T15:55:01.826" v="5" actId="113"/>
+          <ac:spMkLst>
+            <pc:docMk/>
+            <pc:sldMk cId="0" sldId="265"/>
+            <ac:spMk id="2" creationId="{00000000-0000-0000-0000-000000000000}"/>
+          </ac:spMkLst>
+        </pc:spChg>
+      </pc:sldChg>
+      <pc:sldChg chg="modSp mod">
+        <pc:chgData name="John Mutua" userId="be5f9d21-0740-4e12-a9ee-bd0124478c51" providerId="ADAL" clId="{88FC2C14-009D-6343-98B9-4B6E62B77ADE}" dt="2022-07-27T15:54:58.292" v="4" actId="113"/>
+        <pc:sldMkLst>
+          <pc:docMk/>
+          <pc:sldMk cId="0" sldId="266"/>
+        </pc:sldMkLst>
+        <pc:spChg chg="mod">
+          <ac:chgData name="John Mutua" userId="be5f9d21-0740-4e12-a9ee-bd0124478c51" providerId="ADAL" clId="{88FC2C14-009D-6343-98B9-4B6E62B77ADE}" dt="2022-07-27T15:54:58.292" v="4" actId="113"/>
+          <ac:spMkLst>
+            <pc:docMk/>
+            <pc:sldMk cId="0" sldId="266"/>
+            <ac:spMk id="2" creationId="{00000000-0000-0000-0000-000000000000}"/>
+          </ac:spMkLst>
+        </pc:spChg>
+      </pc:sldChg>
+      <pc:sldChg chg="modSp mod">
+        <pc:chgData name="John Mutua" userId="be5f9d21-0740-4e12-a9ee-bd0124478c51" providerId="ADAL" clId="{88FC2C14-009D-6343-98B9-4B6E62B77ADE}" dt="2022-07-27T15:54:46.160" v="3" actId="113"/>
+        <pc:sldMkLst>
+          <pc:docMk/>
+          <pc:sldMk cId="0" sldId="267"/>
+        </pc:sldMkLst>
+        <pc:spChg chg="mod">
+          <ac:chgData name="John Mutua" userId="be5f9d21-0740-4e12-a9ee-bd0124478c51" providerId="ADAL" clId="{88FC2C14-009D-6343-98B9-4B6E62B77ADE}" dt="2022-07-27T15:54:46.160" v="3" actId="113"/>
+          <ac:spMkLst>
+            <pc:docMk/>
+            <pc:sldMk cId="0" sldId="267"/>
+            <ac:spMk id="2" creationId="{00000000-0000-0000-0000-000000000000}"/>
+          </ac:spMkLst>
+        </pc:spChg>
+      </pc:sldChg>
+      <pc:sldChg chg="del">
+        <pc:chgData name="John Mutua" userId="be5f9d21-0740-4e12-a9ee-bd0124478c51" providerId="ADAL" clId="{88FC2C14-009D-6343-98B9-4B6E62B77ADE}" dt="2022-07-27T15:54:40.391" v="2" actId="2696"/>
+        <pc:sldMkLst>
+          <pc:docMk/>
+          <pc:sldMk cId="0" sldId="268"/>
+        </pc:sldMkLst>
+      </pc:sldChg>
+      <pc:sldChg chg="modSp add mod">
+        <pc:chgData name="John Mutua" userId="be5f9d21-0740-4e12-a9ee-bd0124478c51" providerId="ADAL" clId="{88FC2C14-009D-6343-98B9-4B6E62B77ADE}" dt="2022-07-27T15:56:25.701" v="42" actId="20577"/>
+        <pc:sldMkLst>
+          <pc:docMk/>
+          <pc:sldMk cId="4105607388" sldId="288"/>
+        </pc:sldMkLst>
+        <pc:spChg chg="mod">
+          <ac:chgData name="John Mutua" userId="be5f9d21-0740-4e12-a9ee-bd0124478c51" providerId="ADAL" clId="{88FC2C14-009D-6343-98B9-4B6E62B77ADE}" dt="2022-07-27T15:56:25.701" v="42" actId="20577"/>
+          <ac:spMkLst>
+            <pc:docMk/>
+            <pc:sldMk cId="4105607388" sldId="288"/>
+            <ac:spMk id="2" creationId="{161E8406-C127-6631-EA3C-B78B871991B7}"/>
+          </ac:spMkLst>
+        </pc:spChg>
+        <pc:spChg chg="mod">
+          <ac:chgData name="John Mutua" userId="be5f9d21-0740-4e12-a9ee-bd0124478c51" providerId="ADAL" clId="{88FC2C14-009D-6343-98B9-4B6E62B77ADE}" dt="2022-07-27T15:56:05.508" v="15" actId="27636"/>
+          <ac:spMkLst>
+            <pc:docMk/>
+            <pc:sldMk cId="4105607388" sldId="288"/>
+            <ac:spMk id="3" creationId="{4869C8B3-E835-8639-E193-118E0813B2D0}"/>
+          </ac:spMkLst>
+        </pc:spChg>
+      </pc:sldChg>
+      <pc:sldChg chg="modSp add">
+        <pc:chgData name="John Mutua" userId="be5f9d21-0740-4e12-a9ee-bd0124478c51" providerId="ADAL" clId="{88FC2C14-009D-6343-98B9-4B6E62B77ADE}" dt="2022-07-27T15:53:49.397" v="0"/>
+        <pc:sldMkLst>
+          <pc:docMk/>
+          <pc:sldMk cId="2975826589" sldId="337"/>
+        </pc:sldMkLst>
+        <pc:graphicFrameChg chg="mod">
+          <ac:chgData name="John Mutua" userId="be5f9d21-0740-4e12-a9ee-bd0124478c51" providerId="ADAL" clId="{88FC2C14-009D-6343-98B9-4B6E62B77ADE}" dt="2022-07-27T15:53:49.397" v="0"/>
+          <ac:graphicFrameMkLst>
+            <pc:docMk/>
+            <pc:sldMk cId="2975826589" sldId="337"/>
+            <ac:graphicFrameMk id="5" creationId="{6073E77F-29A7-920A-7B8A-FBA4B7D4145F}"/>
+          </ac:graphicFrameMkLst>
+        </pc:graphicFrameChg>
+      </pc:sldChg>
+      <pc:sldChg chg="add">
+        <pc:chgData name="John Mutua" userId="be5f9d21-0740-4e12-a9ee-bd0124478c51" providerId="ADAL" clId="{88FC2C14-009D-6343-98B9-4B6E62B77ADE}" dt="2022-07-27T15:54:32.485" v="1"/>
+        <pc:sldMkLst>
+          <pc:docMk/>
+          <pc:sldMk cId="3102861470" sldId="340"/>
+        </pc:sldMkLst>
+      </pc:sldChg>
+    </pc:docChg>
+  </pc:docChgLst>
+  <pc:docChgLst>
+    <pc:chgData name="John Mutua" userId="be5f9d21-0740-4e12-a9ee-bd0124478c51" providerId="ADAL" clId="{88191D4E-15F8-514A-886A-3D97C9E018C5}"/>
+    <pc:docChg chg="undo custSel modSld">
+      <pc:chgData name="John Mutua" userId="be5f9d21-0740-4e12-a9ee-bd0124478c51" providerId="ADAL" clId="{88191D4E-15F8-514A-886A-3D97C9E018C5}" dt="2022-11-02T16:34:03.870" v="3" actId="1076"/>
+      <pc:docMkLst>
+        <pc:docMk/>
+      </pc:docMkLst>
+      <pc:sldChg chg="modSp mod">
+        <pc:chgData name="John Mutua" userId="be5f9d21-0740-4e12-a9ee-bd0124478c51" providerId="ADAL" clId="{88191D4E-15F8-514A-886A-3D97C9E018C5}" dt="2022-11-02T16:34:03.870" v="3" actId="1076"/>
+        <pc:sldMkLst>
+          <pc:docMk/>
+          <pc:sldMk cId="3102861470" sldId="340"/>
+        </pc:sldMkLst>
+        <pc:picChg chg="mod">
+          <ac:chgData name="John Mutua" userId="be5f9d21-0740-4e12-a9ee-bd0124478c51" providerId="ADAL" clId="{88191D4E-15F8-514A-886A-3D97C9E018C5}" dt="2022-11-02T16:34:03.870" v="3" actId="1076"/>
+          <ac:picMkLst>
+            <pc:docMk/>
+            <pc:sldMk cId="3102861470" sldId="340"/>
+            <ac:picMk id="3" creationId="{F0578951-4584-B258-72F3-9130C7EB00E8}"/>
+          </ac:picMkLst>
+        </pc:picChg>
+      </pc:sldChg>
+    </pc:docChg>
+  </pc:docChgLst>
+</pc:chgInfo>
+</file>
+
+<file path=ppt/charts/chart1.xml><?xml version="1.0" encoding="utf-8"?>
+<c:chartSpace xmlns:c="http://schemas.openxmlformats.org/drawingml/2006/chart" xmlns:a="http://schemas.openxmlformats.org/drawingml/2006/main" xmlns:r="http://schemas.openxmlformats.org/officeDocument/2006/relationships" xmlns:c16r2="http://schemas.microsoft.com/office/drawing/2015/06/chart">
+  <c:date1904 val="0"/>
+  <c:lang val="en-GB"/>
+  <c:roundedCorners val="0"/>
+  <mc:AlternateContent xmlns:mc="http://schemas.openxmlformats.org/markup-compatibility/2006">
+    <mc:Choice xmlns:c14="http://schemas.microsoft.com/office/drawing/2007/8/2/chart" Requires="c14">
+      <c14:style val="105"/>
+    </mc:Choice>
+    <mc:Fallback>
+      <c:style val="5"/>
+    </mc:Fallback>
+  </mc:AlternateContent>
+  <c:chart>
+    <c:autoTitleDeleted val="1"/>
+    <c:plotArea>
+      <c:layout>
+        <c:manualLayout>
+          <c:layoutTarget val="inner"/>
+          <c:xMode val="edge"/>
+          <c:yMode val="edge"/>
+          <c:x val="0.25114597378963766"/>
+          <c:y val="0.12706429579017445"/>
+          <c:w val="0.58389281949901628"/>
+          <c:h val="0.69196240772002315"/>
+        </c:manualLayout>
+      </c:layout>
+      <c:pieChart>
+        <c:varyColors val="1"/>
+        <c:ser>
+          <c:idx val="0"/>
+          <c:order val="0"/>
+          <c:dPt>
+            <c:idx val="0"/>
+            <c:bubble3D val="0"/>
+            <c:spPr>
+              <a:solidFill>
+                <a:srgbClr val="4C92DC"/>
+              </a:solidFill>
+              <a:ln w="19050">
+                <a:solidFill>
+                  <a:schemeClr val="lt1"/>
+                </a:solidFill>
+              </a:ln>
+              <a:effectLst/>
+            </c:spPr>
+            <c:extLst>
+              <c:ext xmlns:c16="http://schemas.microsoft.com/office/drawing/2014/chart" uri="{C3380CC4-5D6E-409C-BE32-E72D297353CC}">
+                <c16:uniqueId val="{00000001-EE96-4E7E-936A-56198EA9AEC9}"/>
+              </c:ext>
+            </c:extLst>
+          </c:dPt>
+          <c:dPt>
+            <c:idx val="1"/>
+            <c:bubble3D val="0"/>
+            <c:spPr>
+              <a:solidFill>
+                <a:schemeClr val="accent3">
+                  <a:shade val="61000"/>
+                </a:schemeClr>
+              </a:solidFill>
+              <a:ln w="19050">
+                <a:solidFill>
+                  <a:schemeClr val="lt1"/>
+                </a:solidFill>
+              </a:ln>
+              <a:effectLst/>
+            </c:spPr>
+            <c:extLst>
+              <c:ext xmlns:c16="http://schemas.microsoft.com/office/drawing/2014/chart" uri="{C3380CC4-5D6E-409C-BE32-E72D297353CC}">
+                <c16:uniqueId val="{00000003-EE96-4E7E-936A-56198EA9AEC9}"/>
+              </c:ext>
+            </c:extLst>
+          </c:dPt>
+          <c:dPt>
+            <c:idx val="2"/>
+            <c:bubble3D val="0"/>
+            <c:spPr>
+              <a:solidFill>
+                <a:schemeClr val="accent3">
+                  <a:shade val="76000"/>
+                </a:schemeClr>
+              </a:solidFill>
+              <a:ln w="19050">
+                <a:solidFill>
+                  <a:schemeClr val="lt1"/>
+                </a:solidFill>
+              </a:ln>
+              <a:effectLst/>
+            </c:spPr>
+            <c:extLst>
+              <c:ext xmlns:c16="http://schemas.microsoft.com/office/drawing/2014/chart" uri="{C3380CC4-5D6E-409C-BE32-E72D297353CC}">
+                <c16:uniqueId val="{00000005-EE96-4E7E-936A-56198EA9AEC9}"/>
+              </c:ext>
+            </c:extLst>
+          </c:dPt>
+          <c:dPt>
+            <c:idx val="3"/>
+            <c:bubble3D val="0"/>
+            <c:spPr>
+              <a:solidFill>
+                <a:schemeClr val="accent3">
+                  <a:shade val="92000"/>
+                </a:schemeClr>
+              </a:solidFill>
+              <a:ln w="19050">
+                <a:solidFill>
+                  <a:schemeClr val="lt1"/>
+                </a:solidFill>
+              </a:ln>
+              <a:effectLst/>
+            </c:spPr>
+            <c:extLst>
+              <c:ext xmlns:c16="http://schemas.microsoft.com/office/drawing/2014/chart" uri="{C3380CC4-5D6E-409C-BE32-E72D297353CC}">
+                <c16:uniqueId val="{00000007-EE96-4E7E-936A-56198EA9AEC9}"/>
+              </c:ext>
+            </c:extLst>
+          </c:dPt>
+          <c:dPt>
+            <c:idx val="4"/>
+            <c:bubble3D val="0"/>
+            <c:spPr>
+              <a:solidFill>
+                <a:schemeClr val="accent3">
+                  <a:tint val="93000"/>
+                </a:schemeClr>
+              </a:solidFill>
+              <a:ln w="19050">
+                <a:solidFill>
+                  <a:schemeClr val="lt1"/>
+                </a:solidFill>
+              </a:ln>
+              <a:effectLst/>
+            </c:spPr>
+            <c:extLst>
+              <c:ext xmlns:c16="http://schemas.microsoft.com/office/drawing/2014/chart" uri="{C3380CC4-5D6E-409C-BE32-E72D297353CC}">
+                <c16:uniqueId val="{00000009-EE96-4E7E-936A-56198EA9AEC9}"/>
+              </c:ext>
+            </c:extLst>
+          </c:dPt>
+          <c:dPt>
+            <c:idx val="5"/>
+            <c:bubble3D val="0"/>
+            <c:spPr>
+              <a:solidFill>
+                <a:schemeClr val="accent3">
+                  <a:tint val="77000"/>
+                </a:schemeClr>
+              </a:solidFill>
+              <a:ln w="19050">
+                <a:solidFill>
+                  <a:schemeClr val="lt1"/>
+                </a:solidFill>
+              </a:ln>
+              <a:effectLst/>
+            </c:spPr>
+            <c:extLst>
+              <c:ext xmlns:c16="http://schemas.microsoft.com/office/drawing/2014/chart" uri="{C3380CC4-5D6E-409C-BE32-E72D297353CC}">
+                <c16:uniqueId val="{0000000B-EE96-4E7E-936A-56198EA9AEC9}"/>
+              </c:ext>
+            </c:extLst>
+          </c:dPt>
+          <c:dPt>
+            <c:idx val="6"/>
+            <c:bubble3D val="0"/>
+            <c:spPr>
+              <a:solidFill>
+                <a:schemeClr val="accent3">
+                  <a:tint val="62000"/>
+                </a:schemeClr>
+              </a:solidFill>
+              <a:ln w="19050">
+                <a:solidFill>
+                  <a:schemeClr val="lt1"/>
+                </a:solidFill>
+              </a:ln>
+              <a:effectLst/>
+            </c:spPr>
+            <c:extLst>
+              <c:ext xmlns:c16="http://schemas.microsoft.com/office/drawing/2014/chart" uri="{C3380CC4-5D6E-409C-BE32-E72D297353CC}">
+                <c16:uniqueId val="{0000000D-EE96-4E7E-936A-56198EA9AEC9}"/>
+              </c:ext>
+            </c:extLst>
+          </c:dPt>
+          <c:dPt>
+            <c:idx val="7"/>
+            <c:bubble3D val="0"/>
+            <c:spPr>
+              <a:solidFill>
+                <a:schemeClr val="accent3">
+                  <a:tint val="46000"/>
+                </a:schemeClr>
+              </a:solidFill>
+              <a:ln w="19050">
+                <a:solidFill>
+                  <a:schemeClr val="lt1"/>
+                </a:solidFill>
+              </a:ln>
+              <a:effectLst/>
+            </c:spPr>
+            <c:extLst>
+              <c:ext xmlns:c16="http://schemas.microsoft.com/office/drawing/2014/chart" uri="{C3380CC4-5D6E-409C-BE32-E72D297353CC}">
+                <c16:uniqueId val="{0000000F-EE96-4E7E-936A-56198EA9AEC9}"/>
+              </c:ext>
+            </c:extLst>
+          </c:dPt>
+          <c:dLbls>
+            <c:dLbl>
+              <c:idx val="0"/>
+              <c:spPr>
+                <a:noFill/>
+                <a:ln>
+                  <a:noFill/>
+                </a:ln>
+                <a:effectLst/>
+              </c:spPr>
+              <c:txPr>
+                <a:bodyPr rot="0" spcFirstLastPara="1" vertOverflow="clip" horzOverflow="clip" vert="horz" wrap="square" lIns="38100" tIns="19050" rIns="38100" bIns="19050" anchor="ctr" anchorCtr="1">
+                  <a:spAutoFit/>
+                </a:bodyPr>
+                <a:lstStyle/>
+                <a:p>
+                  <a:pPr>
+                    <a:defRPr sz="1800" b="1" i="0" u="none" strike="noStrike" kern="1200" baseline="0">
+                      <a:solidFill>
+                        <a:schemeClr val="tx1"/>
+                      </a:solidFill>
+                      <a:latin typeface="+mn-lt"/>
+                      <a:ea typeface="+mn-ea"/>
+                      <a:cs typeface="+mn-cs"/>
+                    </a:defRPr>
+                  </a:pPr>
+                  <a:endParaRPr lang="en-US"/>
+                </a:p>
+              </c:txPr>
+              <c:dLblPos val="outEnd"/>
+              <c:showLegendKey val="0"/>
+              <c:showVal val="0"/>
+              <c:showCatName val="1"/>
+              <c:showSerName val="0"/>
+              <c:showPercent val="1"/>
+              <c:showBubbleSize val="0"/>
+              <c:extLst>
+                <c:ext xmlns:c15="http://schemas.microsoft.com/office/drawing/2012/chart" uri="{CE6537A1-D6FC-4f65-9D91-7224C49458BB}">
+                  <c15:spPr xmlns:c15="http://schemas.microsoft.com/office/drawing/2012/chart">
+                    <a:prstGeom prst="wedgeRectCallout">
+                      <a:avLst/>
+                    </a:prstGeom>
+                    <a:noFill/>
+                    <a:ln>
+                      <a:noFill/>
+                    </a:ln>
+                  </c15:spPr>
+                </c:ext>
+                <c:ext xmlns:c16="http://schemas.microsoft.com/office/drawing/2014/chart" uri="{C3380CC4-5D6E-409C-BE32-E72D297353CC}">
+                  <c16:uniqueId val="{00000001-EE96-4E7E-936A-56198EA9AEC9}"/>
+                </c:ext>
+              </c:extLst>
+            </c:dLbl>
+            <c:dLbl>
+              <c:idx val="1"/>
+              <c:layout>
+                <c:manualLayout>
+                  <c:x val="-8.7109962472022093E-17"/>
+                  <c:y val="0"/>
+                </c:manualLayout>
+              </c:layout>
+              <c:dLblPos val="bestFit"/>
+              <c:showLegendKey val="0"/>
+              <c:showVal val="0"/>
+              <c:showCatName val="1"/>
+              <c:showSerName val="0"/>
+              <c:showPercent val="1"/>
+              <c:showBubbleSize val="0"/>
+              <c:extLst>
+                <c:ext xmlns:c15="http://schemas.microsoft.com/office/drawing/2012/chart" uri="{CE6537A1-D6FC-4f65-9D91-7224C49458BB}"/>
+                <c:ext xmlns:c16="http://schemas.microsoft.com/office/drawing/2014/chart" uri="{C3380CC4-5D6E-409C-BE32-E72D297353CC}">
+                  <c16:uniqueId val="{00000003-EE96-4E7E-936A-56198EA9AEC9}"/>
+                </c:ext>
+              </c:extLst>
+            </c:dLbl>
+            <c:dLbl>
+              <c:idx val="3"/>
+              <c:layout>
+                <c:manualLayout>
+                  <c:x val="2.299327129978066E-3"/>
+                  <c:y val="4.5861289460570123E-2"/>
+                </c:manualLayout>
+              </c:layout>
+              <c:dLblPos val="bestFit"/>
+              <c:showLegendKey val="0"/>
+              <c:showVal val="0"/>
+              <c:showCatName val="1"/>
+              <c:showSerName val="0"/>
+              <c:showPercent val="1"/>
+              <c:showBubbleSize val="0"/>
+              <c:extLst>
+                <c:ext xmlns:c15="http://schemas.microsoft.com/office/drawing/2012/chart" uri="{CE6537A1-D6FC-4f65-9D91-7224C49458BB}"/>
+                <c:ext xmlns:c16="http://schemas.microsoft.com/office/drawing/2014/chart" uri="{C3380CC4-5D6E-409C-BE32-E72D297353CC}">
+                  <c16:uniqueId val="{00000007-EE96-4E7E-936A-56198EA9AEC9}"/>
+                </c:ext>
+              </c:extLst>
+            </c:dLbl>
+            <c:dLbl>
+              <c:idx val="4"/>
+              <c:layout>
+                <c:manualLayout>
+                  <c:x val="5.9393842345733146E-3"/>
+                  <c:y val="2.3786895106481808E-2"/>
+                </c:manualLayout>
+              </c:layout>
+              <c:dLblPos val="bestFit"/>
+              <c:showLegendKey val="0"/>
+              <c:showVal val="0"/>
+              <c:showCatName val="1"/>
+              <c:showSerName val="0"/>
+              <c:showPercent val="1"/>
+              <c:showBubbleSize val="0"/>
+              <c:extLst>
+                <c:ext xmlns:c15="http://schemas.microsoft.com/office/drawing/2012/chart" uri="{CE6537A1-D6FC-4f65-9D91-7224C49458BB}">
+                  <c15:layout>
+                    <c:manualLayout>
+                      <c:w val="0.17631927286223323"/>
+                      <c:h val="0.14226222202243727"/>
+                    </c:manualLayout>
+                  </c15:layout>
+                </c:ext>
+                <c:ext xmlns:c16="http://schemas.microsoft.com/office/drawing/2014/chart" uri="{C3380CC4-5D6E-409C-BE32-E72D297353CC}">
+                  <c16:uniqueId val="{00000009-EE96-4E7E-936A-56198EA9AEC9}"/>
+                </c:ext>
+              </c:extLst>
+            </c:dLbl>
+            <c:dLbl>
+              <c:idx val="5"/>
+              <c:layout>
+                <c:manualLayout>
+                  <c:x val="2.375753693829326E-3"/>
+                  <c:y val="4.7573790212963617E-2"/>
+                </c:manualLayout>
+              </c:layout>
+              <c:dLblPos val="bestFit"/>
+              <c:showLegendKey val="0"/>
+              <c:showVal val="0"/>
+              <c:showCatName val="1"/>
+              <c:showSerName val="0"/>
+              <c:showPercent val="1"/>
+              <c:showBubbleSize val="0"/>
+              <c:extLst>
+                <c:ext xmlns:c15="http://schemas.microsoft.com/office/drawing/2012/chart" uri="{CE6537A1-D6FC-4f65-9D91-7224C49458BB}"/>
+                <c:ext xmlns:c16="http://schemas.microsoft.com/office/drawing/2014/chart" uri="{C3380CC4-5D6E-409C-BE32-E72D297353CC}">
+                  <c16:uniqueId val="{0000000B-EE96-4E7E-936A-56198EA9AEC9}"/>
+                </c:ext>
+              </c:extLst>
+            </c:dLbl>
+            <c:dLbl>
+              <c:idx val="6"/>
+              <c:layout>
+                <c:manualLayout>
+                  <c:x val="1.6630369390415276E-2"/>
+                  <c:y val="0"/>
+                </c:manualLayout>
+              </c:layout>
+              <c:dLblPos val="bestFit"/>
+              <c:showLegendKey val="0"/>
+              <c:showVal val="0"/>
+              <c:showCatName val="1"/>
+              <c:showSerName val="0"/>
+              <c:showPercent val="1"/>
+              <c:showBubbleSize val="0"/>
+              <c:extLst>
+                <c:ext xmlns:c15="http://schemas.microsoft.com/office/drawing/2012/chart" uri="{CE6537A1-D6FC-4f65-9D91-7224C49458BB}">
+                  <c15:layout>
+                    <c:manualLayout>
+                      <c:w val="0.20903265295738305"/>
+                      <c:h val="0.14887224965697637"/>
+                    </c:manualLayout>
+                  </c15:layout>
+                </c:ext>
+                <c:ext xmlns:c16="http://schemas.microsoft.com/office/drawing/2014/chart" uri="{C3380CC4-5D6E-409C-BE32-E72D297353CC}">
+                  <c16:uniqueId val="{0000000D-EE96-4E7E-936A-56198EA9AEC9}"/>
+                </c:ext>
+              </c:extLst>
+            </c:dLbl>
+            <c:dLbl>
+              <c:idx val="7"/>
+              <c:layout>
+                <c:manualLayout>
+                  <c:x val="2.3757536938293258E-2"/>
+                  <c:y val="0"/>
+                </c:manualLayout>
+              </c:layout>
+              <c:dLblPos val="bestFit"/>
+              <c:showLegendKey val="0"/>
+              <c:showVal val="0"/>
+              <c:showCatName val="1"/>
+              <c:showSerName val="0"/>
+              <c:showPercent val="1"/>
+              <c:showBubbleSize val="0"/>
+              <c:extLst>
+                <c:ext xmlns:c15="http://schemas.microsoft.com/office/drawing/2012/chart" uri="{CE6537A1-D6FC-4f65-9D91-7224C49458BB}"/>
+                <c:ext xmlns:c16="http://schemas.microsoft.com/office/drawing/2014/chart" uri="{C3380CC4-5D6E-409C-BE32-E72D297353CC}">
+                  <c16:uniqueId val="{0000000F-EE96-4E7E-936A-56198EA9AEC9}"/>
+                </c:ext>
+              </c:extLst>
+            </c:dLbl>
+            <c:spPr>
+              <a:noFill/>
+              <a:ln>
+                <a:noFill/>
+              </a:ln>
+              <a:effectLst/>
+            </c:spPr>
+            <c:txPr>
+              <a:bodyPr rot="0" spcFirstLastPara="1" vertOverflow="clip" horzOverflow="clip" vert="horz" wrap="square" lIns="38100" tIns="19050" rIns="38100" bIns="19050" anchor="ctr" anchorCtr="1">
+                <a:spAutoFit/>
+              </a:bodyPr>
+              <a:lstStyle/>
+              <a:p>
+                <a:pPr>
+                  <a:defRPr sz="1800" b="0" i="0" u="none" strike="noStrike" kern="1200" baseline="0">
+                    <a:solidFill>
+                      <a:schemeClr val="tx1"/>
+                    </a:solidFill>
+                    <a:latin typeface="+mn-lt"/>
+                    <a:ea typeface="+mn-ea"/>
+                    <a:cs typeface="+mn-cs"/>
+                  </a:defRPr>
+                </a:pPr>
+                <a:endParaRPr lang="en-US"/>
+              </a:p>
+            </c:txPr>
+            <c:dLblPos val="outEnd"/>
+            <c:showLegendKey val="0"/>
+            <c:showVal val="0"/>
+            <c:showCatName val="1"/>
+            <c:showSerName val="0"/>
+            <c:showPercent val="1"/>
+            <c:showBubbleSize val="0"/>
+            <c:showLeaderLines val="0"/>
+            <c:extLst>
+              <c:ext xmlns:c15="http://schemas.microsoft.com/office/drawing/2012/chart" uri="{CE6537A1-D6FC-4f65-9D91-7224C49458BB}">
+                <c15:spPr xmlns:c15="http://schemas.microsoft.com/office/drawing/2012/chart">
+                  <a:prstGeom prst="wedgeRectCallout">
+                    <a:avLst/>
+                  </a:prstGeom>
+                  <a:noFill/>
+                  <a:ln>
+                    <a:noFill/>
+                  </a:ln>
+                </c15:spPr>
+              </c:ext>
+            </c:extLst>
+          </c:dLbls>
+          <c:cat>
+            <c:strRef>
+              <c:f>Sheet1!$A$1:$A$8</c:f>
+              <c:strCache>
+                <c:ptCount val="8"/>
+                <c:pt idx="0">
+                  <c:v>UKRI</c:v>
+                </c:pt>
+                <c:pt idx="1">
+                  <c:v>UK Government</c:v>
+                </c:pt>
+                <c:pt idx="2">
+                  <c:v>UK Charities</c:v>
+                </c:pt>
+                <c:pt idx="3">
+                  <c:v>Wellcome Trust</c:v>
+                </c:pt>
+                <c:pt idx="4">
+                  <c:v>Industry (UK, EU, Overseas)</c:v>
+                </c:pt>
+                <c:pt idx="5">
+                  <c:v>EU Government</c:v>
+                </c:pt>
+                <c:pt idx="6">
+                  <c:v>Other Overseas (incl. charities)</c:v>
+                </c:pt>
+                <c:pt idx="7">
+                  <c:v>Other</c:v>
+                </c:pt>
+              </c:strCache>
+            </c:strRef>
+          </c:cat>
+          <c:val>
+            <c:numRef>
+              <c:f>Sheet1!$B$1:$B$8</c:f>
+              <c:numCache>
+                <c:formatCode>0%</c:formatCode>
+                <c:ptCount val="8"/>
+                <c:pt idx="0">
+                  <c:v>0.45</c:v>
+                </c:pt>
+                <c:pt idx="1">
+                  <c:v>0.11</c:v>
+                </c:pt>
+                <c:pt idx="2">
+                  <c:v>0.13</c:v>
+                </c:pt>
+                <c:pt idx="3">
+                  <c:v>0.1</c:v>
+                </c:pt>
+                <c:pt idx="4">
+                  <c:v>0.06</c:v>
+                </c:pt>
+                <c:pt idx="5">
+                  <c:v>0.09</c:v>
+                </c:pt>
+                <c:pt idx="6">
+                  <c:v>0.04</c:v>
+                </c:pt>
+                <c:pt idx="7">
+                  <c:v>0.02</c:v>
+                </c:pt>
+              </c:numCache>
+            </c:numRef>
+          </c:val>
+          <c:extLst>
+            <c:ext xmlns:c16="http://schemas.microsoft.com/office/drawing/2014/chart" uri="{C3380CC4-5D6E-409C-BE32-E72D297353CC}">
+              <c16:uniqueId val="{00000010-EE96-4E7E-936A-56198EA9AEC9}"/>
+            </c:ext>
+          </c:extLst>
+        </c:ser>
+        <c:dLbls>
+          <c:dLblPos val="inEnd"/>
+          <c:showLegendKey val="0"/>
+          <c:showVal val="1"/>
+          <c:showCatName val="0"/>
+          <c:showSerName val="0"/>
+          <c:showPercent val="0"/>
+          <c:showBubbleSize val="0"/>
+          <c:showLeaderLines val="0"/>
+        </c:dLbls>
+        <c:firstSliceAng val="0"/>
+      </c:pieChart>
+      <c:spPr>
+        <a:noFill/>
+        <a:ln>
+          <a:noFill/>
+        </a:ln>
+        <a:effectLst/>
+      </c:spPr>
+    </c:plotArea>
+    <c:plotVisOnly val="1"/>
+    <c:dispBlanksAs val="gap"/>
+    <c:extLst>
+      <c:ext xmlns:c16r3="http://schemas.microsoft.com/office/drawing/2017/03/chart" uri="{56B9EC1D-385E-4148-901F-78D8002777C0}">
+        <c16r3:dataDisplayOptions16>
+          <c16r3:dispNaAsBlank val="1"/>
+        </c16r3:dataDisplayOptions16>
+      </c:ext>
+    </c:extLst>
+    <c:showDLblsOverMax val="0"/>
+  </c:chart>
+  <c:spPr>
+    <a:solidFill>
+      <a:schemeClr val="bg1"/>
+    </a:solidFill>
+    <a:ln w="9525" cap="flat" cmpd="sng" algn="ctr">
+      <a:noFill/>
+      <a:round/>
+    </a:ln>
+    <a:effectLst/>
+  </c:spPr>
+  <c:txPr>
+    <a:bodyPr/>
+    <a:lstStyle/>
+    <a:p>
+      <a:pPr>
+        <a:defRPr/>
+      </a:pPr>
+      <a:endParaRPr lang="en-US"/>
+    </a:p>
+  </c:txPr>
+  <c:externalData r:id="rId3">
+    <c:autoUpdate val="0"/>
+  </c:externalData>
+</c:chartSpace>
+</file>
+
+<file path=ppt/charts/colors1.xml><?xml version="1.0" encoding="utf-8"?>
+<cs:colorStyle xmlns:cs="http://schemas.microsoft.com/office/drawing/2012/chartStyle" xmlns:a="http://schemas.openxmlformats.org/drawingml/2006/main" meth="withinLinear" id="16">
+  <a:schemeClr val="accent3"/>
+</cs:colorStyle>
+</file>
+
+<file path=ppt/charts/style1.xml><?xml version="1.0" encoding="utf-8"?>
+<cs:chartStyle xmlns:cs="http://schemas.microsoft.com/office/drawing/2012/chartStyle" xmlns:a="http://schemas.openxmlformats.org/drawingml/2006/main" id="251">
+  <cs:axisTitle>
+    <cs:lnRef idx="0"/>
+    <cs:fillRef idx="0"/>
+    <cs:effectRef idx="0"/>
+    <cs:fontRef idx="minor">
+      <a:schemeClr val="tx1">
+        <a:lumMod val="65000"/>
+        <a:lumOff val="35000"/>
+      </a:schemeClr>
+    </cs:fontRef>
+    <cs:defRPr sz="1000" kern="1200"/>
+  </cs:axisTitle>
+  <cs:categoryAxis>
+    <cs:lnRef idx="0"/>
+    <cs:fillRef idx="0"/>
+    <cs:effectRef idx="0"/>
+    <cs:fontRef idx="minor">
+      <a:schemeClr val="tx1">
+        <a:lumMod val="65000"/>
+        <a:lumOff val="35000"/>
+      </a:schemeClr>
+    </cs:fontRef>
+    <cs:spPr>
+      <a:ln w="9525" cap="flat" cmpd="sng" algn="ctr">
+        <a:solidFill>
+          <a:schemeClr val="tx1">
+            <a:lumMod val="15000"/>
+            <a:lumOff val="85000"/>
+          </a:schemeClr>
+        </a:solidFill>
+        <a:round/>
+      </a:ln>
+    </cs:spPr>
+    <cs:defRPr sz="900" kern="1200"/>
+  </cs:categoryAxis>
+  <cs:chartArea mods="allowNoFillOverride allowNoLineOverride">
+    <cs:lnRef idx="0"/>
+    <cs:fillRef idx="0"/>
+    <cs:effectRef idx="0"/>
+    <cs:fontRef idx="minor">
+      <a:schemeClr val="tx1"/>
+    </cs:fontRef>
+    <cs:spPr>
+      <a:solidFill>
+        <a:schemeClr val="bg1"/>
+      </a:solidFill>
+      <a:ln w="9525" cap="flat" cmpd="sng" algn="ctr">
+        <a:solidFill>
+          <a:schemeClr val="tx1">
+            <a:lumMod val="15000"/>
+            <a:lumOff val="85000"/>
+          </a:schemeClr>
+        </a:solidFill>
+        <a:round/>
+      </a:ln>
+    </cs:spPr>
+    <cs:defRPr sz="900" kern="1200"/>
+  </cs:chartArea>
+  <cs:dataLabel>
+    <cs:lnRef idx="0"/>
+    <cs:fillRef idx="0"/>
+    <cs:effectRef idx="0"/>
+    <cs:fontRef idx="minor">
+      <a:schemeClr val="tx1">
+        <a:lumMod val="75000"/>
+        <a:lumOff val="25000"/>
+      </a:schemeClr>
+    </cs:fontRef>
+    <cs:defRPr sz="900" kern="1200"/>
+  </cs:dataLabel>
+  <cs:dataLabelCallout>
+    <cs:lnRef idx="0"/>
+    <cs:fillRef idx="0"/>
+    <cs:effectRef idx="0"/>
+    <cs:fontRef idx="minor">
+      <a:schemeClr val="dk1">
+        <a:lumMod val="65000"/>
+        <a:lumOff val="35000"/>
+      </a:schemeClr>
+    </cs:fontRef>
+    <cs:spPr>
+      <a:solidFill>
+        <a:schemeClr val="lt1"/>
+      </a:solidFill>
+      <a:ln>
+        <a:solidFill>
+          <a:schemeClr val="dk1">
+            <a:lumMod val="25000"/>
+            <a:lumOff val="75000"/>
+          </a:schemeClr>
+        </a:solidFill>
+      </a:ln>
+    </cs:spPr>
+    <cs:defRPr sz="900" kern="1200"/>
+    <cs:bodyPr rot="0" spcFirstLastPara="1" vertOverflow="clip" horzOverflow="clip" vert="horz" wrap="square" lIns="36576" tIns="18288" rIns="36576" bIns="18288" anchor="ctr" anchorCtr="1">
+      <a:spAutoFit/>
+    </cs:bodyPr>
+  </cs:dataLabelCallout>
+  <cs:dataPoint>
+    <cs:lnRef idx="0"/>
+    <cs:fillRef idx="1">
+      <cs:styleClr val="auto"/>
+    </cs:fillRef>
+    <cs:effectRef idx="0"/>
+    <cs:fontRef idx="minor">
+      <a:schemeClr val="tx1"/>
+    </cs:fontRef>
+    <cs:spPr>
+      <a:ln w="19050">
+        <a:solidFill>
+          <a:schemeClr val="lt1"/>
+        </a:solidFill>
+      </a:ln>
+    </cs:spPr>
+  </cs:dataPoint>
+  <cs:dataPoint3D>
+    <cs:lnRef idx="0"/>
+    <cs:fillRef idx="1">
+      <cs:styleClr val="auto"/>
+    </cs:fillRef>
+    <cs:effectRef idx="0"/>
+    <cs:fontRef idx="minor">
+      <a:schemeClr val="tx1"/>
+    </cs:fontRef>
+    <cs:spPr>
+      <a:ln w="25400">
+        <a:solidFill>
+          <a:schemeClr val="lt1"/>
+        </a:solidFill>
+      </a:ln>
+    </cs:spPr>
+  </cs:dataPoint3D>
+  <cs:dataPointLine>
+    <cs:lnRef idx="0">
+      <cs:styleClr val="auto"/>
+    </cs:lnRef>
+    <cs:fillRef idx="0"/>
+    <cs:effectRef idx="0"/>
+    <cs:fontRef idx="minor">
+      <a:schemeClr val="tx1"/>
+    </cs:fontRef>
+    <cs:spPr>
+      <a:ln w="28575" cap="rnd">
+        <a:solidFill>
+          <a:schemeClr val="phClr"/>
+        </a:solidFill>
+        <a:round/>
+      </a:ln>
+    </cs:spPr>
+  </cs:dataPointLine>
+  <cs:dataPointMarker>
+    <cs:lnRef idx="0">
+      <cs:styleClr val="auto"/>
+    </cs:lnRef>
+    <cs:fillRef idx="1">
+      <cs:styleClr val="auto"/>
+    </cs:fillRef>
+    <cs:effectRef idx="0"/>
+    <cs:fontRef idx="minor">
+      <a:schemeClr val="tx1"/>
+    </cs:fontRef>
+    <cs:spPr>
+      <a:ln w="9525">
+        <a:solidFill>
+          <a:schemeClr val="phClr"/>
+        </a:solidFill>
+      </a:ln>
+    </cs:spPr>
+  </cs:dataPointMarker>
+  <cs:dataPointMarkerLayout symbol="circle" size="5"/>
+  <cs:dataPointWireframe>
+    <cs:lnRef idx="0">
+      <cs:styleClr val="auto"/>
+    </cs:lnRef>
+    <cs:fillRef idx="0"/>
+    <cs:effectRef idx="0"/>
+    <cs:fontRef idx="minor">
+      <a:schemeClr val="tx1"/>
+    </cs:fontRef>
+    <cs:spPr>
+      <a:ln w="9525" cap="rnd">
+        <a:solidFill>
+          <a:schemeClr val="phClr"/>
+        </a:solidFill>
+        <a:round/>
+      </a:ln>
+    </cs:spPr>
+  </cs:dataPointWireframe>
+  <cs:dataTable>
+    <cs:lnRef idx="0"/>
+    <cs:fillRef idx="0"/>
+    <cs:effectRef idx="0"/>
+    <cs:fontRef idx="minor">
+      <a:schemeClr val="tx1">
+        <a:lumMod val="65000"/>
+        <a:lumOff val="35000"/>
+      </a:schemeClr>
+    </cs:fontRef>
+    <cs:spPr>
+      <a:noFill/>
+      <a:ln w="9525" cap="flat" cmpd="sng" algn="ctr">
+        <a:solidFill>
+          <a:schemeClr val="tx1">
+            <a:lumMod val="15000"/>
+            <a:lumOff val="85000"/>
+          </a:schemeClr>
+        </a:solidFill>
+        <a:round/>
+      </a:ln>
+    </cs:spPr>
+    <cs:defRPr sz="900" kern="1200"/>
+  </cs:dataTable>
+  <cs:downBar>
+    <cs:lnRef idx="0"/>
+    <cs:fillRef idx="0"/>
+    <cs:effectRef idx="0"/>
+    <cs:fontRef idx="minor">
+      <a:schemeClr val="tx1"/>
+    </cs:fontRef>
+    <cs:spPr>
+      <a:solidFill>
+        <a:schemeClr val="dk1">
+          <a:lumMod val="75000"/>
+          <a:lumOff val="25000"/>
+        </a:schemeClr>
+      </a:solidFill>
+      <a:ln w="9525" cap="flat" cmpd="sng" algn="ctr">
+        <a:solidFill>
+          <a:schemeClr val="tx1">
+            <a:lumMod val="65000"/>
+            <a:lumOff val="35000"/>
+          </a:schemeClr>
+        </a:solidFill>
+        <a:round/>
+      </a:ln>
+    </cs:spPr>
+  </cs:downBar>
+  <cs:dropLine>
+    <cs:lnRef idx="0"/>
+    <cs:fillRef idx="0"/>
+    <cs:effectRef idx="0"/>
+    <cs:fontRef idx="minor">
+      <a:schemeClr val="tx1"/>
+    </cs:fontRef>
+    <cs:spPr>
+      <a:ln w="9525" cap="flat" cmpd="sng" algn="ctr">
+        <a:solidFill>
+          <a:schemeClr val="tx1">
+            <a:lumMod val="35000"/>
+            <a:lumOff val="65000"/>
+          </a:schemeClr>
+        </a:solidFill>
+        <a:round/>
+      </a:ln>
+    </cs:spPr>
+  </cs:dropLine>
+  <cs:errorBar>
+    <cs:lnRef idx="0"/>
+    <cs:fillRef idx="0"/>
+    <cs:effectRef idx="0"/>
+    <cs:fontRef idx="minor">
+      <a:schemeClr val="tx1"/>
+    </cs:fontRef>
+    <cs:spPr>
+      <a:ln w="9525" cap="flat" cmpd="sng" algn="ctr">
+        <a:solidFill>
+          <a:schemeClr val="tx1">
+            <a:lumMod val="65000"/>
+            <a:lumOff val="35000"/>
+          </a:schemeClr>
+        </a:solidFill>
+        <a:round/>
+      </a:ln>
+    </cs:spPr>
+  </cs:errorBar>
+  <cs:floor>
+    <cs:lnRef idx="0"/>
+    <cs:fillRef idx="0"/>
+    <cs:effectRef idx="0"/>
+    <cs:fontRef idx="minor">
+      <a:schemeClr val="tx1"/>
+    </cs:fontRef>
+    <cs:spPr>
+      <a:noFill/>
+      <a:ln>
+        <a:noFill/>
+      </a:ln>
+    </cs:spPr>
+  </cs:floor>
+  <cs:gridlineMajor>
+    <cs:lnRef idx="0"/>
+    <cs:fillRef idx="0"/>
+    <cs:effectRef idx="0"/>
+    <cs:fontRef idx="minor">
+      <a:schemeClr val="tx1"/>
+    </cs:fontRef>
+    <cs:spPr>
+      <a:ln w="9525" cap="flat" cmpd="sng" algn="ctr">
+        <a:solidFill>
+          <a:schemeClr val="tx1">
+            <a:lumMod val="15000"/>
+            <a:lumOff val="85000"/>
+          </a:schemeClr>
+        </a:solidFill>
+        <a:round/>
+      </a:ln>
+    </cs:spPr>
+  </cs:gridlineMajor>
+  <cs:gridlineMinor>
+    <cs:lnRef idx="0"/>
+    <cs:fillRef idx="0"/>
+    <cs:effectRef idx="0"/>
+    <cs:fontRef idx="minor">
+      <a:schemeClr val="tx1"/>
+    </cs:fontRef>
+    <cs:spPr>
+      <a:ln w="9525" cap="flat" cmpd="sng" algn="ctr">
+        <a:solidFill>
+          <a:schemeClr val="tx1">
+            <a:lumMod val="5000"/>
+            <a:lumOff val="95000"/>
+          </a:schemeClr>
+        </a:solidFill>
+        <a:round/>
+      </a:ln>
+    </cs:spPr>
+  </cs:gridlineMinor>
+  <cs:hiLoLine>
+    <cs:lnRef idx="0"/>
+    <cs:fillRef idx="0"/>
+    <cs:effectRef idx="0"/>
+    <cs:fontRef idx="minor">
+      <a:schemeClr val="tx1"/>
+    </cs:fontRef>
+    <cs:spPr>
+      <a:ln w="9525" cap="flat" cmpd="sng" algn="ctr">
+        <a:solidFill>
+          <a:schemeClr val="tx1">
+            <a:lumMod val="50000"/>
+            <a:lumOff val="50000"/>
+          </a:schemeClr>
+        </a:solidFill>
+        <a:round/>
+      </a:ln>
+    </cs:spPr>
+  </cs:hiLoLine>
+  <cs:leaderLine>
+    <cs:lnRef idx="0"/>
+    <cs:fillRef idx="0"/>
+    <cs:effectRef idx="0"/>
+    <cs:fontRef idx="minor">
+      <a:schemeClr val="tx1"/>
+    </cs:fontRef>
+    <cs:spPr>
+      <a:ln w="9525" cap="flat" cmpd="sng" algn="ctr">
+        <a:solidFill>
+          <a:schemeClr val="tx1">
+            <a:lumMod val="35000"/>
+            <a:lumOff val="65000"/>
+          </a:schemeClr>
+        </a:solidFill>
+        <a:round/>
+      </a:ln>
+    </cs:spPr>
+  </cs:leaderLine>
+  <cs:legend>
+    <cs:lnRef idx="0"/>
+    <cs:fillRef idx="0"/>
+    <cs:effectRef idx="0"/>
+    <cs:fontRef idx="minor">
+      <a:schemeClr val="tx1">
+        <a:lumMod val="65000"/>
+        <a:lumOff val="35000"/>
+      </a:schemeClr>
+    </cs:fontRef>
+    <cs:defRPr sz="900" kern="1200"/>
+  </cs:legend>
+  <cs:plotArea mods="allowNoFillOverride allowNoLineOverride">
+    <cs:lnRef idx="0"/>
+    <cs:fillRef idx="0"/>
+    <cs:effectRef idx="0"/>
+    <cs:fontRef idx="minor">
+      <a:schemeClr val="tx1"/>
+    </cs:fontRef>
+  </cs:plotArea>
+  <cs:plotArea3D mods="allowNoFillOverride allowNoLineOverride">
+    <cs:lnRef idx="0"/>
+    <cs:fillRef idx="0"/>
+    <cs:effectRef idx="0"/>
+    <cs:fontRef idx="minor">
+      <a:schemeClr val="tx1"/>
+    </cs:fontRef>
+  </cs:plotArea3D>
+  <cs:seriesAxis>
+    <cs:lnRef idx="0"/>
+    <cs:fillRef idx="0"/>
+    <cs:effectRef idx="0"/>
+    <cs:fontRef idx="minor">
+      <a:schemeClr val="tx1">
+        <a:lumMod val="65000"/>
+        <a:lumOff val="35000"/>
+      </a:schemeClr>
+    </cs:fontRef>
+    <cs:defRPr sz="900" kern="1200"/>
+  </cs:seriesAxis>
+  <cs:seriesLine>
+    <cs:lnRef idx="0"/>
+    <cs:fillRef idx="0"/>
+    <cs:effectRef idx="0"/>
+    <cs:fontRef idx="minor">
+      <a:schemeClr val="tx1"/>
+    </cs:fontRef>
+    <cs:spPr>
+      <a:ln w="9525" cap="flat" cmpd="sng" algn="ctr">
+        <a:solidFill>
+          <a:schemeClr val="tx1">
+            <a:lumMod val="35000"/>
+            <a:lumOff val="65000"/>
+          </a:schemeClr>
+        </a:solidFill>
+        <a:round/>
+      </a:ln>
+    </cs:spPr>
+  </cs:seriesLine>
+  <cs:title>
+    <cs:lnRef idx="0"/>
+    <cs:fillRef idx="0"/>
+    <cs:effectRef idx="0"/>
+    <cs:fontRef idx="minor">
+      <a:schemeClr val="tx1">
+        <a:lumMod val="65000"/>
+        <a:lumOff val="35000"/>
+      </a:schemeClr>
+    </cs:fontRef>
+    <cs:defRPr sz="1400" b="0" kern="1200" spc="0" baseline="0"/>
+  </cs:title>
+  <cs:trendline>
+    <cs:lnRef idx="0">
+      <cs:styleClr val="auto"/>
+    </cs:lnRef>
+    <cs:fillRef idx="0"/>
+    <cs:effectRef idx="0"/>
+    <cs:fontRef idx="minor">
+      <a:schemeClr val="tx1"/>
+    </cs:fontRef>
+    <cs:spPr>
+      <a:ln w="19050" cap="rnd">
+        <a:solidFill>
+          <a:schemeClr val="phClr"/>
+        </a:solidFill>
+        <a:prstDash val="sysDot"/>
+      </a:ln>
+    </cs:spPr>
+  </cs:trendline>
+  <cs:trendlineLabel>
+    <cs:lnRef idx="0"/>
+    <cs:fillRef idx="0"/>
+    <cs:effectRef idx="0"/>
+    <cs:fontRef idx="minor">
+      <a:schemeClr val="tx1">
+        <a:lumMod val="65000"/>
+        <a:lumOff val="35000"/>
+      </a:schemeClr>
+    </cs:fontRef>
+    <cs:defRPr sz="900" kern="1200"/>
+  </cs:trendlineLabel>
+  <cs:upBar>
+    <cs:lnRef idx="0"/>
+    <cs:fillRef idx="0"/>
+    <cs:effectRef idx="0"/>
+    <cs:fontRef idx="minor">
+      <a:schemeClr val="tx1"/>
+    </cs:fontRef>
+    <cs:spPr>
+      <a:solidFill>
+        <a:schemeClr val="lt1"/>
+      </a:solidFill>
+      <a:ln w="9525" cap="flat" cmpd="sng" algn="ctr">
+        <a:solidFill>
+          <a:schemeClr val="tx1">
+            <a:lumMod val="65000"/>
+            <a:lumOff val="35000"/>
+          </a:schemeClr>
+        </a:solidFill>
+        <a:round/>
+      </a:ln>
+    </cs:spPr>
+  </cs:upBar>
+  <cs:valueAxis>
+    <cs:lnRef idx="0"/>
+    <cs:fillRef idx="0"/>
+    <cs:effectRef idx="0"/>
+    <cs:fontRef idx="minor">
+      <a:schemeClr val="tx1">
+        <a:lumMod val="65000"/>
+        <a:lumOff val="35000"/>
+      </a:schemeClr>
+    </cs:fontRef>
+    <cs:defRPr sz="900" kern="1200"/>
+  </cs:valueAxis>
+  <cs:wall>
+    <cs:lnRef idx="0"/>
+    <cs:fillRef idx="0"/>
+    <cs:effectRef idx="0"/>
+    <cs:fontRef idx="minor">
+      <a:schemeClr val="tx1"/>
+    </cs:fontRef>
+    <cs:spPr>
+      <a:noFill/>
+      <a:ln>
+        <a:noFill/>
+      </a:ln>
+    </cs:spPr>
+  </cs:wall>
+</cs:chartStyle>
+</file>
+
+<file path=ppt/notesMasters/notesMaster1.xml><?xml version="1.0" encoding="utf-8"?>
+<p:notesMaster xmlns:a="http://schemas.openxmlformats.org/drawingml/2006/main" xmlns:r="http://schemas.openxmlformats.org/officeDocument/2006/relationships" xmlns:p="http://schemas.openxmlformats.org/presentationml/2006/main">
+  <p:cSld>
+    <p:bg>
+      <p:bgRef idx="1001">
+        <a:schemeClr val="bg1"/>
+      </p:bgRef>
+    </p:bg>
+    <p:spTree>
+      <p:nvGrpSpPr>
+        <p:cNvPr id="1" name=""/>
+        <p:cNvGrpSpPr/>
+        <p:nvPr/>
+      </p:nvGrpSpPr>
+      <p:grpSpPr>
+        <a:xfrm>
+          <a:off x="0" y="0"/>
+          <a:ext cx="0" cy="0"/>
+          <a:chOff x="0" y="0"/>
+          <a:chExt cx="0" cy="0"/>
+        </a:xfrm>
+      </p:grpSpPr>
+      <p:sp>
+        <p:nvSpPr>
+          <p:cNvPr id="2" name="Header Placeholder 1"/>
+          <p:cNvSpPr>
+            <a:spLocks noGrp="1"/>
+          </p:cNvSpPr>
+          <p:nvPr>
+            <p:ph type="hdr" sz="quarter"/>
+          </p:nvPr>
+        </p:nvSpPr>
+        <p:spPr>
+          <a:xfrm>
+            <a:off x="0" y="0"/>
+            <a:ext cx="2971800" cy="458788"/>
+          </a:xfrm>
+          <a:prstGeom prst="rect">
+            <a:avLst/>
+          </a:prstGeom>
+        </p:spPr>
+        <p:txBody>
+          <a:bodyPr vert="horz" lIns="91440" tIns="45720" rIns="91440" bIns="45720" rtlCol="0"/>
+          <a:lstStyle>
+            <a:lvl1pPr algn="l">
+              <a:defRPr sz="1200"/>
+            </a:lvl1pPr>
+          </a:lstStyle>
+          <a:p>
+            <a:endParaRPr lang="en-GB"/>
+          </a:p>
+        </p:txBody>
+      </p:sp>
+      <p:sp>
+        <p:nvSpPr>
+          <p:cNvPr id="3" name="Date Placeholder 2"/>
+          <p:cNvSpPr>
+            <a:spLocks noGrp="1"/>
+          </p:cNvSpPr>
+          <p:nvPr>
+            <p:ph type="dt" idx="1"/>
+          </p:nvPr>
+        </p:nvSpPr>
+        <p:spPr>
+          <a:xfrm>
+            <a:off x="3884613" y="0"/>
+            <a:ext cx="2971800" cy="458788"/>
+          </a:xfrm>
+          <a:prstGeom prst="rect">
+            <a:avLst/>
+          </a:prstGeom>
+        </p:spPr>
+        <p:txBody>
+          <a:bodyPr vert="horz" lIns="91440" tIns="45720" rIns="91440" bIns="45720" rtlCol="0"/>
+          <a:lstStyle>
+            <a:lvl1pPr algn="r">
+              <a:defRPr sz="1200"/>
+            </a:lvl1pPr>
+          </a:lstStyle>
+          <a:p>
+            <a:fld id="{E359317F-F248-3E4B-8393-467C827974A1}" type="datetimeFigureOut">
+              <a:rPr lang="en-GB" smtClean="0"/>
+              <a:t>02/11/2022</a:t>
+            </a:fld>
+            <a:endParaRPr lang="en-GB"/>
+          </a:p>
+        </p:txBody>
+      </p:sp>
+      <p:sp>
+        <p:nvSpPr>
+          <p:cNvPr id="4" name="Slide Image Placeholder 3"/>
+          <p:cNvSpPr>
+            <a:spLocks noGrp="1" noRot="1" noChangeAspect="1"/>
+          </p:cNvSpPr>
+          <p:nvPr>
+            <p:ph type="sldImg" idx="2"/>
+          </p:nvPr>
+        </p:nvSpPr>
+        <p:spPr>
+          <a:xfrm>
+            <a:off x="685800" y="1143000"/>
+            <a:ext cx="5486400" cy="3086100"/>
+          </a:xfrm>
+          <a:prstGeom prst="rect">
+            <a:avLst/>
+          </a:prstGeom>
+          <a:noFill/>
+          <a:ln w="12700">
+            <a:solidFill>
+              <a:prstClr val="black"/>
+            </a:solidFill>
+          </a:ln>
+        </p:spPr>
+        <p:txBody>
+          <a:bodyPr vert="horz" lIns="91440" tIns="45720" rIns="91440" bIns="45720" rtlCol="0" anchor="ctr"/>
+          <a:lstStyle/>
+          <a:p>
+            <a:endParaRPr lang="en-GB"/>
+          </a:p>
+        </p:txBody>
+      </p:sp>
+      <p:sp>
+        <p:nvSpPr>
+          <p:cNvPr id="5" name="Notes Placeholder 4"/>
+          <p:cNvSpPr>
+            <a:spLocks noGrp="1"/>
+          </p:cNvSpPr>
+          <p:nvPr>
+            <p:ph type="body" sz="quarter" idx="3"/>
+          </p:nvPr>
+        </p:nvSpPr>
+        <p:spPr>
+          <a:xfrm>
+            <a:off x="685800" y="4400550"/>
+            <a:ext cx="5486400" cy="3600450"/>
+          </a:xfrm>
+          <a:prstGeom prst="rect">
+            <a:avLst/>
+          </a:prstGeom>
+        </p:spPr>
+        <p:txBody>
+          <a:bodyPr vert="horz" lIns="91440" tIns="45720" rIns="91440" bIns="45720" rtlCol="0"/>
+          <a:lstStyle/>
+          <a:p>
+            <a:pPr lvl="0"/>
+            <a:r>
+              <a:rPr lang="en-GB"/>
+              <a:t>Click to edit Master text styles</a:t>
+            </a:r>
+          </a:p>
+          <a:p>
+            <a:pPr lvl="1"/>
+            <a:r>
+              <a:rPr lang="en-GB"/>
+              <a:t>Second level</a:t>
+            </a:r>
+          </a:p>
+          <a:p>
+            <a:pPr lvl="2"/>
+            <a:r>
+              <a:rPr lang="en-GB"/>
+              <a:t>Third level</a:t>
+            </a:r>
+          </a:p>
+          <a:p>
+            <a:pPr lvl="3"/>
+            <a:r>
+              <a:rPr lang="en-GB"/>
+              <a:t>Fourth level</a:t>
+            </a:r>
+          </a:p>
+          <a:p>
+            <a:pPr lvl="4"/>
+            <a:r>
+              <a:rPr lang="en-GB"/>
+              <a:t>Fifth level</a:t>
+            </a:r>
+          </a:p>
+        </p:txBody>
+      </p:sp>
+      <p:sp>
+        <p:nvSpPr>
+          <p:cNvPr id="6" name="Footer Placeholder 5"/>
+          <p:cNvSpPr>
+            <a:spLocks noGrp="1"/>
+          </p:cNvSpPr>
+          <p:nvPr>
+            <p:ph type="ftr" sz="quarter" idx="4"/>
+          </p:nvPr>
+        </p:nvSpPr>
+        <p:spPr>
+          <a:xfrm>
+            <a:off x="0" y="8685213"/>
+            <a:ext cx="2971800" cy="458787"/>
+          </a:xfrm>
+          <a:prstGeom prst="rect">
+            <a:avLst/>
+          </a:prstGeom>
+        </p:spPr>
+        <p:txBody>
+          <a:bodyPr vert="horz" lIns="91440" tIns="45720" rIns="91440" bIns="45720" rtlCol="0" anchor="b"/>
+          <a:lstStyle>
+            <a:lvl1pPr algn="l">
+              <a:defRPr sz="1200"/>
+            </a:lvl1pPr>
+          </a:lstStyle>
+          <a:p>
+            <a:endParaRPr lang="en-GB"/>
+          </a:p>
+        </p:txBody>
+      </p:sp>
+      <p:sp>
+        <p:nvSpPr>
+          <p:cNvPr id="7" name="Slide Number Placeholder 6"/>
+          <p:cNvSpPr>
+            <a:spLocks noGrp="1"/>
+          </p:cNvSpPr>
+          <p:nvPr>
+            <p:ph type="sldNum" sz="quarter" idx="5"/>
+          </p:nvPr>
+        </p:nvSpPr>
+        <p:spPr>
+          <a:xfrm>
+            <a:off x="3884613" y="8685213"/>
+            <a:ext cx="2971800" cy="458787"/>
+          </a:xfrm>
+          <a:prstGeom prst="rect">
+            <a:avLst/>
+          </a:prstGeom>
+        </p:spPr>
+        <p:txBody>
+          <a:bodyPr vert="horz" lIns="91440" tIns="45720" rIns="91440" bIns="45720" rtlCol="0" anchor="b"/>
+          <a:lstStyle>
+            <a:lvl1pPr algn="r">
+              <a:defRPr sz="1200"/>
+            </a:lvl1pPr>
+          </a:lstStyle>
+          <a:p>
+            <a:fld id="{01AB89EF-4966-A049-B4AD-E9AA2728D0D0}" type="slidenum">
+              <a:rPr lang="en-GB" smtClean="0"/>
+              <a:t>‹#›</a:t>
+            </a:fld>
+            <a:endParaRPr lang="en-GB"/>
+          </a:p>
+        </p:txBody>
+      </p:sp>
+    </p:spTree>
+    <p:extLst>
+      <p:ext uri="{BB962C8B-B14F-4D97-AF65-F5344CB8AC3E}">
+        <p14:creationId xmlns:p14="http://schemas.microsoft.com/office/powerpoint/2010/main" val="218108054"/>
+      </p:ext>
+    </p:extLst>
+  </p:cSld>
+  <p:clrMap bg1="lt1" tx1="dk1" bg2="lt2" tx2="dk2" accent1="accent1" accent2="accent2" accent3="accent3" accent4="accent4" accent5="accent5" accent6="accent6" hlink="hlink" folHlink="folHlink"/>
+  <p:notesStyle>
+    <a:lvl1pPr marL="0" algn="l" defTabSz="914400" rtl="0" eaLnBrk="1" latinLnBrk="0" hangingPunct="1">
+      <a:defRPr sz="1200" kern="1200">
+        <a:solidFill>
+          <a:schemeClr val="tx1"/>
+        </a:solidFill>
+        <a:latin typeface="+mn-lt"/>
+        <a:ea typeface="+mn-ea"/>
+        <a:cs typeface="+mn-cs"/>
+      </a:defRPr>
+    </a:lvl1pPr>
+    <a:lvl2pPr marL="457200" algn="l" defTabSz="914400" rtl="0" eaLnBrk="1" latinLnBrk="0" hangingPunct="1">
+      <a:defRPr sz="1200" kern="1200">
+        <a:solidFill>
+          <a:schemeClr val="tx1"/>
+        </a:solidFill>
+        <a:latin typeface="+mn-lt"/>
+        <a:ea typeface="+mn-ea"/>
+        <a:cs typeface="+mn-cs"/>
+      </a:defRPr>
+    </a:lvl2pPr>
+    <a:lvl3pPr marL="914400" algn="l" defTabSz="914400" rtl="0" eaLnBrk="1" latinLnBrk="0" hangingPunct="1">
+      <a:defRPr sz="1200" kern="1200">
+        <a:solidFill>
+          <a:schemeClr val="tx1"/>
+        </a:solidFill>
+        <a:latin typeface="+mn-lt"/>
+        <a:ea typeface="+mn-ea"/>
+        <a:cs typeface="+mn-cs"/>
+      </a:defRPr>
+    </a:lvl3pPr>
+    <a:lvl4pPr marL="1371600" algn="l" defTabSz="914400" rtl="0" eaLnBrk="1" latinLnBrk="0" hangingPunct="1">
+      <a:defRPr sz="1200" kern="1200">
+        <a:solidFill>
+          <a:schemeClr val="tx1"/>
+        </a:solidFill>
+        <a:latin typeface="+mn-lt"/>
+        <a:ea typeface="+mn-ea"/>
+        <a:cs typeface="+mn-cs"/>
+      </a:defRPr>
+    </a:lvl4pPr>
+    <a:lvl5pPr marL="1828800" algn="l" defTabSz="914400" rtl="0" eaLnBrk="1" latinLnBrk="0" hangingPunct="1">
+      <a:defRPr sz="1200" kern="1200">
+        <a:solidFill>
+          <a:schemeClr val="tx1"/>
+        </a:solidFill>
+        <a:latin typeface="+mn-lt"/>
+        <a:ea typeface="+mn-ea"/>
+        <a:cs typeface="+mn-cs"/>
+      </a:defRPr>
+    </a:lvl5pPr>
+    <a:lvl6pPr marL="2286000" algn="l" defTabSz="914400" rtl="0" eaLnBrk="1" latinLnBrk="0" hangingPunct="1">
+      <a:defRPr sz="1200" kern="1200">
+        <a:solidFill>
+          <a:schemeClr val="tx1"/>
+        </a:solidFill>
+        <a:latin typeface="+mn-lt"/>
+        <a:ea typeface="+mn-ea"/>
+        <a:cs typeface="+mn-cs"/>
+      </a:defRPr>
+    </a:lvl6pPr>
+    <a:lvl7pPr marL="2743200" algn="l" defTabSz="914400" rtl="0" eaLnBrk="1" latinLnBrk="0" hangingPunct="1">
+      <a:defRPr sz="1200" kern="1200">
+        <a:solidFill>
+          <a:schemeClr val="tx1"/>
+        </a:solidFill>
+        <a:latin typeface="+mn-lt"/>
+        <a:ea typeface="+mn-ea"/>
+        <a:cs typeface="+mn-cs"/>
+      </a:defRPr>
+    </a:lvl7pPr>
+    <a:lvl8pPr marL="3200400" algn="l" defTabSz="914400" rtl="0" eaLnBrk="1" latinLnBrk="0" hangingPunct="1">
+      <a:defRPr sz="1200" kern="1200">
+        <a:solidFill>
+          <a:schemeClr val="tx1"/>
+        </a:solidFill>
+        <a:latin typeface="+mn-lt"/>
+        <a:ea typeface="+mn-ea"/>
+        <a:cs typeface="+mn-cs"/>
+      </a:defRPr>
+    </a:lvl8pPr>
+    <a:lvl9pPr marL="3657600" algn="l" defTabSz="914400" rtl="0" eaLnBrk="1" latinLnBrk="0" hangingPunct="1">
+      <a:defRPr sz="1200" kern="1200">
+        <a:solidFill>
+          <a:schemeClr val="tx1"/>
+        </a:solidFill>
+        <a:latin typeface="+mn-lt"/>
+        <a:ea typeface="+mn-ea"/>
+        <a:cs typeface="+mn-cs"/>
+      </a:defRPr>
+    </a:lvl9pPr>
+  </p:notesStyle>
+</p:notesMaster>
+</file>
+
+<file path=ppt/notesSlides/notesSlide1.xml><?xml version="1.0" encoding="utf-8"?>
+<p:notes xmlns:a="http://schemas.openxmlformats.org/drawingml/2006/main" xmlns:r="http://schemas.openxmlformats.org/officeDocument/2006/relationships" xmlns:p="http://schemas.openxmlformats.org/presentationml/2006/main">
+  <p:cSld>
+    <p:spTree>
+      <p:nvGrpSpPr>
+        <p:cNvPr id="1" name=""/>
+        <p:cNvGrpSpPr/>
+        <p:nvPr/>
+      </p:nvGrpSpPr>
+      <p:grpSpPr>
+        <a:xfrm>
+          <a:off x="0" y="0"/>
+          <a:ext cx="0" cy="0"/>
+          <a:chOff x="0" y="0"/>
+          <a:chExt cx="0" cy="0"/>
+        </a:xfrm>
+      </p:grpSpPr>
+      <p:sp>
+        <p:nvSpPr>
+          <p:cNvPr id="2" name="Slide Image Placeholder 1"/>
+          <p:cNvSpPr>
+            <a:spLocks noGrp="1" noRot="1" noChangeAspect="1"/>
+          </p:cNvSpPr>
+          <p:nvPr>
+            <p:ph type="sldImg"/>
+          </p:nvPr>
+        </p:nvSpPr>
+        <p:spPr/>
+      </p:sp>
+      <p:sp>
+        <p:nvSpPr>
+          <p:cNvPr id="3" name="Notes Placeholder 2"/>
+          <p:cNvSpPr>
+            <a:spLocks noGrp="1"/>
+          </p:cNvSpPr>
+          <p:nvPr>
+            <p:ph type="body" idx="1"/>
+          </p:nvPr>
+        </p:nvSpPr>
+        <p:spPr/>
+        <p:txBody>
+          <a:bodyPr/>
+          <a:lstStyle/>
+          <a:p>
+            <a:endParaRPr lang="en-GB"/>
+          </a:p>
+        </p:txBody>
+      </p:sp>
+      <p:sp>
+        <p:nvSpPr>
+          <p:cNvPr id="4" name="Slide Number Placeholder 3"/>
+          <p:cNvSpPr>
+            <a:spLocks noGrp="1"/>
+          </p:cNvSpPr>
+          <p:nvPr>
+            <p:ph type="sldNum" sz="quarter" idx="5"/>
+          </p:nvPr>
+        </p:nvSpPr>
+        <p:spPr/>
+        <p:txBody>
+          <a:bodyPr/>
+          <a:lstStyle/>
+          <a:p>
+            <a:fld id="{656210CE-A3B4-7147-BD08-4FD194DC13B3}" type="slidenum">
+              <a:rPr lang="en-GB" smtClean="0"/>
+              <a:t>15</a:t>
+            </a:fld>
+            <a:endParaRPr lang="en-GB"/>
+          </a:p>
+        </p:txBody>
+      </p:sp>
+    </p:spTree>
+    <p:extLst>
+      <p:ext uri="{BB962C8B-B14F-4D97-AF65-F5344CB8AC3E}">
+        <p14:creationId xmlns:p14="http://schemas.microsoft.com/office/powerpoint/2010/main" val="1800629575"/>
+      </p:ext>
+    </p:extLst>
+  </p:cSld>
+  <p:clrMapOvr>
+    <a:masterClrMapping/>
+  </p:clrMapOvr>
+</p:notes>
 </file>
 
 <file path=ppt/slideLayouts/slideLayout1.xml><?xml version="1.0" encoding="utf-8"?>
@@ -314,7 +2113,7 @@
           <a:p>
             <a:fld id="{241EB5C9-1307-BA42-ABA2-0BC069CD8E7F}" type="datetimeFigureOut">
               <a:rPr lang="en-US" smtClean="0"/>
-              <a:t>1/2/22</a:t>
+              <a:t>11/2/22</a:t>
             </a:fld>
             <a:endParaRPr lang="en-US"/>
           </a:p>
@@ -482,7 +2281,7 @@
           <a:p>
             <a:fld id="{241EB5C9-1307-BA42-ABA2-0BC069CD8E7F}" type="datetimeFigureOut">
               <a:rPr lang="en-US" smtClean="0"/>
-              <a:t>1/2/22</a:t>
+              <a:t>11/2/22</a:t>
             </a:fld>
             <a:endParaRPr lang="en-US"/>
           </a:p>
@@ -660,7 +2459,7 @@
           <a:p>
             <a:fld id="{241EB5C9-1307-BA42-ABA2-0BC069CD8E7F}" type="datetimeFigureOut">
               <a:rPr lang="en-US" smtClean="0"/>
-              <a:t>1/2/22</a:t>
+              <a:t>11/2/22</a:t>
             </a:fld>
             <a:endParaRPr lang="en-US"/>
           </a:p>
@@ -828,7 +2627,7 @@
           <a:p>
             <a:fld id="{241EB5C9-1307-BA42-ABA2-0BC069CD8E7F}" type="datetimeFigureOut">
               <a:rPr lang="en-US" smtClean="0"/>
-              <a:t>1/2/22</a:t>
+              <a:t>11/2/22</a:t>
             </a:fld>
             <a:endParaRPr lang="en-US"/>
           </a:p>
@@ -1073,7 +2872,7 @@
           <a:p>
             <a:fld id="{241EB5C9-1307-BA42-ABA2-0BC069CD8E7F}" type="datetimeFigureOut">
               <a:rPr lang="en-US" smtClean="0"/>
-              <a:t>1/2/22</a:t>
+              <a:t>11/2/22</a:t>
             </a:fld>
             <a:endParaRPr lang="en-US"/>
           </a:p>
@@ -1358,7 +3157,7 @@
           <a:p>
             <a:fld id="{241EB5C9-1307-BA42-ABA2-0BC069CD8E7F}" type="datetimeFigureOut">
               <a:rPr lang="en-US" smtClean="0"/>
-              <a:t>1/2/22</a:t>
+              <a:t>11/2/22</a:t>
             </a:fld>
             <a:endParaRPr lang="en-US"/>
           </a:p>
@@ -1777,7 +3576,7 @@
           <a:p>
             <a:fld id="{241EB5C9-1307-BA42-ABA2-0BC069CD8E7F}" type="datetimeFigureOut">
               <a:rPr lang="en-US" smtClean="0"/>
-              <a:t>1/2/22</a:t>
+              <a:t>11/2/22</a:t>
             </a:fld>
             <a:endParaRPr lang="en-US"/>
           </a:p>
@@ -1894,7 +3693,7 @@
           <a:p>
             <a:fld id="{241EB5C9-1307-BA42-ABA2-0BC069CD8E7F}" type="datetimeFigureOut">
               <a:rPr lang="en-US" smtClean="0"/>
-              <a:t>1/2/22</a:t>
+              <a:t>11/2/22</a:t>
             </a:fld>
             <a:endParaRPr lang="en-US"/>
           </a:p>
@@ -1989,7 +3788,7 @@
           <a:p>
             <a:fld id="{241EB5C9-1307-BA42-ABA2-0BC069CD8E7F}" type="datetimeFigureOut">
               <a:rPr lang="en-US" smtClean="0"/>
-              <a:t>1/2/22</a:t>
+              <a:t>11/2/22</a:t>
             </a:fld>
             <a:endParaRPr lang="en-US"/>
           </a:p>
@@ -2264,7 +4063,7 @@
           <a:p>
             <a:fld id="{241EB5C9-1307-BA42-ABA2-0BC069CD8E7F}" type="datetimeFigureOut">
               <a:rPr lang="en-US" smtClean="0"/>
-              <a:t>1/2/22</a:t>
+              <a:t>11/2/22</a:t>
             </a:fld>
             <a:endParaRPr lang="en-US"/>
           </a:p>
@@ -2516,7 +4315,7 @@
           <a:p>
             <a:fld id="{241EB5C9-1307-BA42-ABA2-0BC069CD8E7F}" type="datetimeFigureOut">
               <a:rPr lang="en-US" smtClean="0"/>
-              <a:t>1/2/22</a:t>
+              <a:t>11/2/22</a:t>
             </a:fld>
             <a:endParaRPr lang="en-US"/>
           </a:p>
@@ -2578,7 +4377,7 @@
 </file>
 
 <file path=ppt/slideMasters/slideMaster1.xml><?xml version="1.0" encoding="utf-8"?>
-<p:sldMaster xmlns:a="http://schemas.openxmlformats.org/drawingml/2006/main" xmlns:p="http://schemas.openxmlformats.org/presentationml/2006/main" xmlns:r="http://schemas.openxmlformats.org/officeDocument/2006/relationships">
+<p:sldMaster xmlns:a="http://schemas.openxmlformats.org/drawingml/2006/main" xmlns:r="http://schemas.openxmlformats.org/officeDocument/2006/relationships" xmlns:p="http://schemas.openxmlformats.org/presentationml/2006/main">
   <p:cSld>
     <p:bg>
       <p:bgRef idx="1001">
@@ -2619,7 +4418,7 @@
           </a:prstGeom>
         </p:spPr>
         <p:txBody>
-          <a:bodyPr anchor="ctr" bIns="45720" lIns="91440" rIns="91440" rtlCol="0" tIns="45720" vert="horz">
+          <a:bodyPr vert="horz" lIns="91440" tIns="45720" rIns="91440" bIns="45720" rtlCol="0" anchor="ctr">
             <a:normAutofit/>
           </a:bodyPr>
           <a:lstStyle/>
@@ -2638,7 +4437,7 @@
             <a:spLocks noGrp="1"/>
           </p:cNvSpPr>
           <p:nvPr>
-            <p:ph idx="1" type="body"/>
+            <p:ph type="body" idx="1"/>
           </p:nvPr>
         </p:nvSpPr>
         <p:spPr>
@@ -2651,7 +4450,7 @@
           </a:prstGeom>
         </p:spPr>
         <p:txBody>
-          <a:bodyPr bIns="45720" lIns="91440" rIns="91440" rtlCol="0" tIns="45720" vert="horz">
+          <a:bodyPr vert="horz" lIns="91440" tIns="45720" rIns="91440" bIns="45720" rtlCol="0">
             <a:normAutofit/>
           </a:bodyPr>
           <a:lstStyle/>
@@ -2699,7 +4498,7 @@
             <a:spLocks noGrp="1"/>
           </p:cNvSpPr>
           <p:nvPr>
-            <p:ph idx="2" sz="half" type="dt"/>
+            <p:ph type="dt" sz="half" idx="2"/>
           </p:nvPr>
         </p:nvSpPr>
         <p:spPr>
@@ -2712,7 +4511,7 @@
           </a:prstGeom>
         </p:spPr>
         <p:txBody>
-          <a:bodyPr anchor="ctr" bIns="45720" lIns="91440" rIns="91440" rtlCol="0" tIns="45720" vert="horz"/>
+          <a:bodyPr vert="horz" lIns="91440" tIns="45720" rIns="91440" bIns="45720" rtlCol="0" anchor="ctr"/>
           <a:lstStyle>
             <a:lvl1pPr algn="l">
               <a:defRPr sz="900">
@@ -2727,7 +4526,7 @@
           <a:p>
             <a:fld id="{241EB5C9-1307-BA42-ABA2-0BC069CD8E7F}" type="datetimeFigureOut">
               <a:rPr lang="en-US" smtClean="0"/>
-              <a:t>1/2/22</a:t>
+              <a:t>11/2/22</a:t>
             </a:fld>
             <a:endParaRPr lang="en-US"/>
           </a:p>
@@ -2740,7 +4539,7 @@
             <a:spLocks noGrp="1"/>
           </p:cNvSpPr>
           <p:nvPr>
-            <p:ph idx="3" sz="quarter" type="ftr"/>
+            <p:ph type="ftr" sz="quarter" idx="3"/>
           </p:nvPr>
         </p:nvSpPr>
         <p:spPr>
@@ -2753,7 +4552,7 @@
           </a:prstGeom>
         </p:spPr>
         <p:txBody>
-          <a:bodyPr anchor="ctr" bIns="45720" lIns="91440" rIns="91440" rtlCol="0" tIns="45720" vert="horz"/>
+          <a:bodyPr vert="horz" lIns="91440" tIns="45720" rIns="91440" bIns="45720" rtlCol="0" anchor="ctr"/>
           <a:lstStyle>
             <a:lvl1pPr algn="ctr">
               <a:defRPr sz="900">
@@ -2777,7 +4576,7 @@
             <a:spLocks noGrp="1"/>
           </p:cNvSpPr>
           <p:nvPr>
-            <p:ph idx="4" sz="quarter" type="sldNum"/>
+            <p:ph type="sldNum" sz="quarter" idx="4"/>
           </p:nvPr>
         </p:nvSpPr>
         <p:spPr>
@@ -2790,7 +4589,7 @@
           </a:prstGeom>
         </p:spPr>
         <p:txBody>
-          <a:bodyPr anchor="ctr" bIns="45720" lIns="91440" rIns="91440" rtlCol="0" tIns="45720" vert="horz"/>
+          <a:bodyPr vert="horz" lIns="91440" tIns="45720" rIns="91440" bIns="45720" rtlCol="0" anchor="ctr"/>
           <a:lstStyle>
             <a:lvl1pPr algn="r">
               <a:defRPr sz="900">
@@ -2818,7 +4617,7 @@
       </p:ext>
     </p:extLst>
   </p:cSld>
-  <p:clrMap accent1="accent1" accent2="accent2" accent3="accent3" accent4="accent4" accent5="accent5" accent6="accent6" bg1="lt1" bg2="lt2" folHlink="folHlink" hlink="hlink" tx1="dk1" tx2="dk2"/>
+  <p:clrMap bg1="lt1" tx1="dk1" bg2="lt2" tx2="dk2" accent1="accent1" accent2="accent2" accent3="accent3" accent4="accent4" accent5="accent5" accent6="accent6" hlink="hlink" folHlink="folHlink"/>
   <p:sldLayoutIdLst>
     <p:sldLayoutId id="2147483649" r:id="rId1"/>
     <p:sldLayoutId id="2147483650" r:id="rId2"/>
@@ -2834,12 +4633,12 @@
   </p:sldLayoutIdLst>
   <p:txStyles>
     <p:titleStyle>
-      <a:lvl1pPr algn="ctr" defTabSz="342900" eaLnBrk="1" hangingPunct="1" latinLnBrk="0" rtl="0">
+      <a:lvl1pPr algn="ctr" defTabSz="342900" rtl="0" eaLnBrk="1" latinLnBrk="0" hangingPunct="1">
         <a:spcBef>
           <a:spcPct val="0"/>
         </a:spcBef>
         <a:buNone/>
-        <a:defRPr kern="1200" sz="3300">
+        <a:defRPr sz="3300" kern="1200">
           <a:solidFill>
             <a:schemeClr val="tx1"/>
           </a:solidFill>
@@ -2850,13 +4649,13 @@
       </a:lvl1pPr>
     </p:titleStyle>
     <p:bodyStyle>
-      <a:lvl1pPr algn="l" defTabSz="342900" eaLnBrk="1" hangingPunct="1" indent="-342900" latinLnBrk="0" marL="342900" rtl="0">
+      <a:lvl1pPr marL="342900" indent="-342900" algn="l" defTabSz="342900" rtl="0" eaLnBrk="1" latinLnBrk="0" hangingPunct="1">
         <a:spcBef>
           <a:spcPct val="20000"/>
         </a:spcBef>
         <a:buFont typeface="Arial"/>
         <a:buChar char="•"/>
-        <a:defRPr kern="1200" sz="2400">
+        <a:defRPr sz="2400" kern="1200">
           <a:solidFill>
             <a:schemeClr val="tx1"/>
           </a:solidFill>
@@ -2865,13 +4664,13 @@
           <a:cs typeface="+mn-cs"/>
         </a:defRPr>
       </a:lvl1pPr>
-      <a:lvl2pPr algn="l" defTabSz="342900" eaLnBrk="1" hangingPunct="1" indent="-342900" latinLnBrk="0" marL="685800" rtl="0">
+      <a:lvl2pPr marL="685800" indent="-342900" algn="l" defTabSz="342900" rtl="0" eaLnBrk="1" latinLnBrk="0" hangingPunct="1">
         <a:spcBef>
           <a:spcPct val="20000"/>
         </a:spcBef>
         <a:buFont typeface="Arial"/>
         <a:buChar char="–"/>
-        <a:defRPr kern="1200" sz="2100">
+        <a:defRPr sz="2100" kern="1200">
           <a:solidFill>
             <a:schemeClr val="tx1"/>
           </a:solidFill>
@@ -2880,13 +4679,13 @@
           <a:cs typeface="+mn-cs"/>
         </a:defRPr>
       </a:lvl2pPr>
-      <a:lvl3pPr algn="l" defTabSz="342900" eaLnBrk="1" hangingPunct="1" indent="-342900" latinLnBrk="0" marL="1028700" rtl="0">
+      <a:lvl3pPr marL="1028700" indent="-342900" algn="l" defTabSz="342900" rtl="0" eaLnBrk="1" latinLnBrk="0" hangingPunct="1">
         <a:spcBef>
           <a:spcPct val="20000"/>
         </a:spcBef>
         <a:buFont typeface="Arial"/>
         <a:buChar char="•"/>
-        <a:defRPr kern="1200" sz="1800">
+        <a:defRPr sz="1800" kern="1200">
           <a:solidFill>
             <a:schemeClr val="tx1"/>
           </a:solidFill>
@@ -2895,13 +4694,13 @@
           <a:cs typeface="+mn-cs"/>
         </a:defRPr>
       </a:lvl3pPr>
-      <a:lvl4pPr algn="l" defTabSz="342900" eaLnBrk="1" hangingPunct="1" indent="-342900" latinLnBrk="0" marL="1371600" rtl="0">
+      <a:lvl4pPr marL="1371600" indent="-342900" algn="l" defTabSz="342900" rtl="0" eaLnBrk="1" latinLnBrk="0" hangingPunct="1">
         <a:spcBef>
           <a:spcPct val="20000"/>
         </a:spcBef>
         <a:buFont typeface="Arial"/>
         <a:buChar char="–"/>
-        <a:defRPr kern="1200" sz="1500">
+        <a:defRPr sz="1500" kern="1200">
           <a:solidFill>
             <a:schemeClr val="tx1"/>
           </a:solidFill>
@@ -2910,13 +4709,13 @@
           <a:cs typeface="+mn-cs"/>
         </a:defRPr>
       </a:lvl4pPr>
-      <a:lvl5pPr algn="l" defTabSz="342900" eaLnBrk="1" hangingPunct="1" indent="-342900" latinLnBrk="0" marL="1714500" rtl="0">
+      <a:lvl5pPr marL="1714500" indent="-342900" algn="l" defTabSz="342900" rtl="0" eaLnBrk="1" latinLnBrk="0" hangingPunct="1">
         <a:spcBef>
           <a:spcPct val="20000"/>
         </a:spcBef>
         <a:buFont typeface="Arial"/>
         <a:buChar char="»"/>
-        <a:defRPr kern="1200" sz="1500">
+        <a:defRPr sz="1500" kern="1200">
           <a:solidFill>
             <a:schemeClr val="tx1"/>
           </a:solidFill>
@@ -2925,13 +4724,13 @@
           <a:cs typeface="+mn-cs"/>
         </a:defRPr>
       </a:lvl5pPr>
-      <a:lvl6pPr algn="l" defTabSz="342900" eaLnBrk="1" hangingPunct="1" indent="-342900" latinLnBrk="0" marL="2057400" rtl="0">
+      <a:lvl6pPr marL="2057400" indent="-342900" algn="l" defTabSz="342900" rtl="0" eaLnBrk="1" latinLnBrk="0" hangingPunct="1">
         <a:spcBef>
           <a:spcPct val="20000"/>
         </a:spcBef>
         <a:buFont typeface="Arial"/>
         <a:buChar char="•"/>
-        <a:defRPr kern="1200" sz="1500">
+        <a:defRPr sz="1500" kern="1200">
           <a:solidFill>
             <a:schemeClr val="tx1"/>
           </a:solidFill>
@@ -2940,13 +4739,13 @@
           <a:cs typeface="+mn-cs"/>
         </a:defRPr>
       </a:lvl6pPr>
-      <a:lvl7pPr algn="l" defTabSz="342900" eaLnBrk="1" hangingPunct="1" indent="-342900" latinLnBrk="0" marL="2400300" rtl="0">
+      <a:lvl7pPr marL="2400300" indent="-342900" algn="l" defTabSz="342900" rtl="0" eaLnBrk="1" latinLnBrk="0" hangingPunct="1">
         <a:spcBef>
           <a:spcPct val="20000"/>
         </a:spcBef>
         <a:buFont typeface="Arial"/>
         <a:buChar char="•"/>
-        <a:defRPr kern="1200" sz="1500">
+        <a:defRPr sz="1500" kern="1200">
           <a:solidFill>
             <a:schemeClr val="tx1"/>
           </a:solidFill>
@@ -2955,13 +4754,13 @@
           <a:cs typeface="+mn-cs"/>
         </a:defRPr>
       </a:lvl7pPr>
-      <a:lvl8pPr algn="l" defTabSz="342900" eaLnBrk="1" hangingPunct="1" indent="-342900" latinLnBrk="0" marL="2743200" rtl="0">
+      <a:lvl8pPr marL="2743200" indent="-342900" algn="l" defTabSz="342900" rtl="0" eaLnBrk="1" latinLnBrk="0" hangingPunct="1">
         <a:spcBef>
           <a:spcPct val="20000"/>
         </a:spcBef>
         <a:buFont typeface="Arial"/>
         <a:buChar char="•"/>
-        <a:defRPr kern="1200" sz="1500">
+        <a:defRPr sz="1500" kern="1200">
           <a:solidFill>
             <a:schemeClr val="tx1"/>
           </a:solidFill>
@@ -2970,13 +4769,13 @@
           <a:cs typeface="+mn-cs"/>
         </a:defRPr>
       </a:lvl8pPr>
-      <a:lvl9pPr algn="l" defTabSz="342900" eaLnBrk="1" hangingPunct="1" indent="-342900" latinLnBrk="0" marL="3086100" rtl="0">
+      <a:lvl9pPr marL="3086100" indent="-342900" algn="l" defTabSz="342900" rtl="0" eaLnBrk="1" latinLnBrk="0" hangingPunct="1">
         <a:spcBef>
           <a:spcPct val="20000"/>
         </a:spcBef>
         <a:buFont typeface="Arial"/>
         <a:buChar char="•"/>
-        <a:defRPr kern="1200" sz="1500">
+        <a:defRPr sz="1500" kern="1200">
           <a:solidFill>
             <a:schemeClr val="tx1"/>
           </a:solidFill>
@@ -2990,8 +4789,8 @@
       <a:defPPr>
         <a:defRPr lang="en-US"/>
       </a:defPPr>
-      <a:lvl1pPr algn="l" defTabSz="342900" eaLnBrk="1" hangingPunct="1" latinLnBrk="0" marL="0" rtl="0">
-        <a:defRPr kern="1200" sz="1350">
+      <a:lvl1pPr marL="0" algn="l" defTabSz="342900" rtl="0" eaLnBrk="1" latinLnBrk="0" hangingPunct="1">
+        <a:defRPr sz="1350" kern="1200">
           <a:solidFill>
             <a:schemeClr val="tx1"/>
           </a:solidFill>
@@ -3000,8 +4799,8 @@
           <a:cs typeface="+mn-cs"/>
         </a:defRPr>
       </a:lvl1pPr>
-      <a:lvl2pPr algn="l" defTabSz="342900" eaLnBrk="1" hangingPunct="1" latinLnBrk="0" marL="342900" rtl="0">
-        <a:defRPr kern="1200" sz="1350">
+      <a:lvl2pPr marL="342900" algn="l" defTabSz="342900" rtl="0" eaLnBrk="1" latinLnBrk="0" hangingPunct="1">
+        <a:defRPr sz="1350" kern="1200">
           <a:solidFill>
             <a:schemeClr val="tx1"/>
           </a:solidFill>
@@ -3010,8 +4809,8 @@
           <a:cs typeface="+mn-cs"/>
         </a:defRPr>
       </a:lvl2pPr>
-      <a:lvl3pPr algn="l" defTabSz="342900" eaLnBrk="1" hangingPunct="1" latinLnBrk="0" marL="685800" rtl="0">
-        <a:defRPr kern="1200" sz="1350">
+      <a:lvl3pPr marL="685800" algn="l" defTabSz="342900" rtl="0" eaLnBrk="1" latinLnBrk="0" hangingPunct="1">
+        <a:defRPr sz="1350" kern="1200">
           <a:solidFill>
             <a:schemeClr val="tx1"/>
           </a:solidFill>
@@ -3020,8 +4819,8 @@
           <a:cs typeface="+mn-cs"/>
         </a:defRPr>
       </a:lvl3pPr>
-      <a:lvl4pPr algn="l" defTabSz="342900" eaLnBrk="1" hangingPunct="1" latinLnBrk="0" marL="1028700" rtl="0">
-        <a:defRPr kern="1200" sz="1350">
+      <a:lvl4pPr marL="1028700" algn="l" defTabSz="342900" rtl="0" eaLnBrk="1" latinLnBrk="0" hangingPunct="1">
+        <a:defRPr sz="1350" kern="1200">
           <a:solidFill>
             <a:schemeClr val="tx1"/>
           </a:solidFill>
@@ -3030,8 +4829,8 @@
           <a:cs typeface="+mn-cs"/>
         </a:defRPr>
       </a:lvl4pPr>
-      <a:lvl5pPr algn="l" defTabSz="342900" eaLnBrk="1" hangingPunct="1" latinLnBrk="0" marL="1371600" rtl="0">
-        <a:defRPr kern="1200" sz="1350">
+      <a:lvl5pPr marL="1371600" algn="l" defTabSz="342900" rtl="0" eaLnBrk="1" latinLnBrk="0" hangingPunct="1">
+        <a:defRPr sz="1350" kern="1200">
           <a:solidFill>
             <a:schemeClr val="tx1"/>
           </a:solidFill>
@@ -3040,8 +4839,8 @@
           <a:cs typeface="+mn-cs"/>
         </a:defRPr>
       </a:lvl5pPr>
-      <a:lvl6pPr algn="l" defTabSz="342900" eaLnBrk="1" hangingPunct="1" latinLnBrk="0" marL="1714500" rtl="0">
-        <a:defRPr kern="1200" sz="1350">
+      <a:lvl6pPr marL="1714500" algn="l" defTabSz="342900" rtl="0" eaLnBrk="1" latinLnBrk="0" hangingPunct="1">
+        <a:defRPr sz="1350" kern="1200">
           <a:solidFill>
             <a:schemeClr val="tx1"/>
           </a:solidFill>
@@ -3050,8 +4849,8 @@
           <a:cs typeface="+mn-cs"/>
         </a:defRPr>
       </a:lvl6pPr>
-      <a:lvl7pPr algn="l" defTabSz="342900" eaLnBrk="1" hangingPunct="1" latinLnBrk="0" marL="2057400" rtl="0">
-        <a:defRPr kern="1200" sz="1350">
+      <a:lvl7pPr marL="2057400" algn="l" defTabSz="342900" rtl="0" eaLnBrk="1" latinLnBrk="0" hangingPunct="1">
+        <a:defRPr sz="1350" kern="1200">
           <a:solidFill>
             <a:schemeClr val="tx1"/>
           </a:solidFill>
@@ -3060,8 +4859,8 @@
           <a:cs typeface="+mn-cs"/>
         </a:defRPr>
       </a:lvl7pPr>
-      <a:lvl8pPr algn="l" defTabSz="342900" eaLnBrk="1" hangingPunct="1" latinLnBrk="0" marL="2400300" rtl="0">
-        <a:defRPr kern="1200" sz="1350">
+      <a:lvl8pPr marL="2400300" algn="l" defTabSz="342900" rtl="0" eaLnBrk="1" latinLnBrk="0" hangingPunct="1">
+        <a:defRPr sz="1350" kern="1200">
           <a:solidFill>
             <a:schemeClr val="tx1"/>
           </a:solidFill>
@@ -3070,8 +4869,8 @@
           <a:cs typeface="+mn-cs"/>
         </a:defRPr>
       </a:lvl8pPr>
-      <a:lvl9pPr algn="l" defTabSz="342900" eaLnBrk="1" hangingPunct="1" latinLnBrk="0" marL="2743200" rtl="0">
-        <a:defRPr kern="1200" sz="1350">
+      <a:lvl9pPr marL="2743200" algn="l" defTabSz="342900" rtl="0" eaLnBrk="1" latinLnBrk="0" hangingPunct="1">
+        <a:defRPr sz="1350" kern="1200">
           <a:solidFill>
             <a:schemeClr val="tx1"/>
           </a:solidFill>
@@ -3122,11 +4921,10 @@
           <a:bodyPr/>
           <a:lstStyle/>
           <a:p>
-            <a:pPr lvl="0" indent="0" marL="0">
+            <a:pPr marL="0" lvl="0" indent="0">
               <a:buNone/>
             </a:pPr>
             <a:r>
-              <a:rPr/>
               <a:t>Climate, Environment and Sustainability Research</a:t>
             </a:r>
           </a:p>
@@ -3139,7 +4937,7 @@
             <a:spLocks noGrp="1"/>
           </p:cNvSpPr>
           <p:nvPr>
-            <p:ph idx="1" type="subTitle"/>
+            <p:ph type="subTitle" idx="1"/>
           </p:nvPr>
         </p:nvSpPr>
         <p:spPr>
@@ -3152,15 +4950,15 @@
           <a:bodyPr/>
           <a:lstStyle/>
           <a:p>
-            <a:pPr lvl="0" indent="0" marL="0">
+            <a:pPr marL="0" lvl="0" indent="0">
               <a:buNone/>
             </a:pPr>
             <a:r>
-              <a:rPr/>
               <a:t>…Starting 2017</a:t>
             </a:r>
             <a:br/>
             <a:br/>
+            <a:endParaRPr/>
           </a:p>
         </p:txBody>
       </p:sp>
@@ -3171,7 +4969,7 @@
             <a:spLocks noGrp="1"/>
           </p:cNvSpPr>
           <p:nvPr>
-            <p:ph idx="10" sz="half" type="dt"/>
+            <p:ph type="dt" sz="half" idx="10"/>
           </p:nvPr>
         </p:nvSpPr>
         <p:spPr/>
@@ -3179,18 +4977,20 @@
           <a:bodyPr/>
           <a:lstStyle/>
           <a:p>
-            <a:pPr lvl="0" indent="0" marL="0">
+            <a:pPr marL="0" lvl="0" indent="0">
               <a:buNone/>
             </a:pPr>
             <a:r>
-              <a:rPr/>
-              <a:t>2022-07-26</a:t>
+              <a:t>2022-07-27</a:t>
             </a:r>
           </a:p>
         </p:txBody>
       </p:sp>
     </p:spTree>
   </p:cSld>
+  <p:clrMapOvr>
+    <a:masterClrMapping/>
+  </p:clrMapOvr>
 </p:sld>
 </file>
 
@@ -3226,19 +5026,19 @@
           <a:bodyPr/>
           <a:lstStyle/>
           <a:p>
-            <a:pPr lvl="0" indent="0" marL="0">
+            <a:pPr marL="0" lvl="0" indent="0">
               <a:buNone/>
             </a:pPr>
             <a:r>
-              <a:rPr/>
-              <a:t>Geographic reach by College</a:t>
+              <a:rPr b="1" dirty="0"/>
+              <a:t>Distribution of active projects within colleges</a:t>
             </a:r>
           </a:p>
         </p:txBody>
       </p:sp>
       <p:pic>
         <p:nvPicPr>
-          <p:cNvPr descr="Presentation_climate_research_files/figure-pptx/unnamed-chunk-10-1.png" id="0" name="Picture 1"/>
+          <p:cNvPr id="3" name="Picture 1" descr="Presentation_climate_research_files/figure-pptx/unnamed-chunk-8-1.png"/>
           <p:cNvPicPr>
             <a:picLocks noGrp="1" noChangeAspect="1"/>
           </p:cNvPicPr>
@@ -3268,6 +5068,9 @@
       </p:pic>
     </p:spTree>
   </p:cSld>
+  <p:clrMapOvr>
+    <a:masterClrMapping/>
+  </p:clrMapOvr>
 </p:sld>
 </file>
 
@@ -3303,19 +5106,19 @@
           <a:bodyPr/>
           <a:lstStyle/>
           <a:p>
-            <a:pPr lvl="0" indent="0" marL="0">
+            <a:pPr marL="0" lvl="0" indent="0">
               <a:buNone/>
             </a:pPr>
             <a:r>
-              <a:rPr/>
-              <a:t>Geographic reach by School</a:t>
+              <a:rPr b="1" dirty="0"/>
+              <a:t>Categories of Projects</a:t>
             </a:r>
           </a:p>
         </p:txBody>
       </p:sp>
       <p:pic>
         <p:nvPicPr>
-          <p:cNvPr descr="Presentation_climate_research_files/figure-pptx/unnamed-chunk-11-1.png" id="0" name="Picture 1"/>
+          <p:cNvPr id="3" name="Picture 1" descr="Presentation_climate_research_files/figure-pptx/unnamed-chunk-9-1.png"/>
           <p:cNvPicPr>
             <a:picLocks noGrp="1" noChangeAspect="1"/>
           </p:cNvPicPr>
@@ -3345,6 +5148,9 @@
       </p:pic>
     </p:spTree>
   </p:cSld>
+  <p:clrMapOvr>
+    <a:masterClrMapping/>
+  </p:clrMapOvr>
 </p:sld>
 </file>
 
@@ -3380,19 +5186,179 @@
           <a:bodyPr/>
           <a:lstStyle/>
           <a:p>
-            <a:pPr lvl="0" indent="0" marL="0">
+            <a:pPr marL="0" lvl="0" indent="0">
               <a:buNone/>
             </a:pPr>
             <a:r>
-              <a:rPr/>
-              <a:t>Research outcomes</a:t>
+              <a:rPr b="1" dirty="0"/>
+              <a:t>Geographic reach by College</a:t>
             </a:r>
           </a:p>
         </p:txBody>
       </p:sp>
       <p:pic>
         <p:nvPicPr>
-          <p:cNvPr descr="Presentation_climate_research_files/figure-pptx/unnamed-chunk-13-1.png" id="0" name="Picture 1"/>
+          <p:cNvPr id="3" name="Picture 1" descr="Presentation_climate_research_files/figure-pptx/unnamed-chunk-10-1.png"/>
+          <p:cNvPicPr>
+            <a:picLocks noGrp="1" noChangeAspect="1"/>
+          </p:cNvPicPr>
+          <p:nvPr/>
+        </p:nvPicPr>
+        <p:blipFill>
+          <a:blip r:embed="rId2"/>
+          <a:stretch>
+            <a:fillRect/>
+          </a:stretch>
+        </p:blipFill>
+        <p:spPr bwMode="auto">
+          <a:xfrm>
+            <a:off x="1181100" y="1193800"/>
+            <a:ext cx="6781800" cy="3390900"/>
+          </a:xfrm>
+          <a:prstGeom prst="rect">
+            <a:avLst/>
+          </a:prstGeom>
+          <a:noFill/>
+          <a:ln w="9525">
+            <a:noFill/>
+            <a:headEnd/>
+            <a:tailEnd/>
+          </a:ln>
+        </p:spPr>
+      </p:pic>
+    </p:spTree>
+  </p:cSld>
+  <p:clrMapOvr>
+    <a:masterClrMapping/>
+  </p:clrMapOvr>
+</p:sld>
+</file>
+
+<file path=ppt/slides/slide13.xml><?xml version="1.0" encoding="utf-8"?>
+<p:sld xmlns:a="http://schemas.openxmlformats.org/drawingml/2006/main" xmlns:r="http://schemas.openxmlformats.org/officeDocument/2006/relationships" xmlns:p="http://schemas.openxmlformats.org/presentationml/2006/main">
+  <p:cSld>
+    <p:spTree>
+      <p:nvGrpSpPr>
+        <p:cNvPr id="1" name=""/>
+        <p:cNvGrpSpPr/>
+        <p:nvPr/>
+      </p:nvGrpSpPr>
+      <p:grpSpPr>
+        <a:xfrm>
+          <a:off x="0" y="0"/>
+          <a:ext cx="0" cy="0"/>
+          <a:chOff x="0" y="0"/>
+          <a:chExt cx="0" cy="0"/>
+        </a:xfrm>
+      </p:grpSpPr>
+      <p:sp>
+        <p:nvSpPr>
+          <p:cNvPr id="2" name="Title 1"/>
+          <p:cNvSpPr>
+            <a:spLocks noGrp="1"/>
+          </p:cNvSpPr>
+          <p:nvPr>
+            <p:ph type="title"/>
+          </p:nvPr>
+        </p:nvSpPr>
+        <p:spPr/>
+        <p:txBody>
+          <a:bodyPr/>
+          <a:lstStyle/>
+          <a:p>
+            <a:pPr marL="0" lvl="0" indent="0">
+              <a:buNone/>
+            </a:pPr>
+            <a:r>
+              <a:rPr b="1" dirty="0"/>
+              <a:t>Geographic reach by School</a:t>
+            </a:r>
+          </a:p>
+        </p:txBody>
+      </p:sp>
+      <p:pic>
+        <p:nvPicPr>
+          <p:cNvPr id="3" name="Picture 1" descr="Presentation_climate_research_files/figure-pptx/unnamed-chunk-11-1.png"/>
+          <p:cNvPicPr>
+            <a:picLocks noGrp="1" noChangeAspect="1"/>
+          </p:cNvPicPr>
+          <p:nvPr/>
+        </p:nvPicPr>
+        <p:blipFill>
+          <a:blip r:embed="rId2"/>
+          <a:stretch>
+            <a:fillRect/>
+          </a:stretch>
+        </p:blipFill>
+        <p:spPr bwMode="auto">
+          <a:xfrm>
+            <a:off x="1181100" y="1193800"/>
+            <a:ext cx="6781800" cy="3390900"/>
+          </a:xfrm>
+          <a:prstGeom prst="rect">
+            <a:avLst/>
+          </a:prstGeom>
+          <a:noFill/>
+          <a:ln w="9525">
+            <a:noFill/>
+            <a:headEnd/>
+            <a:tailEnd/>
+          </a:ln>
+        </p:spPr>
+      </p:pic>
+    </p:spTree>
+  </p:cSld>
+  <p:clrMapOvr>
+    <a:masterClrMapping/>
+  </p:clrMapOvr>
+</p:sld>
+</file>
+
+<file path=ppt/slides/slide14.xml><?xml version="1.0" encoding="utf-8"?>
+<p:sld xmlns:a="http://schemas.openxmlformats.org/drawingml/2006/main" xmlns:r="http://schemas.openxmlformats.org/officeDocument/2006/relationships" xmlns:p="http://schemas.openxmlformats.org/presentationml/2006/main">
+  <p:cSld>
+    <p:spTree>
+      <p:nvGrpSpPr>
+        <p:cNvPr id="1" name=""/>
+        <p:cNvGrpSpPr/>
+        <p:nvPr/>
+      </p:nvGrpSpPr>
+      <p:grpSpPr>
+        <a:xfrm>
+          <a:off x="0" y="0"/>
+          <a:ext cx="0" cy="0"/>
+          <a:chOff x="0" y="0"/>
+          <a:chExt cx="0" cy="0"/>
+        </a:xfrm>
+      </p:grpSpPr>
+      <p:sp>
+        <p:nvSpPr>
+          <p:cNvPr id="2" name="Title 1"/>
+          <p:cNvSpPr>
+            <a:spLocks noGrp="1"/>
+          </p:cNvSpPr>
+          <p:nvPr>
+            <p:ph type="title"/>
+          </p:nvPr>
+        </p:nvSpPr>
+        <p:spPr/>
+        <p:txBody>
+          <a:bodyPr/>
+          <a:lstStyle/>
+          <a:p>
+            <a:pPr marL="0" lvl="0" indent="0">
+              <a:buNone/>
+            </a:pPr>
+            <a:r>
+              <a:rPr b="1" dirty="0"/>
+              <a:t>Research outcomes</a:t>
+            </a:r>
+          </a:p>
+        </p:txBody>
+      </p:sp>
+      <p:pic>
+        <p:nvPicPr>
+          <p:cNvPr id="3" name="Picture 1" descr="Presentation_climate_research_files/figure-pptx/unnamed-chunk-13-1.png"/>
           <p:cNvPicPr>
             <a:picLocks noGrp="1" noChangeAspect="1"/>
           </p:cNvPicPr>
@@ -3422,10 +5388,13 @@
       </p:pic>
     </p:spTree>
   </p:cSld>
+  <p:clrMapOvr>
+    <a:masterClrMapping/>
+  </p:clrMapOvr>
 </p:sld>
 </file>
 
-<file path=ppt/slides/slide13.xml><?xml version="1.0" encoding="utf-8"?>
+<file path=ppt/slides/slide15.xml><?xml version="1.0" encoding="utf-8"?>
 <p:sld xmlns:a="http://schemas.openxmlformats.org/drawingml/2006/main" xmlns:r="http://schemas.openxmlformats.org/officeDocument/2006/relationships" xmlns:p="http://schemas.openxmlformats.org/presentationml/2006/main">
   <p:cSld>
     <p:spTree>
@@ -3442,9 +5411,45 @@
           <a:chExt cx="0" cy="0"/>
         </a:xfrm>
       </p:grpSpPr>
-      <p:sp>
-        <p:nvSpPr>
-          <p:cNvPr id="2" name="Title 1"/>
+      <p:pic>
+        <p:nvPicPr>
+          <p:cNvPr id="3" name="Picture 10" descr="Diagram, venn diagram&#10;&#10;Description automatically generated">
+            <a:extLst>
+              <a:ext uri="{FF2B5EF4-FFF2-40B4-BE49-F238E27FC236}">
+                <a16:creationId xmlns:a16="http://schemas.microsoft.com/office/drawing/2014/main" id="{F0578951-4584-B258-72F3-9130C7EB00E8}"/>
+              </a:ext>
+            </a:extLst>
+          </p:cNvPr>
+          <p:cNvPicPr>
+            <a:picLocks noChangeAspect="1"/>
+          </p:cNvPicPr>
+          <p:nvPr/>
+        </p:nvPicPr>
+        <p:blipFill>
+          <a:blip r:embed="rId3"/>
+          <a:stretch>
+            <a:fillRect/>
+          </a:stretch>
+        </p:blipFill>
+        <p:spPr>
+          <a:xfrm>
+            <a:off x="2810055" y="1125927"/>
+            <a:ext cx="3545456" cy="3786638"/>
+          </a:xfrm>
+          <a:prstGeom prst="rect">
+            <a:avLst/>
+          </a:prstGeom>
+        </p:spPr>
+      </p:pic>
+      <p:sp>
+        <p:nvSpPr>
+          <p:cNvPr id="2" name="Title 1">
+            <a:extLst>
+              <a:ext uri="{FF2B5EF4-FFF2-40B4-BE49-F238E27FC236}">
+                <a16:creationId xmlns:a16="http://schemas.microsoft.com/office/drawing/2014/main" id="{0993D060-C7E4-3F03-A716-C916A83DB835}"/>
+              </a:ext>
+            </a:extLst>
+          </p:cNvPr>
           <p:cNvSpPr>
             <a:spLocks noGrp="1"/>
           </p:cNvSpPr>
@@ -3457,19 +5462,1721 @@
           <a:bodyPr/>
           <a:lstStyle/>
           <a:p>
-            <a:pPr lvl="0" indent="0" marL="0">
+            <a:r>
+              <a:rPr lang="en-US" b="1" dirty="0"/>
+              <a:t>Domains of Research</a:t>
+            </a:r>
+          </a:p>
+        </p:txBody>
+      </p:sp>
+      <p:grpSp>
+        <p:nvGrpSpPr>
+          <p:cNvPr id="9" name="Group 8">
+            <a:extLst>
+              <a:ext uri="{FF2B5EF4-FFF2-40B4-BE49-F238E27FC236}">
+                <a16:creationId xmlns:a16="http://schemas.microsoft.com/office/drawing/2014/main" id="{5693E702-6E5C-050E-F737-B484A3C03BDD}"/>
+              </a:ext>
+            </a:extLst>
+          </p:cNvPr>
+          <p:cNvGrpSpPr/>
+          <p:nvPr/>
+        </p:nvGrpSpPr>
+        <p:grpSpPr>
+          <a:xfrm>
+            <a:off x="2144277" y="906974"/>
+            <a:ext cx="4944782" cy="4108222"/>
+            <a:chOff x="4870870" y="589078"/>
+            <a:chExt cx="6593042" cy="5477630"/>
+          </a:xfrm>
+        </p:grpSpPr>
+        <p:sp>
+          <p:nvSpPr>
+            <p:cNvPr id="6" name="TextBox 5">
+              <a:extLst>
+                <a:ext uri="{FF2B5EF4-FFF2-40B4-BE49-F238E27FC236}">
+                  <a16:creationId xmlns:a16="http://schemas.microsoft.com/office/drawing/2014/main" id="{C08815AE-1230-8B84-7836-F706ADB18F53}"/>
+                </a:ext>
+              </a:extLst>
+            </p:cNvPr>
+            <p:cNvSpPr txBox="1"/>
+            <p:nvPr/>
+          </p:nvSpPr>
+          <p:spPr>
+            <a:xfrm>
+              <a:off x="9427765" y="5527070"/>
+              <a:ext cx="2036147" cy="492443"/>
+            </a:xfrm>
+            <a:prstGeom prst="rect">
+              <a:avLst/>
+            </a:prstGeom>
+            <a:solidFill>
+              <a:schemeClr val="bg1"/>
+            </a:solidFill>
+          </p:spPr>
+          <p:txBody>
+            <a:bodyPr wrap="square" rtlCol="0">
+              <a:spAutoFit/>
+            </a:bodyPr>
+            <a:lstStyle/>
+            <a:p>
+              <a:r>
+                <a:rPr lang="en-GB" b="1">
+                  <a:solidFill>
+                    <a:srgbClr val="4C92DC"/>
+                  </a:solidFill>
+                </a:rPr>
+                <a:t>Mitigation</a:t>
+              </a:r>
+            </a:p>
+          </p:txBody>
+        </p:sp>
+        <p:sp>
+          <p:nvSpPr>
+            <p:cNvPr id="7" name="TextBox 6">
+              <a:extLst>
+                <a:ext uri="{FF2B5EF4-FFF2-40B4-BE49-F238E27FC236}">
+                  <a16:creationId xmlns:a16="http://schemas.microsoft.com/office/drawing/2014/main" id="{0DA90801-AC1B-0762-7A19-1D01527B246D}"/>
+                </a:ext>
+              </a:extLst>
+            </p:cNvPr>
+            <p:cNvSpPr txBox="1"/>
+            <p:nvPr/>
+          </p:nvSpPr>
+          <p:spPr>
+            <a:xfrm>
+              <a:off x="7246007" y="589078"/>
+              <a:ext cx="2036146" cy="598455"/>
+            </a:xfrm>
+            <a:prstGeom prst="rect">
+              <a:avLst/>
+            </a:prstGeom>
+            <a:solidFill>
+              <a:schemeClr val="bg1"/>
+            </a:solidFill>
+          </p:spPr>
+          <p:txBody>
+            <a:bodyPr wrap="square" rtlCol="0">
+              <a:spAutoFit/>
+            </a:bodyPr>
+            <a:lstStyle/>
+            <a:p>
+              <a:pPr>
+                <a:spcAft>
+                  <a:spcPts val="450"/>
+                </a:spcAft>
+              </a:pPr>
+              <a:r>
+                <a:rPr lang="en-GB" b="1">
+                  <a:solidFill>
+                    <a:srgbClr val="FF0000"/>
+                  </a:solidFill>
+                </a:rPr>
+                <a:t>Adaptation</a:t>
+              </a:r>
+            </a:p>
+            <a:p>
+              <a:pPr>
+                <a:spcAft>
+                  <a:spcPts val="450"/>
+                </a:spcAft>
+              </a:pPr>
+              <a:endParaRPr lang="en-GB" sz="100" b="1">
+                <a:solidFill>
+                  <a:srgbClr val="FF0000"/>
+                </a:solidFill>
+              </a:endParaRPr>
+            </a:p>
+          </p:txBody>
+        </p:sp>
+        <p:sp>
+          <p:nvSpPr>
+            <p:cNvPr id="5" name="TextBox 4">
+              <a:extLst>
+                <a:ext uri="{FF2B5EF4-FFF2-40B4-BE49-F238E27FC236}">
+                  <a16:creationId xmlns:a16="http://schemas.microsoft.com/office/drawing/2014/main" id="{316867CC-AD2F-DFC5-9716-3311B9E0D18B}"/>
+                </a:ext>
+              </a:extLst>
+            </p:cNvPr>
+            <p:cNvSpPr txBox="1"/>
+            <p:nvPr/>
+          </p:nvSpPr>
+          <p:spPr>
+            <a:xfrm>
+              <a:off x="4870870" y="5574265"/>
+              <a:ext cx="3107754" cy="492443"/>
+            </a:xfrm>
+            <a:prstGeom prst="rect">
+              <a:avLst/>
+            </a:prstGeom>
+            <a:solidFill>
+              <a:schemeClr val="bg1"/>
+            </a:solidFill>
+          </p:spPr>
+          <p:txBody>
+            <a:bodyPr wrap="square" rtlCol="0">
+              <a:spAutoFit/>
+            </a:bodyPr>
+            <a:lstStyle/>
+            <a:p>
+              <a:r>
+                <a:rPr lang="en-GB" b="1">
+                  <a:solidFill>
+                    <a:schemeClr val="accent6"/>
+                  </a:solidFill>
+                </a:rPr>
+                <a:t>Physical Science</a:t>
+              </a:r>
+            </a:p>
+          </p:txBody>
+        </p:sp>
+      </p:grpSp>
+      <p:sp>
+        <p:nvSpPr>
+          <p:cNvPr id="8" name="Content Placeholder 2">
+            <a:extLst>
+              <a:ext uri="{FF2B5EF4-FFF2-40B4-BE49-F238E27FC236}">
+                <a16:creationId xmlns:a16="http://schemas.microsoft.com/office/drawing/2014/main" id="{52DF9CE0-99BA-F058-5434-0662E2B408A8}"/>
+              </a:ext>
+            </a:extLst>
+          </p:cNvPr>
+          <p:cNvSpPr txBox="1">
+            <a:spLocks/>
+          </p:cNvSpPr>
+          <p:nvPr/>
+        </p:nvSpPr>
+        <p:spPr>
+          <a:xfrm>
+            <a:off x="6721822" y="2881090"/>
+            <a:ext cx="2153758" cy="1144099"/>
+          </a:xfrm>
+          <a:prstGeom prst="rect">
+            <a:avLst/>
+          </a:prstGeom>
+        </p:spPr>
+        <p:txBody>
+          <a:bodyPr vert="horz" lIns="68580" tIns="34290" rIns="68580" bIns="34290" rtlCol="0">
+            <a:normAutofit/>
+          </a:bodyPr>
+          <a:lstStyle>
+            <a:lvl1pPr marL="228600" indent="-228600" algn="l" defTabSz="914400" rtl="0" eaLnBrk="1" latinLnBrk="0" hangingPunct="1">
+              <a:lnSpc>
+                <a:spcPct val="90000"/>
+              </a:lnSpc>
+              <a:spcBef>
+                <a:spcPts val="1000"/>
+              </a:spcBef>
+              <a:buFont typeface="Arial" panose="020B0604020202020204" pitchFamily="34" charset="0"/>
+              <a:buChar char="•"/>
+              <a:defRPr sz="2800" kern="1200">
+                <a:solidFill>
+                  <a:schemeClr val="tx1"/>
+                </a:solidFill>
+                <a:latin typeface="+mn-lt"/>
+                <a:ea typeface="+mn-ea"/>
+                <a:cs typeface="+mn-cs"/>
+              </a:defRPr>
+            </a:lvl1pPr>
+            <a:lvl2pPr marL="685800" indent="-228600" algn="l" defTabSz="914400" rtl="0" eaLnBrk="1" latinLnBrk="0" hangingPunct="1">
+              <a:lnSpc>
+                <a:spcPct val="90000"/>
+              </a:lnSpc>
+              <a:spcBef>
+                <a:spcPts val="500"/>
+              </a:spcBef>
+              <a:buFont typeface="Arial" panose="020B0604020202020204" pitchFamily="34" charset="0"/>
+              <a:buChar char="•"/>
+              <a:defRPr sz="2400" kern="1200">
+                <a:solidFill>
+                  <a:schemeClr val="tx1"/>
+                </a:solidFill>
+                <a:latin typeface="+mn-lt"/>
+                <a:ea typeface="+mn-ea"/>
+                <a:cs typeface="+mn-cs"/>
+              </a:defRPr>
+            </a:lvl2pPr>
+            <a:lvl3pPr marL="1143000" indent="-228600" algn="l" defTabSz="914400" rtl="0" eaLnBrk="1" latinLnBrk="0" hangingPunct="1">
+              <a:lnSpc>
+                <a:spcPct val="90000"/>
+              </a:lnSpc>
+              <a:spcBef>
+                <a:spcPts val="500"/>
+              </a:spcBef>
+              <a:buFont typeface="Arial" panose="020B0604020202020204" pitchFamily="34" charset="0"/>
+              <a:buChar char="•"/>
+              <a:defRPr sz="2000" kern="1200">
+                <a:solidFill>
+                  <a:schemeClr val="tx1"/>
+                </a:solidFill>
+                <a:latin typeface="+mn-lt"/>
+                <a:ea typeface="+mn-ea"/>
+                <a:cs typeface="+mn-cs"/>
+              </a:defRPr>
+            </a:lvl3pPr>
+            <a:lvl4pPr marL="1600200" indent="-228600" algn="l" defTabSz="914400" rtl="0" eaLnBrk="1" latinLnBrk="0" hangingPunct="1">
+              <a:lnSpc>
+                <a:spcPct val="90000"/>
+              </a:lnSpc>
+              <a:spcBef>
+                <a:spcPts val="500"/>
+              </a:spcBef>
+              <a:buFont typeface="Arial" panose="020B0604020202020204" pitchFamily="34" charset="0"/>
+              <a:buChar char="•"/>
+              <a:defRPr sz="1800" kern="1200">
+                <a:solidFill>
+                  <a:schemeClr val="tx1"/>
+                </a:solidFill>
+                <a:latin typeface="+mn-lt"/>
+                <a:ea typeface="+mn-ea"/>
+                <a:cs typeface="+mn-cs"/>
+              </a:defRPr>
+            </a:lvl4pPr>
+            <a:lvl5pPr marL="2057400" indent="-228600" algn="l" defTabSz="914400" rtl="0" eaLnBrk="1" latinLnBrk="0" hangingPunct="1">
+              <a:lnSpc>
+                <a:spcPct val="90000"/>
+              </a:lnSpc>
+              <a:spcBef>
+                <a:spcPts val="500"/>
+              </a:spcBef>
+              <a:buFont typeface="Arial" panose="020B0604020202020204" pitchFamily="34" charset="0"/>
+              <a:buChar char="•"/>
+              <a:defRPr sz="1800" kern="1200">
+                <a:solidFill>
+                  <a:schemeClr val="tx1"/>
+                </a:solidFill>
+                <a:latin typeface="+mn-lt"/>
+                <a:ea typeface="+mn-ea"/>
+                <a:cs typeface="+mn-cs"/>
+              </a:defRPr>
+            </a:lvl5pPr>
+            <a:lvl6pPr marL="2514600" indent="-228600" algn="l" defTabSz="914400" rtl="0" eaLnBrk="1" latinLnBrk="0" hangingPunct="1">
+              <a:lnSpc>
+                <a:spcPct val="90000"/>
+              </a:lnSpc>
+              <a:spcBef>
+                <a:spcPts val="500"/>
+              </a:spcBef>
+              <a:buFont typeface="Arial" panose="020B0604020202020204" pitchFamily="34" charset="0"/>
+              <a:buChar char="•"/>
+              <a:defRPr sz="1800" kern="1200">
+                <a:solidFill>
+                  <a:schemeClr val="tx1"/>
+                </a:solidFill>
+                <a:latin typeface="+mn-lt"/>
+                <a:ea typeface="+mn-ea"/>
+                <a:cs typeface="+mn-cs"/>
+              </a:defRPr>
+            </a:lvl6pPr>
+            <a:lvl7pPr marL="2971800" indent="-228600" algn="l" defTabSz="914400" rtl="0" eaLnBrk="1" latinLnBrk="0" hangingPunct="1">
+              <a:lnSpc>
+                <a:spcPct val="90000"/>
+              </a:lnSpc>
+              <a:spcBef>
+                <a:spcPts val="500"/>
+              </a:spcBef>
+              <a:buFont typeface="Arial" panose="020B0604020202020204" pitchFamily="34" charset="0"/>
+              <a:buChar char="•"/>
+              <a:defRPr sz="1800" kern="1200">
+                <a:solidFill>
+                  <a:schemeClr val="tx1"/>
+                </a:solidFill>
+                <a:latin typeface="+mn-lt"/>
+                <a:ea typeface="+mn-ea"/>
+                <a:cs typeface="+mn-cs"/>
+              </a:defRPr>
+            </a:lvl7pPr>
+            <a:lvl8pPr marL="3429000" indent="-228600" algn="l" defTabSz="914400" rtl="0" eaLnBrk="1" latinLnBrk="0" hangingPunct="1">
+              <a:lnSpc>
+                <a:spcPct val="90000"/>
+              </a:lnSpc>
+              <a:spcBef>
+                <a:spcPts val="500"/>
+              </a:spcBef>
+              <a:buFont typeface="Arial" panose="020B0604020202020204" pitchFamily="34" charset="0"/>
+              <a:buChar char="•"/>
+              <a:defRPr sz="1800" kern="1200">
+                <a:solidFill>
+                  <a:schemeClr val="tx1"/>
+                </a:solidFill>
+                <a:latin typeface="+mn-lt"/>
+                <a:ea typeface="+mn-ea"/>
+                <a:cs typeface="+mn-cs"/>
+              </a:defRPr>
+            </a:lvl8pPr>
+            <a:lvl9pPr marL="3886200" indent="-228600" algn="l" defTabSz="914400" rtl="0" eaLnBrk="1" latinLnBrk="0" hangingPunct="1">
+              <a:lnSpc>
+                <a:spcPct val="90000"/>
+              </a:lnSpc>
+              <a:spcBef>
+                <a:spcPts val="500"/>
+              </a:spcBef>
+              <a:buFont typeface="Arial" panose="020B0604020202020204" pitchFamily="34" charset="0"/>
+              <a:buChar char="•"/>
+              <a:defRPr sz="1800" kern="1200">
+                <a:solidFill>
+                  <a:schemeClr val="tx1"/>
+                </a:solidFill>
+                <a:latin typeface="+mn-lt"/>
+                <a:ea typeface="+mn-ea"/>
+                <a:cs typeface="+mn-cs"/>
+              </a:defRPr>
+            </a:lvl9pPr>
+          </a:lstStyle>
+          <a:p>
+            <a:pPr marL="0" indent="0">
               <a:buNone/>
             </a:pPr>
             <a:r>
-              <a:rPr/>
-              <a:t>Domains of research</a:t>
+              <a:rPr lang="en-GB" sz="1800"/>
+              <a:t>Most of the projects are focused on climate change mitigation</a:t>
+            </a:r>
+          </a:p>
+        </p:txBody>
+      </p:sp>
+      <p:sp>
+        <p:nvSpPr>
+          <p:cNvPr id="10" name="Arc 9">
+            <a:extLst>
+              <a:ext uri="{FF2B5EF4-FFF2-40B4-BE49-F238E27FC236}">
+                <a16:creationId xmlns:a16="http://schemas.microsoft.com/office/drawing/2014/main" id="{F5150EFD-3B25-55D0-53C5-91EA07832F95}"/>
+              </a:ext>
+            </a:extLst>
+          </p:cNvPr>
+          <p:cNvSpPr/>
+          <p:nvPr/>
+        </p:nvSpPr>
+        <p:spPr>
+          <a:xfrm rot="-660000" flipV="1">
+            <a:off x="5611663" y="3767506"/>
+            <a:ext cx="1990546" cy="1052126"/>
+          </a:xfrm>
+          <a:prstGeom prst="arc">
+            <a:avLst/>
+          </a:prstGeom>
+          <a:ln w="38100">
+            <a:solidFill>
+              <a:srgbClr val="4C92DC"/>
+            </a:solidFill>
+            <a:headEnd type="arrow" w="med" len="med"/>
+            <a:tailEnd type="none" w="med" len="med"/>
+          </a:ln>
+        </p:spPr>
+        <p:style>
+          <a:lnRef idx="1">
+            <a:schemeClr val="accent1"/>
+          </a:lnRef>
+          <a:fillRef idx="0">
+            <a:schemeClr val="accent1"/>
+          </a:fillRef>
+          <a:effectRef idx="0">
+            <a:schemeClr val="accent1"/>
+          </a:effectRef>
+          <a:fontRef idx="minor">
+            <a:schemeClr val="tx1"/>
+          </a:fontRef>
+        </p:style>
+        <p:txBody>
+          <a:bodyPr rtlCol="0" anchor="ctr"/>
+          <a:lstStyle/>
+          <a:p>
+            <a:pPr algn="ctr"/>
+            <a:endParaRPr lang="en-GB" sz="1350"/>
+          </a:p>
+        </p:txBody>
+      </p:sp>
+    </p:spTree>
+    <p:extLst>
+      <p:ext uri="{BB962C8B-B14F-4D97-AF65-F5344CB8AC3E}">
+        <p14:creationId xmlns:p14="http://schemas.microsoft.com/office/powerpoint/2010/main" val="3102861470"/>
+      </p:ext>
+    </p:extLst>
+  </p:cSld>
+  <p:clrMapOvr>
+    <a:masterClrMapping/>
+  </p:clrMapOvr>
+  <p:timing>
+    <p:tnLst>
+      <p:par>
+        <p:cTn id="1" dur="indefinite" restart="never" nodeType="tmRoot">
+          <p:childTnLst>
+            <p:seq concurrent="1" nextAc="seek">
+              <p:cTn id="2" dur="indefinite" nodeType="mainSeq">
+                <p:childTnLst>
+                  <p:par>
+                    <p:cTn id="3" fill="hold">
+                      <p:stCondLst>
+                        <p:cond delay="indefinite"/>
+                      </p:stCondLst>
+                      <p:childTnLst>
+                        <p:par>
+                          <p:cTn id="4" fill="hold">
+                            <p:stCondLst>
+                              <p:cond delay="0"/>
+                            </p:stCondLst>
+                            <p:childTnLst>
+                              <p:par>
+                                <p:cTn id="5" presetID="1" presetClass="entr" presetSubtype="0" fill="hold" grpId="0" nodeType="clickEffect">
+                                  <p:stCondLst>
+                                    <p:cond delay="0"/>
+                                  </p:stCondLst>
+                                  <p:childTnLst>
+                                    <p:set>
+                                      <p:cBhvr>
+                                        <p:cTn id="6" dur="1" fill="hold">
+                                          <p:stCondLst>
+                                            <p:cond delay="0"/>
+                                          </p:stCondLst>
+                                        </p:cTn>
+                                        <p:tgtEl>
+                                          <p:spTgt spid="10"/>
+                                        </p:tgtEl>
+                                        <p:attrNameLst>
+                                          <p:attrName>style.visibility</p:attrName>
+                                        </p:attrNameLst>
+                                      </p:cBhvr>
+                                      <p:to>
+                                        <p:strVal val="visible"/>
+                                      </p:to>
+                                    </p:set>
+                                  </p:childTnLst>
+                                </p:cTn>
+                              </p:par>
+                              <p:par>
+                                <p:cTn id="7" presetID="1" presetClass="entr" presetSubtype="0" fill="hold" grpId="0" nodeType="withEffect">
+                                  <p:stCondLst>
+                                    <p:cond delay="0"/>
+                                  </p:stCondLst>
+                                  <p:childTnLst>
+                                    <p:set>
+                                      <p:cBhvr>
+                                        <p:cTn id="8" dur="1" fill="hold">
+                                          <p:stCondLst>
+                                            <p:cond delay="0"/>
+                                          </p:stCondLst>
+                                        </p:cTn>
+                                        <p:tgtEl>
+                                          <p:spTgt spid="8"/>
+                                        </p:tgtEl>
+                                        <p:attrNameLst>
+                                          <p:attrName>style.visibility</p:attrName>
+                                        </p:attrNameLst>
+                                      </p:cBhvr>
+                                      <p:to>
+                                        <p:strVal val="visible"/>
+                                      </p:to>
+                                    </p:set>
+                                  </p:childTnLst>
+                                </p:cTn>
+                              </p:par>
+                            </p:childTnLst>
+                          </p:cTn>
+                        </p:par>
+                      </p:childTnLst>
+                    </p:cTn>
+                  </p:par>
+                </p:childTnLst>
+              </p:cTn>
+              <p:prevCondLst>
+                <p:cond evt="onPrev" delay="0">
+                  <p:tgtEl>
+                    <p:sldTgt/>
+                  </p:tgtEl>
+                </p:cond>
+              </p:prevCondLst>
+              <p:nextCondLst>
+                <p:cond evt="onNext" delay="0">
+                  <p:tgtEl>
+                    <p:sldTgt/>
+                  </p:tgtEl>
+                </p:cond>
+              </p:nextCondLst>
+            </p:seq>
+          </p:childTnLst>
+        </p:cTn>
+      </p:par>
+    </p:tnLst>
+    <p:bldLst>
+      <p:bldP spid="8" grpId="0"/>
+      <p:bldP spid="10" grpId="0" animBg="1"/>
+    </p:bldLst>
+  </p:timing>
+</p:sld>
+</file>
+
+<file path=ppt/slides/slide2.xml><?xml version="1.0" encoding="utf-8"?>
+<p:sld xmlns:a="http://schemas.openxmlformats.org/drawingml/2006/main" xmlns:r="http://schemas.openxmlformats.org/officeDocument/2006/relationships" xmlns:p="http://schemas.openxmlformats.org/presentationml/2006/main">
+  <p:cSld>
+    <p:spTree>
+      <p:nvGrpSpPr>
+        <p:cNvPr id="1" name=""/>
+        <p:cNvGrpSpPr/>
+        <p:nvPr/>
+      </p:nvGrpSpPr>
+      <p:grpSpPr>
+        <a:xfrm>
+          <a:off x="0" y="0"/>
+          <a:ext cx="0" cy="0"/>
+          <a:chOff x="0" y="0"/>
+          <a:chExt cx="0" cy="0"/>
+        </a:xfrm>
+      </p:grpSpPr>
+      <p:sp>
+        <p:nvSpPr>
+          <p:cNvPr id="2" name="Title 1"/>
+          <p:cNvSpPr>
+            <a:spLocks noGrp="1"/>
+          </p:cNvSpPr>
+          <p:nvPr>
+            <p:ph type="title"/>
+          </p:nvPr>
+        </p:nvSpPr>
+        <p:spPr/>
+        <p:txBody>
+          <a:bodyPr/>
+          <a:lstStyle/>
+          <a:p>
+            <a:pPr marL="0" lvl="0" indent="0">
+              <a:buNone/>
+            </a:pPr>
+            <a:r>
+              <a:rPr b="1" dirty="0"/>
+              <a:t>Goals</a:t>
+            </a:r>
+          </a:p>
+        </p:txBody>
+      </p:sp>
+      <p:sp>
+        <p:nvSpPr>
+          <p:cNvPr id="3" name="Content Placeholder 2"/>
+          <p:cNvSpPr>
+            <a:spLocks noGrp="1"/>
+          </p:cNvSpPr>
+          <p:nvPr>
+            <p:ph idx="1"/>
+          </p:nvPr>
+        </p:nvSpPr>
+        <p:spPr/>
+        <p:txBody>
+          <a:bodyPr/>
+          <a:lstStyle/>
+          <a:p>
+            <a:pPr lvl="0"/>
+            <a:r>
+              <a:t>Assess extent of climate-related research.</a:t>
+            </a:r>
+          </a:p>
+          <a:p>
+            <a:pPr lvl="0"/>
+            <a:r>
+              <a:t>Create a baseline of climate-related research funding.</a:t>
+            </a:r>
+          </a:p>
+          <a:p>
+            <a:pPr lvl="0"/>
+            <a:r>
+              <a:t>Disaggregate data based on important areas of focus.</a:t>
+            </a:r>
+          </a:p>
+          <a:p>
+            <a:pPr lvl="0"/>
+            <a:r>
+              <a:t>Develop a series of high impact case studies.</a:t>
+            </a:r>
+          </a:p>
+          <a:p>
+            <a:pPr lvl="0"/>
+            <a:r>
+              <a:t>Visualize findings and data.</a:t>
+            </a:r>
+          </a:p>
+        </p:txBody>
+      </p:sp>
+    </p:spTree>
+  </p:cSld>
+  <p:clrMapOvr>
+    <a:masterClrMapping/>
+  </p:clrMapOvr>
+</p:sld>
+</file>
+
+<file path=ppt/slides/slide3.xml><?xml version="1.0" encoding="utf-8"?>
+<p:sld xmlns:a="http://schemas.openxmlformats.org/drawingml/2006/main" xmlns:r="http://schemas.openxmlformats.org/officeDocument/2006/relationships" xmlns:p="http://schemas.openxmlformats.org/presentationml/2006/main">
+  <p:cSld>
+    <p:spTree>
+      <p:nvGrpSpPr>
+        <p:cNvPr id="1" name=""/>
+        <p:cNvGrpSpPr/>
+        <p:nvPr/>
+      </p:nvGrpSpPr>
+      <p:grpSpPr>
+        <a:xfrm>
+          <a:off x="0" y="0"/>
+          <a:ext cx="0" cy="0"/>
+          <a:chOff x="0" y="0"/>
+          <a:chExt cx="0" cy="0"/>
+        </a:xfrm>
+      </p:grpSpPr>
+      <p:sp>
+        <p:nvSpPr>
+          <p:cNvPr id="2" name="Title 1"/>
+          <p:cNvSpPr>
+            <a:spLocks noGrp="1"/>
+          </p:cNvSpPr>
+          <p:nvPr>
+            <p:ph type="title"/>
+          </p:nvPr>
+        </p:nvSpPr>
+        <p:spPr/>
+        <p:txBody>
+          <a:bodyPr/>
+          <a:lstStyle/>
+          <a:p>
+            <a:pPr marL="0" lvl="0" indent="0">
+              <a:buNone/>
+            </a:pPr>
+            <a:r>
+              <a:rPr b="1" dirty="0"/>
+              <a:t>Questions</a:t>
+            </a:r>
+          </a:p>
+        </p:txBody>
+      </p:sp>
+      <p:sp>
+        <p:nvSpPr>
+          <p:cNvPr id="3" name="Content Placeholder 2"/>
+          <p:cNvSpPr>
+            <a:spLocks noGrp="1"/>
+          </p:cNvSpPr>
+          <p:nvPr>
+            <p:ph idx="1"/>
+          </p:nvPr>
+        </p:nvSpPr>
+        <p:spPr/>
+        <p:txBody>
+          <a:bodyPr/>
+          <a:lstStyle/>
+          <a:p>
+            <a:pPr lvl="0"/>
+            <a:r>
+              <a:t>Which are the primary funding bodies?</a:t>
+            </a:r>
+          </a:p>
+          <a:p>
+            <a:pPr lvl="0"/>
+            <a:r>
+              <a:t>What is the application success rate?</a:t>
+            </a:r>
+          </a:p>
+          <a:p>
+            <a:pPr lvl="0"/>
+            <a:r>
+              <a:t>How is research funding distributed among colleges/schools?</a:t>
+            </a:r>
+          </a:p>
+          <a:p>
+            <a:pPr lvl="0"/>
+            <a:r>
+              <a:t>What is the distribution of active projects?</a:t>
+            </a:r>
+          </a:p>
+          <a:p>
+            <a:pPr lvl="0"/>
+            <a:r>
+              <a:t>How is the research distributed around the world?</a:t>
+            </a:r>
+          </a:p>
+          <a:p>
+            <a:pPr lvl="0"/>
+            <a:r>
+              <a:t>What are the various research outcomes from projects?</a:t>
+            </a:r>
+          </a:p>
+          <a:p>
+            <a:pPr lvl="0"/>
+            <a:r>
+              <a:t>What are the major domains of research?</a:t>
+            </a:r>
+          </a:p>
+        </p:txBody>
+      </p:sp>
+    </p:spTree>
+  </p:cSld>
+  <p:clrMapOvr>
+    <a:masterClrMapping/>
+  </p:clrMapOvr>
+</p:sld>
+</file>
+
+<file path=ppt/slides/slide4.xml><?xml version="1.0" encoding="utf-8"?>
+<p:sld xmlns:a="http://schemas.openxmlformats.org/drawingml/2006/main" xmlns:r="http://schemas.openxmlformats.org/officeDocument/2006/relationships" xmlns:p="http://schemas.openxmlformats.org/presentationml/2006/main">
+  <p:cSld>
+    <p:spTree>
+      <p:nvGrpSpPr>
+        <p:cNvPr id="1" name=""/>
+        <p:cNvGrpSpPr/>
+        <p:nvPr/>
+      </p:nvGrpSpPr>
+      <p:grpSpPr>
+        <a:xfrm>
+          <a:off x="0" y="0"/>
+          <a:ext cx="0" cy="0"/>
+          <a:chOff x="0" y="0"/>
+          <a:chExt cx="0" cy="0"/>
+        </a:xfrm>
+      </p:grpSpPr>
+      <p:sp>
+        <p:nvSpPr>
+          <p:cNvPr id="2" name="Title 1">
+            <a:extLst>
+              <a:ext uri="{FF2B5EF4-FFF2-40B4-BE49-F238E27FC236}">
+                <a16:creationId xmlns:a16="http://schemas.microsoft.com/office/drawing/2014/main" id="{4C8E88BD-4F29-9004-3740-9BFEF1EBB2F8}"/>
+              </a:ext>
+            </a:extLst>
+          </p:cNvPr>
+          <p:cNvSpPr>
+            <a:spLocks noGrp="1"/>
+          </p:cNvSpPr>
+          <p:nvPr>
+            <p:ph type="title"/>
+          </p:nvPr>
+        </p:nvSpPr>
+        <p:spPr/>
+        <p:txBody>
+          <a:bodyPr/>
+          <a:lstStyle/>
+          <a:p>
+            <a:r>
+              <a:rPr lang="en-US" b="1" dirty="0"/>
+              <a:t>Methods and Limitations</a:t>
+            </a:r>
+          </a:p>
+        </p:txBody>
+      </p:sp>
+      <p:sp>
+        <p:nvSpPr>
+          <p:cNvPr id="10" name="Content Placeholder 2">
+            <a:extLst>
+              <a:ext uri="{FF2B5EF4-FFF2-40B4-BE49-F238E27FC236}">
+                <a16:creationId xmlns:a16="http://schemas.microsoft.com/office/drawing/2014/main" id="{FED35E54-1054-0945-1EC5-1046EE14D918}"/>
+              </a:ext>
+            </a:extLst>
+          </p:cNvPr>
+          <p:cNvSpPr txBox="1">
+            <a:spLocks/>
+          </p:cNvSpPr>
+          <p:nvPr/>
+        </p:nvSpPr>
+        <p:spPr>
+          <a:xfrm>
+            <a:off x="628650" y="1660685"/>
+            <a:ext cx="2903867" cy="2705754"/>
+          </a:xfrm>
+          <a:prstGeom prst="rect">
+            <a:avLst/>
+          </a:prstGeom>
+        </p:spPr>
+        <p:txBody>
+          <a:bodyPr vert="horz" lIns="68580" tIns="34290" rIns="68580" bIns="34290" rtlCol="0" anchor="t">
+            <a:normAutofit/>
+          </a:bodyPr>
+          <a:lstStyle>
+            <a:lvl1pPr marL="228600" indent="-228600" algn="l" defTabSz="914400" rtl="0" eaLnBrk="1" latinLnBrk="0" hangingPunct="1">
+              <a:lnSpc>
+                <a:spcPct val="90000"/>
+              </a:lnSpc>
+              <a:spcBef>
+                <a:spcPts val="1000"/>
+              </a:spcBef>
+              <a:buFont typeface="Arial" panose="020B0604020202020204" pitchFamily="34" charset="0"/>
+              <a:buChar char="•"/>
+              <a:defRPr sz="2800" kern="1200">
+                <a:solidFill>
+                  <a:schemeClr val="tx1"/>
+                </a:solidFill>
+                <a:latin typeface="+mn-lt"/>
+                <a:ea typeface="+mn-ea"/>
+                <a:cs typeface="+mn-cs"/>
+              </a:defRPr>
+            </a:lvl1pPr>
+            <a:lvl2pPr marL="685800" indent="-228600" algn="l" defTabSz="914400" rtl="0" eaLnBrk="1" latinLnBrk="0" hangingPunct="1">
+              <a:lnSpc>
+                <a:spcPct val="90000"/>
+              </a:lnSpc>
+              <a:spcBef>
+                <a:spcPts val="500"/>
+              </a:spcBef>
+              <a:buFont typeface="Arial" panose="020B0604020202020204" pitchFamily="34" charset="0"/>
+              <a:buChar char="•"/>
+              <a:defRPr sz="2400" kern="1200">
+                <a:solidFill>
+                  <a:schemeClr val="tx1"/>
+                </a:solidFill>
+                <a:latin typeface="+mn-lt"/>
+                <a:ea typeface="+mn-ea"/>
+                <a:cs typeface="+mn-cs"/>
+              </a:defRPr>
+            </a:lvl2pPr>
+            <a:lvl3pPr marL="1143000" indent="-228600" algn="l" defTabSz="914400" rtl="0" eaLnBrk="1" latinLnBrk="0" hangingPunct="1">
+              <a:lnSpc>
+                <a:spcPct val="90000"/>
+              </a:lnSpc>
+              <a:spcBef>
+                <a:spcPts val="500"/>
+              </a:spcBef>
+              <a:buFont typeface="Arial" panose="020B0604020202020204" pitchFamily="34" charset="0"/>
+              <a:buChar char="•"/>
+              <a:defRPr sz="2000" kern="1200">
+                <a:solidFill>
+                  <a:schemeClr val="tx1"/>
+                </a:solidFill>
+                <a:latin typeface="+mn-lt"/>
+                <a:ea typeface="+mn-ea"/>
+                <a:cs typeface="+mn-cs"/>
+              </a:defRPr>
+            </a:lvl3pPr>
+            <a:lvl4pPr marL="1600200" indent="-228600" algn="l" defTabSz="914400" rtl="0" eaLnBrk="1" latinLnBrk="0" hangingPunct="1">
+              <a:lnSpc>
+                <a:spcPct val="90000"/>
+              </a:lnSpc>
+              <a:spcBef>
+                <a:spcPts val="500"/>
+              </a:spcBef>
+              <a:buFont typeface="Arial" panose="020B0604020202020204" pitchFamily="34" charset="0"/>
+              <a:buChar char="•"/>
+              <a:defRPr sz="1800" kern="1200">
+                <a:solidFill>
+                  <a:schemeClr val="tx1"/>
+                </a:solidFill>
+                <a:latin typeface="+mn-lt"/>
+                <a:ea typeface="+mn-ea"/>
+                <a:cs typeface="+mn-cs"/>
+              </a:defRPr>
+            </a:lvl4pPr>
+            <a:lvl5pPr marL="2057400" indent="-228600" algn="l" defTabSz="914400" rtl="0" eaLnBrk="1" latinLnBrk="0" hangingPunct="1">
+              <a:lnSpc>
+                <a:spcPct val="90000"/>
+              </a:lnSpc>
+              <a:spcBef>
+                <a:spcPts val="500"/>
+              </a:spcBef>
+              <a:buFont typeface="Arial" panose="020B0604020202020204" pitchFamily="34" charset="0"/>
+              <a:buChar char="•"/>
+              <a:defRPr sz="1800" kern="1200">
+                <a:solidFill>
+                  <a:schemeClr val="tx1"/>
+                </a:solidFill>
+                <a:latin typeface="+mn-lt"/>
+                <a:ea typeface="+mn-ea"/>
+                <a:cs typeface="+mn-cs"/>
+              </a:defRPr>
+            </a:lvl5pPr>
+            <a:lvl6pPr marL="2514600" indent="-228600" algn="l" defTabSz="914400" rtl="0" eaLnBrk="1" latinLnBrk="0" hangingPunct="1">
+              <a:lnSpc>
+                <a:spcPct val="90000"/>
+              </a:lnSpc>
+              <a:spcBef>
+                <a:spcPts val="500"/>
+              </a:spcBef>
+              <a:buFont typeface="Arial" panose="020B0604020202020204" pitchFamily="34" charset="0"/>
+              <a:buChar char="•"/>
+              <a:defRPr sz="1800" kern="1200">
+                <a:solidFill>
+                  <a:schemeClr val="tx1"/>
+                </a:solidFill>
+                <a:latin typeface="+mn-lt"/>
+                <a:ea typeface="+mn-ea"/>
+                <a:cs typeface="+mn-cs"/>
+              </a:defRPr>
+            </a:lvl6pPr>
+            <a:lvl7pPr marL="2971800" indent="-228600" algn="l" defTabSz="914400" rtl="0" eaLnBrk="1" latinLnBrk="0" hangingPunct="1">
+              <a:lnSpc>
+                <a:spcPct val="90000"/>
+              </a:lnSpc>
+              <a:spcBef>
+                <a:spcPts val="500"/>
+              </a:spcBef>
+              <a:buFont typeface="Arial" panose="020B0604020202020204" pitchFamily="34" charset="0"/>
+              <a:buChar char="•"/>
+              <a:defRPr sz="1800" kern="1200">
+                <a:solidFill>
+                  <a:schemeClr val="tx1"/>
+                </a:solidFill>
+                <a:latin typeface="+mn-lt"/>
+                <a:ea typeface="+mn-ea"/>
+                <a:cs typeface="+mn-cs"/>
+              </a:defRPr>
+            </a:lvl7pPr>
+            <a:lvl8pPr marL="3429000" indent="-228600" algn="l" defTabSz="914400" rtl="0" eaLnBrk="1" latinLnBrk="0" hangingPunct="1">
+              <a:lnSpc>
+                <a:spcPct val="90000"/>
+              </a:lnSpc>
+              <a:spcBef>
+                <a:spcPts val="500"/>
+              </a:spcBef>
+              <a:buFont typeface="Arial" panose="020B0604020202020204" pitchFamily="34" charset="0"/>
+              <a:buChar char="•"/>
+              <a:defRPr sz="1800" kern="1200">
+                <a:solidFill>
+                  <a:schemeClr val="tx1"/>
+                </a:solidFill>
+                <a:latin typeface="+mn-lt"/>
+                <a:ea typeface="+mn-ea"/>
+                <a:cs typeface="+mn-cs"/>
+              </a:defRPr>
+            </a:lvl8pPr>
+            <a:lvl9pPr marL="3886200" indent="-228600" algn="l" defTabSz="914400" rtl="0" eaLnBrk="1" latinLnBrk="0" hangingPunct="1">
+              <a:lnSpc>
+                <a:spcPct val="90000"/>
+              </a:lnSpc>
+              <a:spcBef>
+                <a:spcPts val="500"/>
+              </a:spcBef>
+              <a:buFont typeface="Arial" panose="020B0604020202020204" pitchFamily="34" charset="0"/>
+              <a:buChar char="•"/>
+              <a:defRPr sz="1800" kern="1200">
+                <a:solidFill>
+                  <a:schemeClr val="tx1"/>
+                </a:solidFill>
+                <a:latin typeface="+mn-lt"/>
+                <a:ea typeface="+mn-ea"/>
+                <a:cs typeface="+mn-cs"/>
+              </a:defRPr>
+            </a:lvl9pPr>
+          </a:lstStyle>
+          <a:p>
+            <a:pPr marL="0" indent="0">
+              <a:spcAft>
+                <a:spcPts val="450"/>
+              </a:spcAft>
+              <a:buNone/>
+            </a:pPr>
+            <a:r>
+              <a:rPr lang="en-US" sz="1800" dirty="0"/>
+              <a:t>Automated workflow using R software</a:t>
+            </a:r>
+          </a:p>
+          <a:p>
+            <a:pPr lvl="1">
+              <a:spcAft>
+                <a:spcPts val="450"/>
+              </a:spcAft>
+            </a:pPr>
+            <a:r>
+              <a:rPr lang="en-US" sz="1800" dirty="0"/>
+              <a:t>Access to UKRI API; ERO direct download</a:t>
+            </a:r>
+            <a:endParaRPr lang="en-US" sz="1800" dirty="0">
+              <a:cs typeface="Calibri"/>
+            </a:endParaRPr>
+          </a:p>
+          <a:p>
+            <a:pPr lvl="1">
+              <a:spcAft>
+                <a:spcPts val="450"/>
+              </a:spcAft>
+            </a:pPr>
+            <a:r>
+              <a:rPr lang="en-US" sz="1800" dirty="0"/>
+              <a:t>Data cleaning</a:t>
+            </a:r>
+            <a:endParaRPr lang="en-US" sz="1800" dirty="0">
+              <a:cs typeface="Calibri"/>
+            </a:endParaRPr>
+          </a:p>
+          <a:p>
+            <a:pPr lvl="1">
+              <a:spcAft>
+                <a:spcPts val="450"/>
+              </a:spcAft>
+            </a:pPr>
+            <a:r>
+              <a:rPr lang="en-US" sz="1800" dirty="0"/>
+              <a:t>Keyword mining </a:t>
+            </a:r>
+            <a:endParaRPr lang="en-US" sz="1800" dirty="0">
+              <a:cs typeface="Calibri"/>
+            </a:endParaRPr>
+          </a:p>
+          <a:p>
+            <a:pPr lvl="1">
+              <a:spcAft>
+                <a:spcPts val="450"/>
+              </a:spcAft>
+            </a:pPr>
+            <a:r>
+              <a:rPr lang="en-US" sz="1800" dirty="0"/>
+              <a:t>Visualization</a:t>
+            </a:r>
+            <a:endParaRPr lang="en-US" sz="1800" dirty="0">
+              <a:cs typeface="Calibri"/>
+            </a:endParaRPr>
+          </a:p>
+        </p:txBody>
+      </p:sp>
+      <p:graphicFrame>
+        <p:nvGraphicFramePr>
+          <p:cNvPr id="5" name="Table 6">
+            <a:extLst>
+              <a:ext uri="{FF2B5EF4-FFF2-40B4-BE49-F238E27FC236}">
+                <a16:creationId xmlns:a16="http://schemas.microsoft.com/office/drawing/2014/main" id="{6073E77F-29A7-920A-7B8A-FBA4B7D4145F}"/>
+              </a:ext>
+            </a:extLst>
+          </p:cNvPr>
+          <p:cNvGraphicFramePr>
+            <a:graphicFrameLocks noGrp="1"/>
+          </p:cNvGraphicFramePr>
+          <p:nvPr/>
+        </p:nvGraphicFramePr>
+        <p:xfrm>
+          <a:off x="3836577" y="1712661"/>
+          <a:ext cx="4844023" cy="2446760"/>
+        </p:xfrm>
+        <a:graphic>
+          <a:graphicData uri="http://schemas.openxmlformats.org/drawingml/2006/table">
+            <a:tbl>
+              <a:tblPr firstRow="1" bandRow="1">
+                <a:tableStyleId>{5C22544A-7EE6-4342-B048-85BDC9FD1C3A}</a:tableStyleId>
+              </a:tblPr>
+              <a:tblGrid>
+                <a:gridCol w="1066335">
+                  <a:extLst>
+                    <a:ext uri="{9D8B030D-6E8A-4147-A177-3AD203B41FA5}">
+                      <a16:colId xmlns:a16="http://schemas.microsoft.com/office/drawing/2014/main" val="915803893"/>
+                    </a:ext>
+                  </a:extLst>
+                </a:gridCol>
+                <a:gridCol w="1689143">
+                  <a:extLst>
+                    <a:ext uri="{9D8B030D-6E8A-4147-A177-3AD203B41FA5}">
+                      <a16:colId xmlns:a16="http://schemas.microsoft.com/office/drawing/2014/main" val="2007597014"/>
+                    </a:ext>
+                  </a:extLst>
+                </a:gridCol>
+                <a:gridCol w="2088545">
+                  <a:extLst>
+                    <a:ext uri="{9D8B030D-6E8A-4147-A177-3AD203B41FA5}">
+                      <a16:colId xmlns:a16="http://schemas.microsoft.com/office/drawing/2014/main" val="3237685164"/>
+                    </a:ext>
+                  </a:extLst>
+                </a:gridCol>
+              </a:tblGrid>
+              <a:tr h="487865">
+                <a:tc>
+                  <a:txBody>
+                    <a:bodyPr/>
+                    <a:lstStyle/>
+                    <a:p>
+                      <a:pPr algn="ctr"/>
+                      <a:r>
+                        <a:rPr lang="en-US" sz="1800" dirty="0"/>
+                        <a:t>#</a:t>
+                      </a:r>
+                    </a:p>
+                  </a:txBody>
+                  <a:tcPr marL="68580" marR="68580" marT="34290" marB="34290" anchor="ctr"/>
+                </a:tc>
+                <a:tc>
+                  <a:txBody>
+                    <a:bodyPr/>
+                    <a:lstStyle/>
+                    <a:p>
+                      <a:pPr algn="ctr"/>
+                      <a:r>
+                        <a:rPr lang="en-US" sz="1800" dirty="0"/>
+                        <a:t>ERO</a:t>
+                      </a:r>
+                    </a:p>
+                  </a:txBody>
+                  <a:tcPr marL="68580" marR="68580" marT="34290" marB="34290" anchor="ctr"/>
+                </a:tc>
+                <a:tc>
+                  <a:txBody>
+                    <a:bodyPr/>
+                    <a:lstStyle/>
+                    <a:p>
+                      <a:pPr algn="ctr"/>
+                      <a:r>
+                        <a:rPr lang="en-US" sz="1800" dirty="0"/>
+                        <a:t>UKRI</a:t>
+                      </a:r>
+                    </a:p>
+                  </a:txBody>
+                  <a:tcPr marL="68580" marR="68580" marT="34290" marB="34290" anchor="ctr"/>
+                </a:tc>
+                <a:extLst>
+                  <a:ext uri="{0D108BD9-81ED-4DB2-BD59-A6C34878D82A}">
+                    <a16:rowId xmlns:a16="http://schemas.microsoft.com/office/drawing/2014/main" val="3446242003"/>
+                  </a:ext>
+                </a:extLst>
+              </a:tr>
+              <a:tr h="487865">
+                <a:tc>
+                  <a:txBody>
+                    <a:bodyPr/>
+                    <a:lstStyle/>
+                    <a:p>
+                      <a:r>
+                        <a:rPr lang="en-US" sz="1000" dirty="0"/>
+                        <a:t>What</a:t>
+                      </a:r>
+                    </a:p>
+                  </a:txBody>
+                  <a:tcPr marL="68580" marR="68580" marT="34290" marB="34290" anchor="ctr"/>
+                </a:tc>
+                <a:tc>
+                  <a:txBody>
+                    <a:bodyPr/>
+                    <a:lstStyle/>
+                    <a:p>
+                      <a:pPr lvl="0">
+                        <a:buNone/>
+                      </a:pPr>
+                      <a:r>
+                        <a:rPr lang="en-US" sz="1400" b="0" i="0" u="none" strike="noStrike" noProof="0" dirty="0">
+                          <a:latin typeface="Calibri"/>
+                        </a:rPr>
+                        <a:t>Titles</a:t>
+                      </a:r>
+                      <a:endParaRPr lang="en-US" sz="1000" dirty="0"/>
+                    </a:p>
+                  </a:txBody>
+                  <a:tcPr marL="68580" marR="68580" marT="34290" marB="34290" anchor="ctr"/>
+                </a:tc>
+                <a:tc>
+                  <a:txBody>
+                    <a:bodyPr/>
+                    <a:lstStyle/>
+                    <a:p>
+                      <a:pPr lvl="0" algn="l">
+                        <a:lnSpc>
+                          <a:spcPct val="100000"/>
+                        </a:lnSpc>
+                        <a:spcBef>
+                          <a:spcPts val="0"/>
+                        </a:spcBef>
+                        <a:spcAft>
+                          <a:spcPts val="0"/>
+                        </a:spcAft>
+                        <a:buNone/>
+                      </a:pPr>
+                      <a:r>
+                        <a:rPr lang="en-GB" sz="1400" b="0" i="0" u="none" strike="noStrike" noProof="0" dirty="0">
+                          <a:latin typeface="Calibri"/>
+                        </a:rPr>
+                        <a:t>Titles + Abstracts + Descriptions</a:t>
+                      </a:r>
+                      <a:endParaRPr lang="en-US" sz="1400" b="0" i="0" u="none" strike="noStrike" noProof="0" dirty="0">
+                        <a:latin typeface="Calibri"/>
+                      </a:endParaRPr>
+                    </a:p>
+                  </a:txBody>
+                  <a:tcPr marL="68580" marR="68580" marT="34290" marB="34290" anchor="ctr"/>
+                </a:tc>
+                <a:extLst>
+                  <a:ext uri="{0D108BD9-81ED-4DB2-BD59-A6C34878D82A}">
+                    <a16:rowId xmlns:a16="http://schemas.microsoft.com/office/drawing/2014/main" val="431858011"/>
+                  </a:ext>
+                </a:extLst>
+              </a:tr>
+              <a:tr h="487865">
+                <a:tc>
+                  <a:txBody>
+                    <a:bodyPr/>
+                    <a:lstStyle/>
+                    <a:p>
+                      <a:r>
+                        <a:rPr lang="en-US" sz="1000" dirty="0"/>
+                        <a:t>Keywords</a:t>
+                      </a:r>
+                    </a:p>
+                  </a:txBody>
+                  <a:tcPr marL="68580" marR="68580" marT="34290" marB="34290" anchor="ctr"/>
+                </a:tc>
+                <a:tc>
+                  <a:txBody>
+                    <a:bodyPr/>
+                    <a:lstStyle/>
+                    <a:p>
+                      <a:r>
+                        <a:rPr lang="en-US" sz="1000" dirty="0"/>
+                        <a:t>One at a time</a:t>
+                      </a:r>
+                    </a:p>
+                  </a:txBody>
+                  <a:tcPr marL="68580" marR="68580" marT="34290" marB="34290" anchor="ctr"/>
+                </a:tc>
+                <a:tc>
+                  <a:txBody>
+                    <a:bodyPr/>
+                    <a:lstStyle/>
+                    <a:p>
+                      <a:r>
+                        <a:rPr lang="en-US" sz="1000" dirty="0"/>
+                        <a:t>Multiple at once</a:t>
+                      </a:r>
+                    </a:p>
+                  </a:txBody>
+                  <a:tcPr marL="68580" marR="68580" marT="34290" marB="34290" anchor="ctr"/>
+                </a:tc>
+                <a:extLst>
+                  <a:ext uri="{0D108BD9-81ED-4DB2-BD59-A6C34878D82A}">
+                    <a16:rowId xmlns:a16="http://schemas.microsoft.com/office/drawing/2014/main" val="1390665891"/>
+                  </a:ext>
+                </a:extLst>
+              </a:tr>
+              <a:tr h="487865">
+                <a:tc>
+                  <a:txBody>
+                    <a:bodyPr/>
+                    <a:lstStyle/>
+                    <a:p>
+                      <a:r>
+                        <a:rPr lang="en-US" sz="1000" dirty="0"/>
+                        <a:t>Funding</a:t>
+                      </a:r>
+                    </a:p>
+                  </a:txBody>
+                  <a:tcPr marL="68580" marR="68580" marT="34290" marB="34290" anchor="ctr"/>
+                </a:tc>
+                <a:tc>
+                  <a:txBody>
+                    <a:bodyPr/>
+                    <a:lstStyle/>
+                    <a:p>
+                      <a:r>
+                        <a:rPr lang="en-US" sz="1000" dirty="0"/>
+                        <a:t>Applications, Awards</a:t>
+                      </a:r>
+                    </a:p>
+                  </a:txBody>
+                  <a:tcPr marL="68580" marR="68580" marT="34290" marB="34290" anchor="ctr"/>
+                </a:tc>
+                <a:tc>
+                  <a:txBody>
+                    <a:bodyPr/>
+                    <a:lstStyle/>
+                    <a:p>
+                      <a:r>
+                        <a:rPr lang="en-US" sz="1000" dirty="0"/>
+                        <a:t>Awards</a:t>
+                      </a:r>
+                    </a:p>
+                  </a:txBody>
+                  <a:tcPr marL="68580" marR="68580" marT="34290" marB="34290" anchor="ctr"/>
+                </a:tc>
+                <a:extLst>
+                  <a:ext uri="{0D108BD9-81ED-4DB2-BD59-A6C34878D82A}">
+                    <a16:rowId xmlns:a16="http://schemas.microsoft.com/office/drawing/2014/main" val="120783294"/>
+                  </a:ext>
+                </a:extLst>
+              </a:tr>
+              <a:tr h="487865">
+                <a:tc>
+                  <a:txBody>
+                    <a:bodyPr/>
+                    <a:lstStyle/>
+                    <a:p>
+                      <a:r>
+                        <a:rPr lang="en-US" sz="1000" dirty="0"/>
+                        <a:t>Outcomes</a:t>
+                      </a:r>
+                    </a:p>
+                  </a:txBody>
+                  <a:tcPr marL="68580" marR="68580" marT="34290" marB="34290" anchor="ctr"/>
+                </a:tc>
+                <a:tc>
+                  <a:txBody>
+                    <a:bodyPr/>
+                    <a:lstStyle/>
+                    <a:p>
+                      <a:r>
+                        <a:rPr lang="en-US" sz="1000" dirty="0"/>
+                        <a:t>No</a:t>
+                      </a:r>
+                    </a:p>
+                  </a:txBody>
+                  <a:tcPr marL="68580" marR="68580" marT="34290" marB="34290" anchor="ctr"/>
+                </a:tc>
+                <a:tc>
+                  <a:txBody>
+                    <a:bodyPr/>
+                    <a:lstStyle/>
+                    <a:p>
+                      <a:r>
+                        <a:rPr lang="en-US" sz="1000" dirty="0"/>
+                        <a:t>Yes</a:t>
+                      </a:r>
+                    </a:p>
+                  </a:txBody>
+                  <a:tcPr marL="68580" marR="68580" marT="34290" marB="34290" anchor="ctr"/>
+                </a:tc>
+                <a:extLst>
+                  <a:ext uri="{0D108BD9-81ED-4DB2-BD59-A6C34878D82A}">
+                    <a16:rowId xmlns:a16="http://schemas.microsoft.com/office/drawing/2014/main" val="731785245"/>
+                  </a:ext>
+                </a:extLst>
+              </a:tr>
+            </a:tbl>
+          </a:graphicData>
+        </a:graphic>
+      </p:graphicFrame>
+    </p:spTree>
+    <p:extLst>
+      <p:ext uri="{BB962C8B-B14F-4D97-AF65-F5344CB8AC3E}">
+        <p14:creationId xmlns:p14="http://schemas.microsoft.com/office/powerpoint/2010/main" val="2975826589"/>
+      </p:ext>
+    </p:extLst>
+  </p:cSld>
+  <p:clrMapOvr>
+    <a:masterClrMapping/>
+  </p:clrMapOvr>
+</p:sld>
+</file>
+
+<file path=ppt/slides/slide5.xml><?xml version="1.0" encoding="utf-8"?>
+<p:sld xmlns:a="http://schemas.openxmlformats.org/drawingml/2006/main" xmlns:r="http://schemas.openxmlformats.org/officeDocument/2006/relationships" xmlns:p="http://schemas.openxmlformats.org/presentationml/2006/main">
+  <p:cSld>
+    <p:spTree>
+      <p:nvGrpSpPr>
+        <p:cNvPr id="1" name=""/>
+        <p:cNvGrpSpPr/>
+        <p:nvPr/>
+      </p:nvGrpSpPr>
+      <p:grpSpPr>
+        <a:xfrm>
+          <a:off x="0" y="0"/>
+          <a:ext cx="0" cy="0"/>
+          <a:chOff x="0" y="0"/>
+          <a:chExt cx="0" cy="0"/>
+        </a:xfrm>
+      </p:grpSpPr>
+      <p:sp>
+        <p:nvSpPr>
+          <p:cNvPr id="2" name="Title 1">
+            <a:extLst>
+              <a:ext uri="{FF2B5EF4-FFF2-40B4-BE49-F238E27FC236}">
+                <a16:creationId xmlns:a16="http://schemas.microsoft.com/office/drawing/2014/main" id="{161E8406-C127-6631-EA3C-B78B871991B7}"/>
+              </a:ext>
+            </a:extLst>
+          </p:cNvPr>
+          <p:cNvSpPr>
+            <a:spLocks noGrp="1"/>
+          </p:cNvSpPr>
+          <p:nvPr>
+            <p:ph type="title"/>
+          </p:nvPr>
+        </p:nvSpPr>
+        <p:spPr/>
+        <p:txBody>
+          <a:bodyPr/>
+          <a:lstStyle/>
+          <a:p>
+            <a:r>
+              <a:rPr lang="en-US" b="1" dirty="0"/>
+              <a:t>Sources </a:t>
+            </a:r>
+            <a:r>
+              <a:rPr lang="en-US" b="1"/>
+              <a:t>of University funding</a:t>
+            </a:r>
+            <a:endParaRPr lang="en-US" b="1" dirty="0"/>
+          </a:p>
+        </p:txBody>
+      </p:sp>
+      <p:graphicFrame>
+        <p:nvGraphicFramePr>
+          <p:cNvPr id="6" name="Chart 5">
+            <a:extLst>
+              <a:ext uri="{FF2B5EF4-FFF2-40B4-BE49-F238E27FC236}">
+                <a16:creationId xmlns:a16="http://schemas.microsoft.com/office/drawing/2014/main" id="{99F64FE3-2A7A-4FF4-B2B7-934E68F58152}"/>
+              </a:ext>
+            </a:extLst>
+          </p:cNvPr>
+          <p:cNvGraphicFramePr>
+            <a:graphicFrameLocks/>
+          </p:cNvGraphicFramePr>
+          <p:nvPr/>
+        </p:nvGraphicFramePr>
+        <p:xfrm>
+          <a:off x="683131" y="1169057"/>
+          <a:ext cx="6360179" cy="3857976"/>
+        </p:xfrm>
+        <a:graphic>
+          <a:graphicData uri="http://schemas.openxmlformats.org/drawingml/2006/chart">
+            <c:chart xmlns:c="http://schemas.openxmlformats.org/drawingml/2006/chart" xmlns:r="http://schemas.openxmlformats.org/officeDocument/2006/relationships" r:id="rId2"/>
+          </a:graphicData>
+        </a:graphic>
+      </p:graphicFrame>
+      <p:sp>
+        <p:nvSpPr>
+          <p:cNvPr id="3" name="Content Placeholder 2">
+            <a:extLst>
+              <a:ext uri="{FF2B5EF4-FFF2-40B4-BE49-F238E27FC236}">
+                <a16:creationId xmlns:a16="http://schemas.microsoft.com/office/drawing/2014/main" id="{4869C8B3-E835-8639-E193-118E0813B2D0}"/>
+              </a:ext>
+            </a:extLst>
+          </p:cNvPr>
+          <p:cNvSpPr>
+            <a:spLocks noGrp="1"/>
+          </p:cNvSpPr>
+          <p:nvPr>
+            <p:ph idx="1"/>
+          </p:nvPr>
+        </p:nvSpPr>
+        <p:spPr>
+          <a:xfrm>
+            <a:off x="6312588" y="3321259"/>
+            <a:ext cx="1895446" cy="707189"/>
+          </a:xfrm>
+        </p:spPr>
+        <p:txBody>
+          <a:bodyPr>
+            <a:normAutofit fontScale="85000" lnSpcReduction="10000"/>
+          </a:bodyPr>
+          <a:lstStyle/>
+          <a:p>
+            <a:pPr marL="0" indent="0">
+              <a:buNone/>
+            </a:pPr>
+            <a:r>
+              <a:rPr lang="en-US" sz="1800"/>
+              <a:t>UKRI is the dominant funding institution</a:t>
+            </a:r>
+          </a:p>
+          <a:p>
+            <a:pPr marL="0" indent="0">
+              <a:buNone/>
+            </a:pPr>
+            <a:endParaRPr lang="en-US"/>
+          </a:p>
+        </p:txBody>
+      </p:sp>
+      <p:sp>
+        <p:nvSpPr>
+          <p:cNvPr id="12" name="Arc 11">
+            <a:extLst>
+              <a:ext uri="{FF2B5EF4-FFF2-40B4-BE49-F238E27FC236}">
+                <a16:creationId xmlns:a16="http://schemas.microsoft.com/office/drawing/2014/main" id="{94926183-F136-312F-566B-4A39721ADB60}"/>
+              </a:ext>
+            </a:extLst>
+          </p:cNvPr>
+          <p:cNvSpPr/>
+          <p:nvPr/>
+        </p:nvSpPr>
+        <p:spPr>
+          <a:xfrm>
+            <a:off x="5430329" y="2717321"/>
+            <a:ext cx="1354348" cy="957533"/>
+          </a:xfrm>
+          <a:prstGeom prst="arc">
+            <a:avLst/>
+          </a:prstGeom>
+          <a:ln w="38100">
+            <a:solidFill>
+              <a:srgbClr val="4C92DC"/>
+            </a:solidFill>
+            <a:headEnd type="arrow" w="med" len="med"/>
+            <a:tailEnd type="none" w="med" len="med"/>
+          </a:ln>
+        </p:spPr>
+        <p:style>
+          <a:lnRef idx="1">
+            <a:schemeClr val="accent1"/>
+          </a:lnRef>
+          <a:fillRef idx="0">
+            <a:schemeClr val="accent1"/>
+          </a:fillRef>
+          <a:effectRef idx="0">
+            <a:schemeClr val="accent1"/>
+          </a:effectRef>
+          <a:fontRef idx="minor">
+            <a:schemeClr val="tx1"/>
+          </a:fontRef>
+        </p:style>
+        <p:txBody>
+          <a:bodyPr rtlCol="0" anchor="ctr"/>
+          <a:lstStyle/>
+          <a:p>
+            <a:pPr algn="ctr"/>
+            <a:endParaRPr lang="en-GB" sz="1350"/>
+          </a:p>
+        </p:txBody>
+      </p:sp>
+    </p:spTree>
+    <p:extLst>
+      <p:ext uri="{BB962C8B-B14F-4D97-AF65-F5344CB8AC3E}">
+        <p14:creationId xmlns:p14="http://schemas.microsoft.com/office/powerpoint/2010/main" val="4105607388"/>
+      </p:ext>
+    </p:extLst>
+  </p:cSld>
+  <p:clrMapOvr>
+    <a:masterClrMapping/>
+  </p:clrMapOvr>
+  <p:timing>
+    <p:tnLst>
+      <p:par>
+        <p:cTn id="1" dur="indefinite" restart="never" nodeType="tmRoot">
+          <p:childTnLst>
+            <p:seq concurrent="1" nextAc="seek">
+              <p:cTn id="2" dur="indefinite" nodeType="mainSeq">
+                <p:childTnLst>
+                  <p:par>
+                    <p:cTn id="3" fill="hold">
+                      <p:stCondLst>
+                        <p:cond delay="indefinite"/>
+                      </p:stCondLst>
+                      <p:childTnLst>
+                        <p:par>
+                          <p:cTn id="4" fill="hold">
+                            <p:stCondLst>
+                              <p:cond delay="0"/>
+                            </p:stCondLst>
+                            <p:childTnLst>
+                              <p:par>
+                                <p:cTn id="5" presetID="1" presetClass="entr" presetSubtype="0" fill="hold" grpId="0" nodeType="clickEffect">
+                                  <p:stCondLst>
+                                    <p:cond delay="0"/>
+                                  </p:stCondLst>
+                                  <p:childTnLst>
+                                    <p:set>
+                                      <p:cBhvr>
+                                        <p:cTn id="6" dur="1" fill="hold">
+                                          <p:stCondLst>
+                                            <p:cond delay="0"/>
+                                          </p:stCondLst>
+                                        </p:cTn>
+                                        <p:tgtEl>
+                                          <p:spTgt spid="3">
+                                            <p:txEl>
+                                              <p:pRg st="0" end="0"/>
+                                            </p:txEl>
+                                          </p:spTgt>
+                                        </p:tgtEl>
+                                        <p:attrNameLst>
+                                          <p:attrName>style.visibility</p:attrName>
+                                        </p:attrNameLst>
+                                      </p:cBhvr>
+                                      <p:to>
+                                        <p:strVal val="visible"/>
+                                      </p:to>
+                                    </p:set>
+                                  </p:childTnLst>
+                                </p:cTn>
+                              </p:par>
+                              <p:par>
+                                <p:cTn id="7" presetID="1" presetClass="entr" presetSubtype="0" fill="hold" grpId="0" nodeType="withEffect">
+                                  <p:stCondLst>
+                                    <p:cond delay="0"/>
+                                  </p:stCondLst>
+                                  <p:childTnLst>
+                                    <p:set>
+                                      <p:cBhvr>
+                                        <p:cTn id="8" dur="1" fill="hold">
+                                          <p:stCondLst>
+                                            <p:cond delay="0"/>
+                                          </p:stCondLst>
+                                        </p:cTn>
+                                        <p:tgtEl>
+                                          <p:spTgt spid="12"/>
+                                        </p:tgtEl>
+                                        <p:attrNameLst>
+                                          <p:attrName>style.visibility</p:attrName>
+                                        </p:attrNameLst>
+                                      </p:cBhvr>
+                                      <p:to>
+                                        <p:strVal val="visible"/>
+                                      </p:to>
+                                    </p:set>
+                                  </p:childTnLst>
+                                </p:cTn>
+                              </p:par>
+                            </p:childTnLst>
+                          </p:cTn>
+                        </p:par>
+                      </p:childTnLst>
+                    </p:cTn>
+                  </p:par>
+                </p:childTnLst>
+              </p:cTn>
+              <p:prevCondLst>
+                <p:cond evt="onPrev" delay="0">
+                  <p:tgtEl>
+                    <p:sldTgt/>
+                  </p:tgtEl>
+                </p:cond>
+              </p:prevCondLst>
+              <p:nextCondLst>
+                <p:cond evt="onNext" delay="0">
+                  <p:tgtEl>
+                    <p:sldTgt/>
+                  </p:tgtEl>
+                </p:cond>
+              </p:nextCondLst>
+            </p:seq>
+          </p:childTnLst>
+        </p:cTn>
+      </p:par>
+    </p:tnLst>
+    <p:bldLst>
+      <p:bldP spid="3" grpId="0" build="p"/>
+      <p:bldP spid="12" grpId="0" animBg="1"/>
+    </p:bldLst>
+  </p:timing>
+</p:sld>
+</file>
+
+<file path=ppt/slides/slide6.xml><?xml version="1.0" encoding="utf-8"?>
+<p:sld xmlns:a="http://schemas.openxmlformats.org/drawingml/2006/main" xmlns:r="http://schemas.openxmlformats.org/officeDocument/2006/relationships" xmlns:p="http://schemas.openxmlformats.org/presentationml/2006/main">
+  <p:cSld>
+    <p:spTree>
+      <p:nvGrpSpPr>
+        <p:cNvPr id="1" name=""/>
+        <p:cNvGrpSpPr/>
+        <p:nvPr/>
+      </p:nvGrpSpPr>
+      <p:grpSpPr>
+        <a:xfrm>
+          <a:off x="0" y="0"/>
+          <a:ext cx="0" cy="0"/>
+          <a:chOff x="0" y="0"/>
+          <a:chExt cx="0" cy="0"/>
+        </a:xfrm>
+      </p:grpSpPr>
+      <p:sp>
+        <p:nvSpPr>
+          <p:cNvPr id="2" name="Title 1"/>
+          <p:cNvSpPr>
+            <a:spLocks noGrp="1"/>
+          </p:cNvSpPr>
+          <p:nvPr>
+            <p:ph type="title"/>
+          </p:nvPr>
+        </p:nvSpPr>
+        <p:spPr/>
+        <p:txBody>
+          <a:bodyPr/>
+          <a:lstStyle/>
+          <a:p>
+            <a:pPr marL="0" lvl="0" indent="0">
+              <a:buNone/>
+            </a:pPr>
+            <a:r>
+              <a:rPr b="1" dirty="0"/>
+              <a:t>Source of </a:t>
+            </a:r>
+            <a:r>
+              <a:rPr lang="en-GB" b="1" dirty="0"/>
+              <a:t>Climate </a:t>
+            </a:r>
+            <a:r>
+              <a:rPr b="1" dirty="0"/>
+              <a:t>Funding (2021)</a:t>
             </a:r>
           </a:p>
         </p:txBody>
       </p:sp>
       <p:pic>
         <p:nvPicPr>
-          <p:cNvPr descr="Presentation_climate_research_files/figure-pptx/unnamed-chunk-14-1.png" id="0" name="Picture 1"/>
+          <p:cNvPr id="3" name="Picture 1" descr="Presentation_climate_research_files/figure-pptx/unnamed-chunk-4-1.png"/>
           <p:cNvPicPr>
             <a:picLocks noGrp="1" noChangeAspect="1"/>
           </p:cNvPicPr>
@@ -3499,10 +7206,13 @@
       </p:pic>
     </p:spTree>
   </p:cSld>
+  <p:clrMapOvr>
+    <a:masterClrMapping/>
+  </p:clrMapOvr>
 </p:sld>
 </file>
 
-<file path=ppt/slides/slide2.xml><?xml version="1.0" encoding="utf-8"?>
+<file path=ppt/slides/slide7.xml><?xml version="1.0" encoding="utf-8"?>
 <p:sld xmlns:a="http://schemas.openxmlformats.org/drawingml/2006/main" xmlns:r="http://schemas.openxmlformats.org/officeDocument/2006/relationships" xmlns:p="http://schemas.openxmlformats.org/presentationml/2006/main">
   <p:cSld>
     <p:spTree>
@@ -3534,229 +7244,19 @@
           <a:bodyPr/>
           <a:lstStyle/>
           <a:p>
-            <a:pPr lvl="0" indent="0" marL="0">
+            <a:pPr marL="0" lvl="0" indent="0">
               <a:buNone/>
             </a:pPr>
             <a:r>
-              <a:rPr/>
-              <a:t>Goals</a:t>
-            </a:r>
-          </a:p>
-        </p:txBody>
-      </p:sp>
-      <p:sp>
-        <p:nvSpPr>
-          <p:cNvPr id="3" name="Content Placeholder 2"/>
-          <p:cNvSpPr>
-            <a:spLocks noGrp="1"/>
-          </p:cNvSpPr>
-          <p:nvPr>
-            <p:ph idx="1"/>
-          </p:nvPr>
-        </p:nvSpPr>
-        <p:spPr/>
-        <p:txBody>
-          <a:bodyPr/>
-          <a:lstStyle/>
-          <a:p>
-            <a:pPr lvl="0"/>
-            <a:r>
-              <a:rPr/>
-              <a:t>Assess extent of climate-related research.</a:t>
-            </a:r>
-          </a:p>
-          <a:p>
-            <a:pPr lvl="0"/>
-            <a:r>
-              <a:rPr/>
-              <a:t>Create a baseline of climate-related research funding.</a:t>
-            </a:r>
-          </a:p>
-          <a:p>
-            <a:pPr lvl="0"/>
-            <a:r>
-              <a:rPr/>
-              <a:t>Disaggregate data based on important areas of focus.</a:t>
-            </a:r>
-          </a:p>
-          <a:p>
-            <a:pPr lvl="0"/>
-            <a:r>
-              <a:rPr/>
-              <a:t>Develop a series of high impact case studies.</a:t>
-            </a:r>
-          </a:p>
-          <a:p>
-            <a:pPr lvl="0"/>
-            <a:r>
-              <a:rPr/>
-              <a:t>Visualize findings and data.</a:t>
-            </a:r>
-          </a:p>
-        </p:txBody>
-      </p:sp>
-    </p:spTree>
-  </p:cSld>
-</p:sld>
-</file>
-
-<file path=ppt/slides/slide3.xml><?xml version="1.0" encoding="utf-8"?>
-<p:sld xmlns:a="http://schemas.openxmlformats.org/drawingml/2006/main" xmlns:r="http://schemas.openxmlformats.org/officeDocument/2006/relationships" xmlns:p="http://schemas.openxmlformats.org/presentationml/2006/main">
-  <p:cSld>
-    <p:spTree>
-      <p:nvGrpSpPr>
-        <p:cNvPr id="1" name=""/>
-        <p:cNvGrpSpPr/>
-        <p:nvPr/>
-      </p:nvGrpSpPr>
-      <p:grpSpPr>
-        <a:xfrm>
-          <a:off x="0" y="0"/>
-          <a:ext cx="0" cy="0"/>
-          <a:chOff x="0" y="0"/>
-          <a:chExt cx="0" cy="0"/>
-        </a:xfrm>
-      </p:grpSpPr>
-      <p:sp>
-        <p:nvSpPr>
-          <p:cNvPr id="2" name="Title 1"/>
-          <p:cNvSpPr>
-            <a:spLocks noGrp="1"/>
-          </p:cNvSpPr>
-          <p:nvPr>
-            <p:ph type="title"/>
-          </p:nvPr>
-        </p:nvSpPr>
-        <p:spPr/>
-        <p:txBody>
-          <a:bodyPr/>
-          <a:lstStyle/>
-          <a:p>
-            <a:pPr lvl="0" indent="0" marL="0">
-              <a:buNone/>
-            </a:pPr>
-            <a:r>
-              <a:rPr/>
-              <a:t>Questions</a:t>
-            </a:r>
-          </a:p>
-        </p:txBody>
-      </p:sp>
-      <p:sp>
-        <p:nvSpPr>
-          <p:cNvPr id="3" name="Content Placeholder 2"/>
-          <p:cNvSpPr>
-            <a:spLocks noGrp="1"/>
-          </p:cNvSpPr>
-          <p:nvPr>
-            <p:ph idx="1"/>
-          </p:nvPr>
-        </p:nvSpPr>
-        <p:spPr/>
-        <p:txBody>
-          <a:bodyPr/>
-          <a:lstStyle/>
-          <a:p>
-            <a:pPr lvl="0"/>
-            <a:r>
-              <a:rPr/>
-              <a:t>Which are the primary funding bodies?</a:t>
-            </a:r>
-          </a:p>
-          <a:p>
-            <a:pPr lvl="0"/>
-            <a:r>
-              <a:rPr/>
-              <a:t>What is the application success rate?</a:t>
-            </a:r>
-          </a:p>
-          <a:p>
-            <a:pPr lvl="0"/>
-            <a:r>
-              <a:rPr/>
-              <a:t>How is research funding distributed among colleges/schools?</a:t>
-            </a:r>
-          </a:p>
-          <a:p>
-            <a:pPr lvl="0"/>
-            <a:r>
-              <a:rPr/>
-              <a:t>What is the distribution of active projects?</a:t>
-            </a:r>
-          </a:p>
-          <a:p>
-            <a:pPr lvl="0"/>
-            <a:r>
-              <a:rPr/>
-              <a:t>How is the research distributed around the world?</a:t>
-            </a:r>
-          </a:p>
-          <a:p>
-            <a:pPr lvl="0"/>
-            <a:r>
-              <a:rPr/>
-              <a:t>What are the various research outcomes from projects?</a:t>
-            </a:r>
-          </a:p>
-          <a:p>
-            <a:pPr lvl="0"/>
-            <a:r>
-              <a:rPr/>
-              <a:t>What are the major domains of research?</a:t>
-            </a:r>
-          </a:p>
-        </p:txBody>
-      </p:sp>
-    </p:spTree>
-  </p:cSld>
-</p:sld>
-</file>
-
-<file path=ppt/slides/slide4.xml><?xml version="1.0" encoding="utf-8"?>
-<p:sld xmlns:a="http://schemas.openxmlformats.org/drawingml/2006/main" xmlns:r="http://schemas.openxmlformats.org/officeDocument/2006/relationships" xmlns:p="http://schemas.openxmlformats.org/presentationml/2006/main">
-  <p:cSld>
-    <p:spTree>
-      <p:nvGrpSpPr>
-        <p:cNvPr id="1" name=""/>
-        <p:cNvGrpSpPr/>
-        <p:nvPr/>
-      </p:nvGrpSpPr>
-      <p:grpSpPr>
-        <a:xfrm>
-          <a:off x="0" y="0"/>
-          <a:ext cx="0" cy="0"/>
-          <a:chOff x="0" y="0"/>
-          <a:chExt cx="0" cy="0"/>
-        </a:xfrm>
-      </p:grpSpPr>
-      <p:sp>
-        <p:nvSpPr>
-          <p:cNvPr id="2" name="Title 1"/>
-          <p:cNvSpPr>
-            <a:spLocks noGrp="1"/>
-          </p:cNvSpPr>
-          <p:nvPr>
-            <p:ph type="title"/>
-          </p:nvPr>
-        </p:nvSpPr>
-        <p:spPr/>
-        <p:txBody>
-          <a:bodyPr/>
-          <a:lstStyle/>
-          <a:p>
-            <a:pPr lvl="0" indent="0" marL="0">
-              <a:buNone/>
-            </a:pPr>
-            <a:r>
-              <a:rPr/>
-              <a:t>Source of Funding (2021)</a:t>
+              <a:rPr b="1" dirty="0"/>
+              <a:t>Application Success Rate</a:t>
             </a:r>
           </a:p>
         </p:txBody>
       </p:sp>
       <p:pic>
         <p:nvPicPr>
-          <p:cNvPr descr="Presentation_climate_research_files/figure-pptx/unnamed-chunk-4-1.png" id="0" name="Picture 1"/>
+          <p:cNvPr id="3" name="Picture 1" descr="Presentation_climate_research_files/figure-pptx/unnamed-chunk-5-1.png"/>
           <p:cNvPicPr>
             <a:picLocks noGrp="1" noChangeAspect="1"/>
           </p:cNvPicPr>
@@ -3786,10 +7286,13 @@
       </p:pic>
     </p:spTree>
   </p:cSld>
+  <p:clrMapOvr>
+    <a:masterClrMapping/>
+  </p:clrMapOvr>
 </p:sld>
 </file>
 
-<file path=ppt/slides/slide5.xml><?xml version="1.0" encoding="utf-8"?>
+<file path=ppt/slides/slide8.xml><?xml version="1.0" encoding="utf-8"?>
 <p:sld xmlns:a="http://schemas.openxmlformats.org/drawingml/2006/main" xmlns:r="http://schemas.openxmlformats.org/officeDocument/2006/relationships" xmlns:p="http://schemas.openxmlformats.org/presentationml/2006/main">
   <p:cSld>
     <p:spTree>
@@ -3821,19 +7324,19 @@
           <a:bodyPr/>
           <a:lstStyle/>
           <a:p>
-            <a:pPr lvl="0" indent="0" marL="0">
+            <a:pPr marL="0" lvl="0" indent="0">
               <a:buNone/>
             </a:pPr>
             <a:r>
-              <a:rPr/>
-              <a:t>Application Success Rate</a:t>
+              <a:rPr b="1" dirty="0"/>
+              <a:t>Research Income (2021)</a:t>
             </a:r>
           </a:p>
         </p:txBody>
       </p:sp>
       <p:pic>
         <p:nvPicPr>
-          <p:cNvPr descr="Presentation_climate_research_files/figure-pptx/unnamed-chunk-5-1.png" id="0" name="Picture 1"/>
+          <p:cNvPr id="3" name="Picture 1" descr="Presentation_climate_research_files/figure-pptx/unnamed-chunk-6-1.png"/>
           <p:cNvPicPr>
             <a:picLocks noGrp="1" noChangeAspect="1"/>
           </p:cNvPicPr>
@@ -3863,10 +7366,13 @@
       </p:pic>
     </p:spTree>
   </p:cSld>
+  <p:clrMapOvr>
+    <a:masterClrMapping/>
+  </p:clrMapOvr>
 </p:sld>
 </file>
 
-<file path=ppt/slides/slide6.xml><?xml version="1.0" encoding="utf-8"?>
+<file path=ppt/slides/slide9.xml><?xml version="1.0" encoding="utf-8"?>
 <p:sld xmlns:a="http://schemas.openxmlformats.org/drawingml/2006/main" xmlns:r="http://schemas.openxmlformats.org/officeDocument/2006/relationships" xmlns:p="http://schemas.openxmlformats.org/presentationml/2006/main">
   <p:cSld>
     <p:spTree>
@@ -3898,19 +7404,19 @@
           <a:bodyPr/>
           <a:lstStyle/>
           <a:p>
-            <a:pPr lvl="0" indent="0" marL="0">
+            <a:pPr marL="0" lvl="0" indent="0">
               <a:buNone/>
             </a:pPr>
             <a:r>
-              <a:rPr/>
-              <a:t>Research Income (2021)</a:t>
+              <a:rPr b="1" dirty="0"/>
+              <a:t>Source of Funding (Active projects)</a:t>
             </a:r>
           </a:p>
         </p:txBody>
       </p:sp>
       <p:pic>
         <p:nvPicPr>
-          <p:cNvPr descr="Presentation_climate_research_files/figure-pptx/unnamed-chunk-6-1.png" id="0" name="Picture 1"/>
+          <p:cNvPr id="3" name="Picture 1" descr="Presentation_climate_research_files/figure-pptx/unnamed-chunk-7-1.png"/>
           <p:cNvPicPr>
             <a:picLocks noGrp="1" noChangeAspect="1"/>
           </p:cNvPicPr>
@@ -3940,237 +7446,9 @@
       </p:pic>
     </p:spTree>
   </p:cSld>
-</p:sld>
-</file>
-
-<file path=ppt/slides/slide7.xml><?xml version="1.0" encoding="utf-8"?>
-<p:sld xmlns:a="http://schemas.openxmlformats.org/drawingml/2006/main" xmlns:r="http://schemas.openxmlformats.org/officeDocument/2006/relationships" xmlns:p="http://schemas.openxmlformats.org/presentationml/2006/main">
-  <p:cSld>
-    <p:spTree>
-      <p:nvGrpSpPr>
-        <p:cNvPr id="1" name=""/>
-        <p:cNvGrpSpPr/>
-        <p:nvPr/>
-      </p:nvGrpSpPr>
-      <p:grpSpPr>
-        <a:xfrm>
-          <a:off x="0" y="0"/>
-          <a:ext cx="0" cy="0"/>
-          <a:chOff x="0" y="0"/>
-          <a:chExt cx="0" cy="0"/>
-        </a:xfrm>
-      </p:grpSpPr>
-      <p:sp>
-        <p:nvSpPr>
-          <p:cNvPr id="2" name="Title 1"/>
-          <p:cNvSpPr>
-            <a:spLocks noGrp="1"/>
-          </p:cNvSpPr>
-          <p:nvPr>
-            <p:ph type="title"/>
-          </p:nvPr>
-        </p:nvSpPr>
-        <p:spPr/>
-        <p:txBody>
-          <a:bodyPr/>
-          <a:lstStyle/>
-          <a:p>
-            <a:pPr lvl="0" indent="0" marL="0">
-              <a:buNone/>
-            </a:pPr>
-            <a:r>
-              <a:rPr/>
-              <a:t>Source of Funding (Active projects)</a:t>
-            </a:r>
-          </a:p>
-        </p:txBody>
-      </p:sp>
-      <p:pic>
-        <p:nvPicPr>
-          <p:cNvPr descr="Presentation_climate_research_files/figure-pptx/unnamed-chunk-7-1.png" id="0" name="Picture 1"/>
-          <p:cNvPicPr>
-            <a:picLocks noGrp="1" noChangeAspect="1"/>
-          </p:cNvPicPr>
-          <p:nvPr/>
-        </p:nvPicPr>
-        <p:blipFill>
-          <a:blip r:embed="rId2"/>
-          <a:stretch>
-            <a:fillRect/>
-          </a:stretch>
-        </p:blipFill>
-        <p:spPr bwMode="auto">
-          <a:xfrm>
-            <a:off x="1181100" y="1193800"/>
-            <a:ext cx="6781800" cy="3390900"/>
-          </a:xfrm>
-          <a:prstGeom prst="rect">
-            <a:avLst/>
-          </a:prstGeom>
-          <a:noFill/>
-          <a:ln w="9525">
-            <a:noFill/>
-            <a:headEnd/>
-            <a:tailEnd/>
-          </a:ln>
-        </p:spPr>
-      </p:pic>
-    </p:spTree>
-  </p:cSld>
-</p:sld>
-</file>
-
-<file path=ppt/slides/slide8.xml><?xml version="1.0" encoding="utf-8"?>
-<p:sld xmlns:a="http://schemas.openxmlformats.org/drawingml/2006/main" xmlns:r="http://schemas.openxmlformats.org/officeDocument/2006/relationships" xmlns:p="http://schemas.openxmlformats.org/presentationml/2006/main">
-  <p:cSld>
-    <p:spTree>
-      <p:nvGrpSpPr>
-        <p:cNvPr id="1" name=""/>
-        <p:cNvGrpSpPr/>
-        <p:nvPr/>
-      </p:nvGrpSpPr>
-      <p:grpSpPr>
-        <a:xfrm>
-          <a:off x="0" y="0"/>
-          <a:ext cx="0" cy="0"/>
-          <a:chOff x="0" y="0"/>
-          <a:chExt cx="0" cy="0"/>
-        </a:xfrm>
-      </p:grpSpPr>
-      <p:sp>
-        <p:nvSpPr>
-          <p:cNvPr id="2" name="Title 1"/>
-          <p:cNvSpPr>
-            <a:spLocks noGrp="1"/>
-          </p:cNvSpPr>
-          <p:nvPr>
-            <p:ph type="title"/>
-          </p:nvPr>
-        </p:nvSpPr>
-        <p:spPr/>
-        <p:txBody>
-          <a:bodyPr/>
-          <a:lstStyle/>
-          <a:p>
-            <a:pPr lvl="0" indent="0" marL="0">
-              <a:buNone/>
-            </a:pPr>
-            <a:r>
-              <a:rPr/>
-              <a:t>Distribution of active projects within colleges</a:t>
-            </a:r>
-          </a:p>
-        </p:txBody>
-      </p:sp>
-      <p:pic>
-        <p:nvPicPr>
-          <p:cNvPr descr="Presentation_climate_research_files/figure-pptx/unnamed-chunk-8-1.png" id="0" name="Picture 1"/>
-          <p:cNvPicPr>
-            <a:picLocks noGrp="1" noChangeAspect="1"/>
-          </p:cNvPicPr>
-          <p:nvPr/>
-        </p:nvPicPr>
-        <p:blipFill>
-          <a:blip r:embed="rId2"/>
-          <a:stretch>
-            <a:fillRect/>
-          </a:stretch>
-        </p:blipFill>
-        <p:spPr bwMode="auto">
-          <a:xfrm>
-            <a:off x="1181100" y="1193800"/>
-            <a:ext cx="6781800" cy="3390900"/>
-          </a:xfrm>
-          <a:prstGeom prst="rect">
-            <a:avLst/>
-          </a:prstGeom>
-          <a:noFill/>
-          <a:ln w="9525">
-            <a:noFill/>
-            <a:headEnd/>
-            <a:tailEnd/>
-          </a:ln>
-        </p:spPr>
-      </p:pic>
-    </p:spTree>
-  </p:cSld>
-</p:sld>
-</file>
-
-<file path=ppt/slides/slide9.xml><?xml version="1.0" encoding="utf-8"?>
-<p:sld xmlns:a="http://schemas.openxmlformats.org/drawingml/2006/main" xmlns:r="http://schemas.openxmlformats.org/officeDocument/2006/relationships" xmlns:p="http://schemas.openxmlformats.org/presentationml/2006/main">
-  <p:cSld>
-    <p:spTree>
-      <p:nvGrpSpPr>
-        <p:cNvPr id="1" name=""/>
-        <p:cNvGrpSpPr/>
-        <p:nvPr/>
-      </p:nvGrpSpPr>
-      <p:grpSpPr>
-        <a:xfrm>
-          <a:off x="0" y="0"/>
-          <a:ext cx="0" cy="0"/>
-          <a:chOff x="0" y="0"/>
-          <a:chExt cx="0" cy="0"/>
-        </a:xfrm>
-      </p:grpSpPr>
-      <p:sp>
-        <p:nvSpPr>
-          <p:cNvPr id="2" name="Title 1"/>
-          <p:cNvSpPr>
-            <a:spLocks noGrp="1"/>
-          </p:cNvSpPr>
-          <p:nvPr>
-            <p:ph type="title"/>
-          </p:nvPr>
-        </p:nvSpPr>
-        <p:spPr/>
-        <p:txBody>
-          <a:bodyPr/>
-          <a:lstStyle/>
-          <a:p>
-            <a:pPr lvl="0" indent="0" marL="0">
-              <a:buNone/>
-            </a:pPr>
-            <a:r>
-              <a:rPr/>
-              <a:t>Categories of Projects</a:t>
-            </a:r>
-          </a:p>
-        </p:txBody>
-      </p:sp>
-      <p:pic>
-        <p:nvPicPr>
-          <p:cNvPr descr="Presentation_climate_research_files/figure-pptx/unnamed-chunk-9-1.png" id="0" name="Picture 1"/>
-          <p:cNvPicPr>
-            <a:picLocks noGrp="1" noChangeAspect="1"/>
-          </p:cNvPicPr>
-          <p:nvPr/>
-        </p:nvPicPr>
-        <p:blipFill>
-          <a:blip r:embed="rId2"/>
-          <a:stretch>
-            <a:fillRect/>
-          </a:stretch>
-        </p:blipFill>
-        <p:spPr bwMode="auto">
-          <a:xfrm>
-            <a:off x="1181100" y="1193800"/>
-            <a:ext cx="6781800" cy="3390900"/>
-          </a:xfrm>
-          <a:prstGeom prst="rect">
-            <a:avLst/>
-          </a:prstGeom>
-          <a:noFill/>
-          <a:ln w="9525">
-            <a:noFill/>
-            <a:headEnd/>
-            <a:tailEnd/>
-          </a:ln>
-        </p:spPr>
-      </p:pic>
-    </p:spTree>
-  </p:cSld>
+  <p:clrMapOvr>
+    <a:masterClrMapping/>
+  </p:clrMapOvr>
 </p:sld>
 </file>
 
@@ -4511,7 +7789,7 @@
         <a:srgbClr val="E7E6E6"/>
       </a:lt2>
       <a:accent1>
-        <a:srgbClr val="5B9BD5"/>
+        <a:srgbClr val="4472C4"/>
       </a:accent1>
       <a:accent2>
         <a:srgbClr val="ED7D31"/>
@@ -4523,7 +7801,7 @@
         <a:srgbClr val="FFC000"/>
       </a:accent4>
       <a:accent5>
-        <a:srgbClr val="4472C4"/>
+        <a:srgbClr val="5B9BD5"/>
       </a:accent5>
       <a:accent6>
         <a:srgbClr val="70AD47"/>
@@ -4540,9 +7818,9 @@
         <a:latin typeface="Calibri Light" panose="020F0302020204030204"/>
         <a:ea typeface=""/>
         <a:cs typeface=""/>
-        <a:font script="Jpan" typeface="ＭＳ Ｐゴシック"/>
+        <a:font script="Jpan" typeface="游ゴシック Light"/>
         <a:font script="Hang" typeface="맑은 고딕"/>
-        <a:font script="Hans" typeface="宋体"/>
+        <a:font script="Hans" typeface="等线 Light"/>
         <a:font script="Hant" typeface="新細明體"/>
         <a:font script="Arab" typeface="Times New Roman"/>
         <a:font script="Hebr" typeface="Times New Roman"/>
@@ -4570,14 +7848,31 @@
         <a:font script="Viet" typeface="Times New Roman"/>
         <a:font script="Uigh" typeface="Microsoft Uighur"/>
         <a:font script="Geor" typeface="Sylfaen"/>
+        <a:font script="Armn" typeface="Arial"/>
+        <a:font script="Bugi" typeface="Leelawadee UI"/>
+        <a:font script="Bopo" typeface="Microsoft JhengHei"/>
+        <a:font script="Java" typeface="Javanese Text"/>
+        <a:font script="Lisu" typeface="Segoe UI"/>
+        <a:font script="Mymr" typeface="Myanmar Text"/>
+        <a:font script="Nkoo" typeface="Ebrima"/>
+        <a:font script="Olck" typeface="Nirmala UI"/>
+        <a:font script="Osma" typeface="Ebrima"/>
+        <a:font script="Phag" typeface="Phagspa"/>
+        <a:font script="Syrn" typeface="Estrangelo Edessa"/>
+        <a:font script="Syrj" typeface="Estrangelo Edessa"/>
+        <a:font script="Syre" typeface="Estrangelo Edessa"/>
+        <a:font script="Sora" typeface="Nirmala UI"/>
+        <a:font script="Tale" typeface="Microsoft Tai Le"/>
+        <a:font script="Talu" typeface="Microsoft New Tai Lue"/>
+        <a:font script="Tfng" typeface="Ebrima"/>
       </a:majorFont>
       <a:minorFont>
         <a:latin typeface="Calibri" panose="020F0502020204030204"/>
         <a:ea typeface=""/>
         <a:cs typeface=""/>
-        <a:font script="Jpan" typeface="ＭＳ Ｐゴシック"/>
+        <a:font script="Jpan" typeface="游ゴシック"/>
         <a:font script="Hang" typeface="맑은 고딕"/>
-        <a:font script="Hans" typeface="宋体"/>
+        <a:font script="Hans" typeface="等线"/>
         <a:font script="Hant" typeface="新細明體"/>
         <a:font script="Arab" typeface="Arial"/>
         <a:font script="Hebr" typeface="Arial"/>
@@ -4605,6 +7900,23 @@
         <a:font script="Viet" typeface="Arial"/>
         <a:font script="Uigh" typeface="Microsoft Uighur"/>
         <a:font script="Geor" typeface="Sylfaen"/>
+        <a:font script="Armn" typeface="Arial"/>
+        <a:font script="Bugi" typeface="Leelawadee UI"/>
+        <a:font script="Bopo" typeface="Microsoft JhengHei"/>
+        <a:font script="Java" typeface="Javanese Text"/>
+        <a:font script="Lisu" typeface="Segoe UI"/>
+        <a:font script="Mymr" typeface="Myanmar Text"/>
+        <a:font script="Nkoo" typeface="Ebrima"/>
+        <a:font script="Olck" typeface="Nirmala UI"/>
+        <a:font script="Osma" typeface="Ebrima"/>
+        <a:font script="Phag" typeface="Phagspa"/>
+        <a:font script="Syrn" typeface="Estrangelo Edessa"/>
+        <a:font script="Syrj" typeface="Estrangelo Edessa"/>
+        <a:font script="Syre" typeface="Estrangelo Edessa"/>
+        <a:font script="Sora" typeface="Nirmala UI"/>
+        <a:font script="Tale" typeface="Microsoft Tai Le"/>
+        <a:font script="Talu" typeface="Microsoft New Tai Lue"/>
+        <a:font script="Tfng" typeface="Ebrima"/>
       </a:minorFont>
     </a:fontScheme>
     <a:fmtScheme name="Office">
